--- a/03 - Data Exploration, Analytical Formulation, and Baselines/data-exploration.pptx
+++ b/03 - Data Exploration, Analytical Formulation, and Baselines/data-exploration.pptx
@@ -5,21 +5,23 @@
     <p:sldMasterId id="2147483648" r:id="rId1"/>
   </p:sldMasterIdLst>
   <p:notesMasterIdLst>
-    <p:notesMasterId r:id="rId14"/>
+    <p:notesMasterId r:id="rId16"/>
   </p:notesMasterIdLst>
   <p:sldIdLst>
     <p:sldId id="256" r:id="rId2"/>
     <p:sldId id="297" r:id="rId3"/>
     <p:sldId id="281" r:id="rId4"/>
-    <p:sldId id="295" r:id="rId5"/>
-    <p:sldId id="282" r:id="rId6"/>
-    <p:sldId id="285" r:id="rId7"/>
-    <p:sldId id="283" r:id="rId8"/>
-    <p:sldId id="298" r:id="rId9"/>
-    <p:sldId id="260" r:id="rId10"/>
-    <p:sldId id="261" r:id="rId11"/>
-    <p:sldId id="300" r:id="rId12"/>
-    <p:sldId id="299" r:id="rId13"/>
+    <p:sldId id="302" r:id="rId5"/>
+    <p:sldId id="295" r:id="rId6"/>
+    <p:sldId id="282" r:id="rId7"/>
+    <p:sldId id="285" r:id="rId8"/>
+    <p:sldId id="283" r:id="rId9"/>
+    <p:sldId id="298" r:id="rId10"/>
+    <p:sldId id="260" r:id="rId11"/>
+    <p:sldId id="261" r:id="rId12"/>
+    <p:sldId id="300" r:id="rId13"/>
+    <p:sldId id="299" r:id="rId14"/>
+    <p:sldId id="301" r:id="rId15"/>
   </p:sldIdLst>
   <p:sldSz cx="12192000" cy="6858000"/>
   <p:notesSz cx="6858000" cy="9144000"/>
@@ -257,7 +259,7 @@
       <p15:sldGuideLst xmlns:p15="http://schemas.microsoft.com/office/powerpoint/2012/main"/>
     </p:ext>
     <p:ext uri="http://customooxmlschemas.google.com/">
-      <go:slidesCustomData xmlns:go="http://customooxmlschemas.google.com/" xmlns:p15="http://schemas.microsoft.com/office/powerpoint/2012/main" xmlns:p14="http://schemas.microsoft.com/office/powerpoint/2010/main" xmlns:com="http://schemas.openxmlformats.org/drawingml/2006/compatibility" xmlns:pvml="urn:schemas-microsoft-com:office:powerpoint" xmlns:v="urn:schemas-microsoft-com:vml" xmlns:o="urn:schemas-microsoft-com:office:office" xmlns:dgm="http://schemas.openxmlformats.org/drawingml/2006/diagram" xmlns:c="http://schemas.openxmlformats.org/drawingml/2006/chart" xmlns:mv="urn:schemas-microsoft-com:mac:vml" xmlns:mc="http://schemas.openxmlformats.org/markup-compatibility/2006" xmlns="" r:id="rId30" roundtripDataSignature="AMtx7mjFyVUGRZWio+dc9dxzYsimUxNJbg=="/>
+      <go:slidesCustomData xmlns="" xmlns:mc="http://schemas.openxmlformats.org/markup-compatibility/2006" xmlns:mv="urn:schemas-microsoft-com:mac:vml" xmlns:c="http://schemas.openxmlformats.org/drawingml/2006/chart" xmlns:dgm="http://schemas.openxmlformats.org/drawingml/2006/diagram" xmlns:o="urn:schemas-microsoft-com:office:office" xmlns:v="urn:schemas-microsoft-com:vml" xmlns:pvml="urn:schemas-microsoft-com:office:powerpoint" xmlns:com="http://schemas.openxmlformats.org/drawingml/2006/compatibility" xmlns:p14="http://schemas.microsoft.com/office/powerpoint/2010/main" xmlns:p15="http://schemas.microsoft.com/office/powerpoint/2012/main" xmlns:go="http://customooxmlschemas.google.com/" r:id="rId30" roundtripDataSignature="AMtx7mjFyVUGRZWio+dc9dxzYsimUxNJbg=="/>
     </p:ext>
   </p:extLst>
 </p:presentation>
@@ -12093,6 +12095,121 @@
       </p:grpSpPr>
       <p:sp>
         <p:nvSpPr>
+          <p:cNvPr id="7170" name="Rectangle 2"/>
+          <p:cNvSpPr>
+            <a:spLocks noGrp="1" noChangeArrowheads="1"/>
+          </p:cNvSpPr>
+          <p:nvPr>
+            <p:ph type="title"/>
+          </p:nvPr>
+        </p:nvSpPr>
+        <p:spPr/>
+        <p:txBody>
+          <a:bodyPr/>
+          <a:lstStyle/>
+          <a:p>
+            <a:r>
+              <a:rPr lang="en-US" altLang="en-US" dirty="0"/>
+              <a:t> Tools</a:t>
+            </a:r>
+          </a:p>
+        </p:txBody>
+      </p:sp>
+      <p:sp>
+        <p:nvSpPr>
+          <p:cNvPr id="7171" name="Rectangle 3"/>
+          <p:cNvSpPr>
+            <a:spLocks noGrp="1" noChangeArrowheads="1"/>
+          </p:cNvSpPr>
+          <p:nvPr>
+            <p:ph type="body" idx="1"/>
+          </p:nvPr>
+        </p:nvSpPr>
+        <p:spPr/>
+        <p:txBody>
+          <a:bodyPr>
+            <a:normAutofit/>
+          </a:bodyPr>
+          <a:lstStyle/>
+          <a:p>
+            <a:r>
+              <a:rPr lang="en-US" dirty="0"/>
+              <a:t>SQL (directly and through python – psycopg2)</a:t>
+            </a:r>
+            <a:br>
+              <a:rPr lang="en-US" dirty="0"/>
+            </a:br>
+            <a:endParaRPr lang="en-US" dirty="0"/>
+          </a:p>
+          <a:p>
+            <a:r>
+              <a:rPr lang="en-US" dirty="0"/>
+              <a:t>Python (matplotlib, seaborn, </a:t>
+            </a:r>
+            <a:r>
+              <a:rPr lang="en-US" dirty="0" err="1"/>
+              <a:t>altair</a:t>
+            </a:r>
+            <a:r>
+              <a:rPr lang="en-US" dirty="0"/>
+              <a:t>,...)</a:t>
+            </a:r>
+            <a:br>
+              <a:rPr lang="en-US" dirty="0"/>
+            </a:br>
+            <a:endParaRPr lang="en-US" dirty="0"/>
+          </a:p>
+          <a:p>
+            <a:r>
+              <a:rPr lang="en-US" dirty="0"/>
+              <a:t>Pandas(if you have to)</a:t>
+            </a:r>
+            <a:br>
+              <a:rPr lang="en-US" dirty="0"/>
+            </a:br>
+            <a:endParaRPr lang="en-US" dirty="0"/>
+          </a:p>
+          <a:p>
+            <a:r>
+              <a:rPr lang="en-US" dirty="0"/>
+              <a:t>Tableau </a:t>
+            </a:r>
+            <a:endParaRPr lang="en-US" sz="2800" dirty="0"/>
+          </a:p>
+        </p:txBody>
+      </p:sp>
+    </p:spTree>
+    <p:extLst>
+      <p:ext uri="{BB962C8B-B14F-4D97-AF65-F5344CB8AC3E}">
+        <p14:creationId xmlns:p14="http://schemas.microsoft.com/office/powerpoint/2010/main" val="3416135692"/>
+      </p:ext>
+    </p:extLst>
+  </p:cSld>
+  <p:clrMapOvr>
+    <a:masterClrMapping/>
+  </p:clrMapOvr>
+</p:sld>
+</file>
+
+<file path=ppt/slides/slide11.xml><?xml version="1.0" encoding="utf-8"?>
+<p:sld xmlns:a="http://schemas.openxmlformats.org/drawingml/2006/main" xmlns:r="http://schemas.openxmlformats.org/officeDocument/2006/relationships" xmlns:p="http://schemas.openxmlformats.org/presentationml/2006/main">
+  <p:cSld>
+    <p:spTree>
+      <p:nvGrpSpPr>
+        <p:cNvPr id="1" name=""/>
+        <p:cNvGrpSpPr/>
+        <p:nvPr/>
+      </p:nvGrpSpPr>
+      <p:grpSpPr>
+        <a:xfrm>
+          <a:off x="0" y="0"/>
+          <a:ext cx="0" cy="0"/>
+          <a:chOff x="0" y="0"/>
+          <a:chExt cx="0" cy="0"/>
+        </a:xfrm>
+      </p:grpSpPr>
+      <p:sp>
+        <p:nvSpPr>
           <p:cNvPr id="8194" name="Rectangle 2"/>
           <p:cNvSpPr>
             <a:spLocks noGrp="1" noChangeArrowheads="1"/>
@@ -12169,7 +12286,7 @@
 </p:sld>
 </file>
 
-<file path=ppt/slides/slide11.xml><?xml version="1.0" encoding="utf-8"?>
+<file path=ppt/slides/slide12.xml><?xml version="1.0" encoding="utf-8"?>
 <p:sld xmlns:a="http://schemas.openxmlformats.org/drawingml/2006/main" xmlns:r="http://schemas.openxmlformats.org/officeDocument/2006/relationships" xmlns:p="http://schemas.openxmlformats.org/presentationml/2006/main">
   <p:cSld>
     <p:spTree>
@@ -12300,7 +12417,7 @@
 </p:sld>
 </file>
 
-<file path=ppt/slides/slide12.xml><?xml version="1.0" encoding="utf-8"?>
+<file path=ppt/slides/slide13.xml><?xml version="1.0" encoding="utf-8"?>
 <p:sld xmlns:a="http://schemas.openxmlformats.org/drawingml/2006/main" xmlns:r="http://schemas.openxmlformats.org/officeDocument/2006/relationships" xmlns:p="http://schemas.openxmlformats.org/presentationml/2006/main">
   <p:cSld>
     <p:spTree>
@@ -12378,6 +12495,27 @@
           <a:p>
             <a:r>
               <a:rPr lang="en-US" dirty="0"/>
+              <a:t>Wednesday session tomorrow: time for group work</a:t>
+            </a:r>
+          </a:p>
+          <a:p>
+            <a:pPr lvl="1">
+              <a:spcBef>
+                <a:spcPts val="500"/>
+              </a:spcBef>
+            </a:pPr>
+            <a:r>
+              <a:rPr lang="en-US" dirty="0"/>
+              <a:t>Be sure to attend your assigned session from this point forward</a:t>
+            </a:r>
+            <a:br>
+              <a:rPr lang="en-US" dirty="0"/>
+            </a:br>
+            <a:endParaRPr lang="en-US" dirty="0"/>
+          </a:p>
+          <a:p>
+            <a:r>
+              <a:rPr lang="en-US" dirty="0"/>
               <a:t>Due this week:</a:t>
             </a:r>
           </a:p>
@@ -12441,6 +12579,72 @@
     <p:extLst>
       <p:ext uri="{BB962C8B-B14F-4D97-AF65-F5344CB8AC3E}">
         <p14:creationId xmlns:p14="http://schemas.microsoft.com/office/powerpoint/2010/main" val="3754986698"/>
+      </p:ext>
+    </p:extLst>
+  </p:cSld>
+  <p:clrMapOvr>
+    <a:masterClrMapping/>
+  </p:clrMapOvr>
+</p:sld>
+</file>
+
+<file path=ppt/slides/slide14.xml><?xml version="1.0" encoding="utf-8"?>
+<p:sld xmlns:a="http://schemas.openxmlformats.org/drawingml/2006/main" xmlns:r="http://schemas.openxmlformats.org/officeDocument/2006/relationships" xmlns:p="http://schemas.openxmlformats.org/presentationml/2006/main">
+  <p:cSld>
+    <p:spTree>
+      <p:nvGrpSpPr>
+        <p:cNvPr id="1" name=""/>
+        <p:cNvGrpSpPr/>
+        <p:nvPr/>
+      </p:nvGrpSpPr>
+      <p:grpSpPr>
+        <a:xfrm>
+          <a:off x="0" y="0"/>
+          <a:ext cx="0" cy="0"/>
+          <a:chOff x="0" y="0"/>
+          <a:chExt cx="0" cy="0"/>
+        </a:xfrm>
+      </p:grpSpPr>
+      <p:sp>
+        <p:nvSpPr>
+          <p:cNvPr id="4" name="Text Placeholder 3">
+            <a:extLst>
+              <a:ext uri="{FF2B5EF4-FFF2-40B4-BE49-F238E27FC236}">
+                <a16:creationId xmlns:a16="http://schemas.microsoft.com/office/drawing/2014/main" id="{5E600BA7-FA45-884F-9820-9E5F2CB7AA48}"/>
+              </a:ext>
+            </a:extLst>
+          </p:cNvPr>
+          <p:cNvSpPr>
+            <a:spLocks noGrp="1"/>
+          </p:cNvSpPr>
+          <p:nvPr>
+            <p:ph type="body" idx="1"/>
+          </p:nvPr>
+        </p:nvSpPr>
+        <p:spPr>
+          <a:xfrm>
+            <a:off x="415650" y="2724664"/>
+            <a:ext cx="11360700" cy="1408672"/>
+          </a:xfrm>
+        </p:spPr>
+        <p:txBody>
+          <a:bodyPr/>
+          <a:lstStyle/>
+          <a:p>
+            <a:pPr marL="76200" indent="0" algn="ctr">
+              <a:buNone/>
+            </a:pPr>
+            <a:r>
+              <a:rPr lang="en-US" sz="4800" dirty="0"/>
+              <a:t>Project Team Meeting / Coordination</a:t>
+            </a:r>
+          </a:p>
+        </p:txBody>
+      </p:sp>
+    </p:spTree>
+    <p:extLst>
+      <p:ext uri="{BB962C8B-B14F-4D97-AF65-F5344CB8AC3E}">
+        <p14:creationId xmlns:p14="http://schemas.microsoft.com/office/powerpoint/2010/main" val="3756057737"/>
       </p:ext>
     </p:extLst>
   </p:cSld>
@@ -12517,6 +12721,109 @@
 </file>
 
 <file path=ppt/slides/slide3.xml><?xml version="1.0" encoding="utf-8"?>
+<p:sld xmlns:a="http://schemas.openxmlformats.org/drawingml/2006/main" xmlns:r="http://schemas.openxmlformats.org/officeDocument/2006/relationships" xmlns:p="http://schemas.openxmlformats.org/presentationml/2006/main">
+  <p:cSld>
+    <p:spTree>
+      <p:nvGrpSpPr>
+        <p:cNvPr id="1" name=""/>
+        <p:cNvGrpSpPr/>
+        <p:nvPr/>
+      </p:nvGrpSpPr>
+      <p:grpSpPr>
+        <a:xfrm>
+          <a:off x="0" y="0"/>
+          <a:ext cx="0" cy="0"/>
+          <a:chOff x="0" y="0"/>
+          <a:chExt cx="0" cy="0"/>
+        </a:xfrm>
+      </p:grpSpPr>
+      <p:sp>
+        <p:nvSpPr>
+          <p:cNvPr id="3" name="Title 2">
+            <a:extLst>
+              <a:ext uri="{FF2B5EF4-FFF2-40B4-BE49-F238E27FC236}">
+                <a16:creationId xmlns:a16="http://schemas.microsoft.com/office/drawing/2014/main" id="{9323871C-7CA8-1448-8FFC-1AE6E1838941}"/>
+              </a:ext>
+            </a:extLst>
+          </p:cNvPr>
+          <p:cNvSpPr>
+            <a:spLocks noGrp="1"/>
+          </p:cNvSpPr>
+          <p:nvPr>
+            <p:ph type="title"/>
+          </p:nvPr>
+        </p:nvSpPr>
+        <p:spPr/>
+        <p:txBody>
+          <a:bodyPr/>
+          <a:lstStyle/>
+          <a:p>
+            <a:r>
+              <a:rPr lang="en-US" dirty="0"/>
+              <a:t>Plan for today</a:t>
+            </a:r>
+          </a:p>
+        </p:txBody>
+      </p:sp>
+      <p:sp>
+        <p:nvSpPr>
+          <p:cNvPr id="4" name="Text Placeholder 3">
+            <a:extLst>
+              <a:ext uri="{FF2B5EF4-FFF2-40B4-BE49-F238E27FC236}">
+                <a16:creationId xmlns:a16="http://schemas.microsoft.com/office/drawing/2014/main" id="{5E600BA7-FA45-884F-9820-9E5F2CB7AA48}"/>
+              </a:ext>
+            </a:extLst>
+          </p:cNvPr>
+          <p:cNvSpPr>
+            <a:spLocks noGrp="1"/>
+          </p:cNvSpPr>
+          <p:nvPr>
+            <p:ph type="body" idx="1"/>
+          </p:nvPr>
+        </p:nvSpPr>
+        <p:spPr/>
+        <p:txBody>
+          <a:bodyPr/>
+          <a:lstStyle/>
+          <a:p>
+            <a:r>
+              <a:rPr lang="en-US" dirty="0"/>
+              <a:t>Data exploration overview and pointers</a:t>
+            </a:r>
+            <a:br>
+              <a:rPr lang="en-US" b="1" dirty="0"/>
+            </a:br>
+            <a:endParaRPr lang="en-US" b="1" dirty="0"/>
+          </a:p>
+          <a:p>
+            <a:r>
+              <a:rPr lang="en-US" dirty="0"/>
+              <a:t>Time to meet and coordinate with your groups </a:t>
+            </a:r>
+            <a:br>
+              <a:rPr lang="en-US" dirty="0"/>
+            </a:br>
+            <a:r>
+              <a:rPr lang="en-US" dirty="0"/>
+              <a:t>(~30 minutes at the end of class)</a:t>
+            </a:r>
+          </a:p>
+        </p:txBody>
+      </p:sp>
+    </p:spTree>
+    <p:extLst>
+      <p:ext uri="{BB962C8B-B14F-4D97-AF65-F5344CB8AC3E}">
+        <p14:creationId xmlns:p14="http://schemas.microsoft.com/office/powerpoint/2010/main" val="1285932549"/>
+      </p:ext>
+    </p:extLst>
+  </p:cSld>
+  <p:clrMapOvr>
+    <a:masterClrMapping/>
+  </p:clrMapOvr>
+</p:sld>
+</file>
+
+<file path=ppt/slides/slide4.xml><?xml version="1.0" encoding="utf-8"?>
 <p:sld xmlns:a="http://schemas.openxmlformats.org/drawingml/2006/main" xmlns:r="http://schemas.openxmlformats.org/officeDocument/2006/relationships" xmlns:p="http://schemas.openxmlformats.org/presentationml/2006/main">
   <p:cSld>
     <p:spTree>
@@ -12594,6 +12901,27 @@
           <a:p>
             <a:r>
               <a:rPr lang="en-US" dirty="0"/>
+              <a:t>Wednesday session tomorrow: time for group work</a:t>
+            </a:r>
+          </a:p>
+          <a:p>
+            <a:pPr lvl="1">
+              <a:spcBef>
+                <a:spcPts val="500"/>
+              </a:spcBef>
+            </a:pPr>
+            <a:r>
+              <a:rPr lang="en-US" dirty="0"/>
+              <a:t>Be sure to attend your assigned session from this point forward</a:t>
+            </a:r>
+            <a:br>
+              <a:rPr lang="en-US" dirty="0"/>
+            </a:br>
+            <a:endParaRPr lang="en-US" dirty="0"/>
+          </a:p>
+          <a:p>
+            <a:r>
+              <a:rPr lang="en-US" dirty="0"/>
               <a:t>Due this week:</a:t>
             </a:r>
           </a:p>
@@ -12656,7 +12984,7 @@
     </p:spTree>
     <p:extLst>
       <p:ext uri="{BB962C8B-B14F-4D97-AF65-F5344CB8AC3E}">
-        <p14:creationId xmlns:p14="http://schemas.microsoft.com/office/powerpoint/2010/main" val="1285932549"/>
+        <p14:creationId xmlns:p14="http://schemas.microsoft.com/office/powerpoint/2010/main" val="1926041242"/>
       </p:ext>
     </p:extLst>
   </p:cSld>
@@ -12666,7 +12994,7 @@
 </p:sld>
 </file>
 
-<file path=ppt/slides/slide4.xml><?xml version="1.0" encoding="utf-8"?>
+<file path=ppt/slides/slide5.xml><?xml version="1.0" encoding="utf-8"?>
 <p:sld xmlns:a="http://schemas.openxmlformats.org/drawingml/2006/main" xmlns:r="http://schemas.openxmlformats.org/officeDocument/2006/relationships" xmlns:p="http://schemas.openxmlformats.org/presentationml/2006/main">
   <p:cSld>
     <p:spTree>
@@ -12801,7 +13129,7 @@
 </p:sld>
 </file>
 
-<file path=ppt/slides/slide5.xml><?xml version="1.0" encoding="utf-8"?>
+<file path=ppt/slides/slide6.xml><?xml version="1.0" encoding="utf-8"?>
 <p:sld xmlns:a="http://schemas.openxmlformats.org/drawingml/2006/main" xmlns:r="http://schemas.openxmlformats.org/officeDocument/2006/relationships" xmlns:p="http://schemas.openxmlformats.org/presentationml/2006/main">
   <p:cSld>
     <p:spTree>
@@ -12947,7 +13275,7 @@
 </p:sld>
 </file>
 
-<file path=ppt/slides/slide6.xml><?xml version="1.0" encoding="utf-8"?>
+<file path=ppt/slides/slide7.xml><?xml version="1.0" encoding="utf-8"?>
 <p:sld xmlns:a="http://schemas.openxmlformats.org/drawingml/2006/main" xmlns:r="http://schemas.openxmlformats.org/officeDocument/2006/relationships" xmlns:p="http://schemas.openxmlformats.org/presentationml/2006/main">
   <p:cSld>
     <p:spTree>
@@ -13063,7 +13391,7 @@
 </p:sld>
 </file>
 
-<file path=ppt/slides/slide7.xml><?xml version="1.0" encoding="utf-8"?>
+<file path=ppt/slides/slide8.xml><?xml version="1.0" encoding="utf-8"?>
 <p:sld xmlns:a="http://schemas.openxmlformats.org/drawingml/2006/main" xmlns:r="http://schemas.openxmlformats.org/officeDocument/2006/relationships" xmlns:p="http://schemas.openxmlformats.org/presentationml/2006/main">
   <p:cSld>
     <p:spTree>
@@ -13123,7 +13451,7 @@
 </p:sld>
 </file>
 
-<file path=ppt/slides/slide8.xml><?xml version="1.0" encoding="utf-8"?>
+<file path=ppt/slides/slide9.xml><?xml version="1.0" encoding="utf-8"?>
 <p:sld xmlns:a="http://schemas.openxmlformats.org/drawingml/2006/main" xmlns:r="http://schemas.openxmlformats.org/officeDocument/2006/relationships" xmlns:p="http://schemas.openxmlformats.org/presentationml/2006/main">
   <p:cSld>
     <p:spTree>
@@ -13191,121 +13519,6 @@
     <p:extLst>
       <p:ext uri="{BB962C8B-B14F-4D97-AF65-F5344CB8AC3E}">
         <p14:creationId xmlns:p14="http://schemas.microsoft.com/office/powerpoint/2010/main" val="2029549567"/>
-      </p:ext>
-    </p:extLst>
-  </p:cSld>
-  <p:clrMapOvr>
-    <a:masterClrMapping/>
-  </p:clrMapOvr>
-</p:sld>
-</file>
-
-<file path=ppt/slides/slide9.xml><?xml version="1.0" encoding="utf-8"?>
-<p:sld xmlns:a="http://schemas.openxmlformats.org/drawingml/2006/main" xmlns:r="http://schemas.openxmlformats.org/officeDocument/2006/relationships" xmlns:p="http://schemas.openxmlformats.org/presentationml/2006/main">
-  <p:cSld>
-    <p:spTree>
-      <p:nvGrpSpPr>
-        <p:cNvPr id="1" name=""/>
-        <p:cNvGrpSpPr/>
-        <p:nvPr/>
-      </p:nvGrpSpPr>
-      <p:grpSpPr>
-        <a:xfrm>
-          <a:off x="0" y="0"/>
-          <a:ext cx="0" cy="0"/>
-          <a:chOff x="0" y="0"/>
-          <a:chExt cx="0" cy="0"/>
-        </a:xfrm>
-      </p:grpSpPr>
-      <p:sp>
-        <p:nvSpPr>
-          <p:cNvPr id="7170" name="Rectangle 2"/>
-          <p:cNvSpPr>
-            <a:spLocks noGrp="1" noChangeArrowheads="1"/>
-          </p:cNvSpPr>
-          <p:nvPr>
-            <p:ph type="title"/>
-          </p:nvPr>
-        </p:nvSpPr>
-        <p:spPr/>
-        <p:txBody>
-          <a:bodyPr/>
-          <a:lstStyle/>
-          <a:p>
-            <a:r>
-              <a:rPr lang="en-US" altLang="en-US" dirty="0"/>
-              <a:t> Tools</a:t>
-            </a:r>
-          </a:p>
-        </p:txBody>
-      </p:sp>
-      <p:sp>
-        <p:nvSpPr>
-          <p:cNvPr id="7171" name="Rectangle 3"/>
-          <p:cNvSpPr>
-            <a:spLocks noGrp="1" noChangeArrowheads="1"/>
-          </p:cNvSpPr>
-          <p:nvPr>
-            <p:ph type="body" idx="1"/>
-          </p:nvPr>
-        </p:nvSpPr>
-        <p:spPr/>
-        <p:txBody>
-          <a:bodyPr>
-            <a:normAutofit/>
-          </a:bodyPr>
-          <a:lstStyle/>
-          <a:p>
-            <a:r>
-              <a:rPr lang="en-US" dirty="0"/>
-              <a:t>SQL (directly and through python – psycopg2)</a:t>
-            </a:r>
-            <a:br>
-              <a:rPr lang="en-US" dirty="0"/>
-            </a:br>
-            <a:endParaRPr lang="en-US" dirty="0"/>
-          </a:p>
-          <a:p>
-            <a:r>
-              <a:rPr lang="en-US" dirty="0"/>
-              <a:t>Python (matplotlib, seaborn, </a:t>
-            </a:r>
-            <a:r>
-              <a:rPr lang="en-US" dirty="0" err="1"/>
-              <a:t>altair</a:t>
-            </a:r>
-            <a:r>
-              <a:rPr lang="en-US" dirty="0"/>
-              <a:t>,...)</a:t>
-            </a:r>
-            <a:br>
-              <a:rPr lang="en-US" dirty="0"/>
-            </a:br>
-            <a:endParaRPr lang="en-US" dirty="0"/>
-          </a:p>
-          <a:p>
-            <a:r>
-              <a:rPr lang="en-US" dirty="0"/>
-              <a:t>Pandas(if you have to)</a:t>
-            </a:r>
-            <a:br>
-              <a:rPr lang="en-US" dirty="0"/>
-            </a:br>
-            <a:endParaRPr lang="en-US" dirty="0"/>
-          </a:p>
-          <a:p>
-            <a:r>
-              <a:rPr lang="en-US" dirty="0"/>
-              <a:t>Tableau </a:t>
-            </a:r>
-            <a:endParaRPr lang="en-US" sz="2800" dirty="0"/>
-          </a:p>
-        </p:txBody>
-      </p:sp>
-    </p:spTree>
-    <p:extLst>
-      <p:ext uri="{BB962C8B-B14F-4D97-AF65-F5344CB8AC3E}">
-        <p14:creationId xmlns:p14="http://schemas.microsoft.com/office/powerpoint/2010/main" val="3416135692"/>
       </p:ext>
     </p:extLst>
   </p:cSld>

--- a/03 - Data Exploration, Analytical Formulation, and Baselines/data-exploration.pptx
+++ b/03 - Data Exploration, Analytical Formulation, and Baselines/data-exploration.pptx
@@ -259,7 +259,7 @@
       <p15:sldGuideLst xmlns:p15="http://schemas.microsoft.com/office/powerpoint/2012/main"/>
     </p:ext>
     <p:ext uri="http://customooxmlschemas.google.com/">
-      <go:slidesCustomData xmlns="" xmlns:mc="http://schemas.openxmlformats.org/markup-compatibility/2006" xmlns:mv="urn:schemas-microsoft-com:mac:vml" xmlns:c="http://schemas.openxmlformats.org/drawingml/2006/chart" xmlns:dgm="http://schemas.openxmlformats.org/drawingml/2006/diagram" xmlns:o="urn:schemas-microsoft-com:office:office" xmlns:v="urn:schemas-microsoft-com:vml" xmlns:pvml="urn:schemas-microsoft-com:office:powerpoint" xmlns:com="http://schemas.openxmlformats.org/drawingml/2006/compatibility" xmlns:p14="http://schemas.microsoft.com/office/powerpoint/2010/main" xmlns:p15="http://schemas.microsoft.com/office/powerpoint/2012/main" xmlns:go="http://customooxmlschemas.google.com/" r:id="rId30" roundtripDataSignature="AMtx7mjFyVUGRZWio+dc9dxzYsimUxNJbg=="/>
+      <go:slidesCustomData xmlns:go="http://customooxmlschemas.google.com/" xmlns:p15="http://schemas.microsoft.com/office/powerpoint/2012/main" xmlns:p14="http://schemas.microsoft.com/office/powerpoint/2010/main" xmlns:com="http://schemas.openxmlformats.org/drawingml/2006/compatibility" xmlns:pvml="urn:schemas-microsoft-com:office:powerpoint" xmlns:v="urn:schemas-microsoft-com:vml" xmlns:o="urn:schemas-microsoft-com:office:office" xmlns:dgm="http://schemas.openxmlformats.org/drawingml/2006/diagram" xmlns:c="http://schemas.openxmlformats.org/drawingml/2006/chart" xmlns:mv="urn:schemas-microsoft-com:mac:vml" xmlns:mc="http://schemas.openxmlformats.org/markup-compatibility/2006" xmlns="" r:id="rId30" roundtripDataSignature="AMtx7mjFyVUGRZWio+dc9dxzYsimUxNJbg=="/>
     </p:ext>
   </p:extLst>
 </p:presentation>
@@ -12265,7 +12265,7 @@
           <a:p>
             <a:r>
               <a:rPr lang="en-US" dirty="0"/>
-              <a:t>Add a date parameter to it </a:t>
+              <a:t>Add a date parameter to it to give you everything about that entity up to that date </a:t>
             </a:r>
             <a:endParaRPr lang="en-US" dirty="0">
               <a:effectLst/>
@@ -13367,7 +13367,13 @@
           <a:p>
             <a:r>
               <a:rPr lang="en-US" dirty="0"/>
-              <a:t>Outliers – this can be done using clustering but also by plotting distributions. </a:t>
+              <a:t>Outliers – this can be done using clustering but also by plotting distributions.</a:t>
+            </a:r>
+          </a:p>
+          <a:p>
+            <a:r>
+              <a:rPr lang="en-US" dirty="0"/>
+              <a:t>Labels/Outcomes – distribution and patterns</a:t>
             </a:r>
           </a:p>
           <a:p>

--- a/03 - Data Exploration, Analytical Formulation, and Baselines/data-exploration.pptx
+++ b/03 - Data Exploration, Analytical Formulation, and Baselines/data-exploration.pptx
@@ -5,7 +5,7 @@
     <p:sldMasterId id="2147483648" r:id="rId1"/>
   </p:sldMasterIdLst>
   <p:notesMasterIdLst>
-    <p:notesMasterId r:id="rId16"/>
+    <p:notesMasterId r:id="rId17"/>
   </p:notesMasterIdLst>
   <p:sldIdLst>
     <p:sldId id="256" r:id="rId2"/>
@@ -14,14 +14,15 @@
     <p:sldId id="302" r:id="rId5"/>
     <p:sldId id="295" r:id="rId6"/>
     <p:sldId id="282" r:id="rId7"/>
-    <p:sldId id="285" r:id="rId8"/>
-    <p:sldId id="283" r:id="rId9"/>
-    <p:sldId id="298" r:id="rId10"/>
-    <p:sldId id="260" r:id="rId11"/>
-    <p:sldId id="261" r:id="rId12"/>
-    <p:sldId id="300" r:id="rId13"/>
+    <p:sldId id="300" r:id="rId8"/>
+    <p:sldId id="285" r:id="rId9"/>
+    <p:sldId id="283" r:id="rId10"/>
+    <p:sldId id="298" r:id="rId11"/>
+    <p:sldId id="260" r:id="rId12"/>
+    <p:sldId id="261" r:id="rId13"/>
     <p:sldId id="299" r:id="rId14"/>
     <p:sldId id="301" r:id="rId15"/>
+    <p:sldId id="303" r:id="rId16"/>
   </p:sldIdLst>
   <p:sldSz cx="12192000" cy="6858000"/>
   <p:notesSz cx="6858000" cy="9144000"/>
@@ -12093,6 +12094,83 @@
           <a:chExt cx="0" cy="0"/>
         </a:xfrm>
       </p:grpSpPr>
+      <p:pic>
+        <p:nvPicPr>
+          <p:cNvPr id="1025" name="Picture 1" descr="page7image820992">
+            <a:extLst>
+              <a:ext uri="{FF2B5EF4-FFF2-40B4-BE49-F238E27FC236}">
+                <a16:creationId xmlns:a16="http://schemas.microsoft.com/office/drawing/2014/main" id="{C81F5E0F-0DF3-8A42-BCBD-633CA220A6F5}"/>
+              </a:ext>
+            </a:extLst>
+          </p:cNvPr>
+          <p:cNvPicPr>
+            <a:picLocks noChangeAspect="1" noChangeArrowheads="1"/>
+          </p:cNvPicPr>
+          <p:nvPr/>
+        </p:nvPicPr>
+        <p:blipFill>
+          <a:blip r:embed="rId2">
+            <a:extLst>
+              <a:ext uri="{28A0092B-C50C-407E-A947-70E740481C1C}">
+                <a14:useLocalDpi xmlns:a14="http://schemas.microsoft.com/office/drawing/2010/main" val="0"/>
+              </a:ext>
+            </a:extLst>
+          </a:blip>
+          <a:srcRect/>
+          <a:stretch>
+            <a:fillRect/>
+          </a:stretch>
+        </p:blipFill>
+        <p:spPr bwMode="auto">
+          <a:xfrm>
+            <a:off x="0" y="0"/>
+            <a:ext cx="12192000" cy="6858000"/>
+          </a:xfrm>
+          <a:prstGeom prst="rect">
+            <a:avLst/>
+          </a:prstGeom>
+          <a:noFill/>
+          <a:extLst>
+            <a:ext uri="{909E8E84-426E-40DD-AFC4-6F175D3DCCD1}">
+              <a14:hiddenFill xmlns:a14="http://schemas.microsoft.com/office/drawing/2010/main">
+                <a:solidFill>
+                  <a:srgbClr val="FFFFFF"/>
+                </a:solidFill>
+              </a14:hiddenFill>
+            </a:ext>
+          </a:extLst>
+        </p:spPr>
+      </p:pic>
+    </p:spTree>
+    <p:extLst>
+      <p:ext uri="{BB962C8B-B14F-4D97-AF65-F5344CB8AC3E}">
+        <p14:creationId xmlns:p14="http://schemas.microsoft.com/office/powerpoint/2010/main" val="2029549567"/>
+      </p:ext>
+    </p:extLst>
+  </p:cSld>
+  <p:clrMapOvr>
+    <a:masterClrMapping/>
+  </p:clrMapOvr>
+</p:sld>
+</file>
+
+<file path=ppt/slides/slide11.xml><?xml version="1.0" encoding="utf-8"?>
+<p:sld xmlns:a="http://schemas.openxmlformats.org/drawingml/2006/main" xmlns:r="http://schemas.openxmlformats.org/officeDocument/2006/relationships" xmlns:p="http://schemas.openxmlformats.org/presentationml/2006/main">
+  <p:cSld>
+    <p:spTree>
+      <p:nvGrpSpPr>
+        <p:cNvPr id="1" name=""/>
+        <p:cNvGrpSpPr/>
+        <p:nvPr/>
+      </p:nvGrpSpPr>
+      <p:grpSpPr>
+        <a:xfrm>
+          <a:off x="0" y="0"/>
+          <a:ext cx="0" cy="0"/>
+          <a:chOff x="0" y="0"/>
+          <a:chExt cx="0" cy="0"/>
+        </a:xfrm>
+      </p:grpSpPr>
       <p:sp>
         <p:nvSpPr>
           <p:cNvPr id="7170" name="Rectangle 2"/>
@@ -12191,7 +12269,7 @@
 </p:sld>
 </file>
 
-<file path=ppt/slides/slide11.xml><?xml version="1.0" encoding="utf-8"?>
+<file path=ppt/slides/slide12.xml><?xml version="1.0" encoding="utf-8"?>
 <p:sld xmlns:a="http://schemas.openxmlformats.org/drawingml/2006/main" xmlns:r="http://schemas.openxmlformats.org/officeDocument/2006/relationships" xmlns:p="http://schemas.openxmlformats.org/presentationml/2006/main">
   <p:cSld>
     <p:spTree>
@@ -12286,137 +12364,6 @@
 </p:sld>
 </file>
 
-<file path=ppt/slides/slide12.xml><?xml version="1.0" encoding="utf-8"?>
-<p:sld xmlns:a="http://schemas.openxmlformats.org/drawingml/2006/main" xmlns:r="http://schemas.openxmlformats.org/officeDocument/2006/relationships" xmlns:p="http://schemas.openxmlformats.org/presentationml/2006/main">
-  <p:cSld>
-    <p:spTree>
-      <p:nvGrpSpPr>
-        <p:cNvPr id="1" name=""/>
-        <p:cNvGrpSpPr/>
-        <p:nvPr/>
-      </p:nvGrpSpPr>
-      <p:grpSpPr>
-        <a:xfrm>
-          <a:off x="0" y="0"/>
-          <a:ext cx="0" cy="0"/>
-          <a:chOff x="0" y="0"/>
-          <a:chExt cx="0" cy="0"/>
-        </a:xfrm>
-      </p:grpSpPr>
-      <p:sp>
-        <p:nvSpPr>
-          <p:cNvPr id="8194" name="Rectangle 2"/>
-          <p:cNvSpPr>
-            <a:spLocks noGrp="1" noChangeArrowheads="1"/>
-          </p:cNvSpPr>
-          <p:nvPr>
-            <p:ph type="title"/>
-          </p:nvPr>
-        </p:nvSpPr>
-        <p:spPr/>
-        <p:txBody>
-          <a:bodyPr/>
-          <a:lstStyle/>
-          <a:p>
-            <a:r>
-              <a:rPr lang="en-US" altLang="en-US" dirty="0"/>
-              <a:t> Some tips for exploring your project data</a:t>
-            </a:r>
-          </a:p>
-        </p:txBody>
-      </p:sp>
-      <p:sp>
-        <p:nvSpPr>
-          <p:cNvPr id="8195" name="Rectangle 3"/>
-          <p:cNvSpPr>
-            <a:spLocks noGrp="1" noChangeArrowheads="1"/>
-          </p:cNvSpPr>
-          <p:nvPr>
-            <p:ph type="body" idx="1"/>
-          </p:nvPr>
-        </p:nvSpPr>
-        <p:spPr>
-          <a:xfrm>
-            <a:off x="121458" y="1536633"/>
-            <a:ext cx="11948984" cy="4876524"/>
-          </a:xfrm>
-        </p:spPr>
-        <p:txBody>
-          <a:bodyPr/>
-          <a:lstStyle/>
-          <a:p>
-            <a:pPr>
-              <a:lnSpc>
-                <a:spcPct val="120000"/>
-              </a:lnSpc>
-            </a:pPr>
-            <a:r>
-              <a:rPr lang="en-US" dirty="0"/>
-              <a:t>Most projects have a lot of different data fields, but don’t feel like your initial exploration needs to understand everything</a:t>
-            </a:r>
-            <a:br>
-              <a:rPr lang="en-US" dirty="0"/>
-            </a:br>
-            <a:endParaRPr lang="en-US" dirty="0"/>
-          </a:p>
-          <a:p>
-            <a:pPr>
-              <a:lnSpc>
-                <a:spcPct val="120000"/>
-              </a:lnSpc>
-            </a:pPr>
-            <a:r>
-              <a:rPr lang="en-US" dirty="0"/>
-              <a:t>How can you identify the primary entities from your project? What are some basic/relevant characteristics about them? How have those changed over time?</a:t>
-            </a:r>
-            <a:br>
-              <a:rPr lang="en-US" dirty="0"/>
-            </a:br>
-            <a:endParaRPr lang="en-US" dirty="0"/>
-          </a:p>
-          <a:p>
-            <a:pPr>
-              <a:lnSpc>
-                <a:spcPct val="120000"/>
-              </a:lnSpc>
-            </a:pPr>
-            <a:r>
-              <a:rPr lang="en-US" dirty="0"/>
-              <a:t>Think about how you might define your label? What can you say about its distribution and how it’s changed over time?</a:t>
-            </a:r>
-            <a:br>
-              <a:rPr lang="en-US" dirty="0"/>
-            </a:br>
-            <a:endParaRPr lang="en-US" dirty="0"/>
-          </a:p>
-          <a:p>
-            <a:pPr>
-              <a:lnSpc>
-                <a:spcPct val="120000"/>
-              </a:lnSpc>
-            </a:pPr>
-            <a:r>
-              <a:rPr lang="en-US" dirty="0">
-                <a:effectLst/>
-              </a:rPr>
-              <a:t>Based on what you know of the context, what information would you expect to be important in modeling? Is this available? How well does it correlate with your label?</a:t>
-            </a:r>
-          </a:p>
-        </p:txBody>
-      </p:sp>
-    </p:spTree>
-    <p:extLst>
-      <p:ext uri="{BB962C8B-B14F-4D97-AF65-F5344CB8AC3E}">
-        <p14:creationId xmlns:p14="http://schemas.microsoft.com/office/powerpoint/2010/main" val="367351454"/>
-      </p:ext>
-    </p:extLst>
-  </p:cSld>
-  <p:clrMapOvr>
-    <a:masterClrMapping/>
-  </p:clrMapOvr>
-</p:sld>
-</file>
-
 <file path=ppt/slides/slide13.xml><?xml version="1.0" encoding="utf-8"?>
 <p:sld xmlns:a="http://schemas.openxmlformats.org/drawingml/2006/main" xmlns:r="http://schemas.openxmlformats.org/officeDocument/2006/relationships" xmlns:p="http://schemas.openxmlformats.org/presentationml/2006/main">
   <p:cSld>
@@ -12645,6 +12592,110 @@
     <p:extLst>
       <p:ext uri="{BB962C8B-B14F-4D97-AF65-F5344CB8AC3E}">
         <p14:creationId xmlns:p14="http://schemas.microsoft.com/office/powerpoint/2010/main" val="3756057737"/>
+      </p:ext>
+    </p:extLst>
+  </p:cSld>
+  <p:clrMapOvr>
+    <a:masterClrMapping/>
+  </p:clrMapOvr>
+</p:sld>
+</file>
+
+<file path=ppt/slides/slide15.xml><?xml version="1.0" encoding="utf-8"?>
+<p:sld xmlns:a="http://schemas.openxmlformats.org/drawingml/2006/main" xmlns:r="http://schemas.openxmlformats.org/officeDocument/2006/relationships" xmlns:p="http://schemas.openxmlformats.org/presentationml/2006/main">
+  <p:cSld>
+    <p:spTree>
+      <p:nvGrpSpPr>
+        <p:cNvPr id="1" name=""/>
+        <p:cNvGrpSpPr/>
+        <p:nvPr/>
+      </p:nvGrpSpPr>
+      <p:grpSpPr>
+        <a:xfrm>
+          <a:off x="0" y="0"/>
+          <a:ext cx="0" cy="0"/>
+          <a:chOff x="0" y="0"/>
+          <a:chExt cx="0" cy="0"/>
+        </a:xfrm>
+      </p:grpSpPr>
+      <p:sp>
+        <p:nvSpPr>
+          <p:cNvPr id="2" name="Title 1">
+            <a:extLst>
+              <a:ext uri="{FF2B5EF4-FFF2-40B4-BE49-F238E27FC236}">
+                <a16:creationId xmlns:a16="http://schemas.microsoft.com/office/drawing/2014/main" id="{C433C44B-9CD1-E54C-BEDE-3018CFE1A62F}"/>
+              </a:ext>
+            </a:extLst>
+          </p:cNvPr>
+          <p:cNvSpPr>
+            <a:spLocks noGrp="1"/>
+          </p:cNvSpPr>
+          <p:nvPr>
+            <p:ph type="title"/>
+          </p:nvPr>
+        </p:nvSpPr>
+        <p:spPr/>
+        <p:txBody>
+          <a:bodyPr/>
+          <a:lstStyle/>
+          <a:p>
+            <a:r>
+              <a:rPr lang="en-US" dirty="0"/>
+              <a:t>What do we want you to use this time for?</a:t>
+            </a:r>
+          </a:p>
+        </p:txBody>
+      </p:sp>
+      <p:sp>
+        <p:nvSpPr>
+          <p:cNvPr id="3" name="Text Placeholder 2">
+            <a:extLst>
+              <a:ext uri="{FF2B5EF4-FFF2-40B4-BE49-F238E27FC236}">
+                <a16:creationId xmlns:a16="http://schemas.microsoft.com/office/drawing/2014/main" id="{306939D4-1B3B-C04C-AFE6-D7C738B5CC7F}"/>
+              </a:ext>
+            </a:extLst>
+          </p:cNvPr>
+          <p:cNvSpPr>
+            <a:spLocks noGrp="1"/>
+          </p:cNvSpPr>
+          <p:nvPr>
+            <p:ph type="body" idx="1"/>
+          </p:nvPr>
+        </p:nvSpPr>
+        <p:spPr/>
+        <p:txBody>
+          <a:bodyPr/>
+          <a:lstStyle/>
+          <a:p>
+            <a:r>
+              <a:rPr lang="en-US" dirty="0"/>
+              <a:t>Get to know each other</a:t>
+            </a:r>
+          </a:p>
+          <a:p>
+            <a:r>
+              <a:rPr lang="en-US" dirty="0"/>
+              <a:t>How you’re going to work together</a:t>
+            </a:r>
+          </a:p>
+          <a:p>
+            <a:r>
+              <a:rPr lang="en-US" dirty="0"/>
+              <a:t>Schedule times to work on the project proposal over the next week and a half</a:t>
+            </a:r>
+          </a:p>
+          <a:p>
+            <a:r>
+              <a:rPr lang="en-US" dirty="0"/>
+              <a:t>Discuss project direction and ideas</a:t>
+            </a:r>
+          </a:p>
+        </p:txBody>
+      </p:sp>
+    </p:spTree>
+    <p:extLst>
+      <p:ext uri="{BB962C8B-B14F-4D97-AF65-F5344CB8AC3E}">
+        <p14:creationId xmlns:p14="http://schemas.microsoft.com/office/powerpoint/2010/main" val="3388408751"/>
       </p:ext>
     </p:extLst>
   </p:cSld>
@@ -13294,6 +13345,136 @@
       </p:grpSpPr>
       <p:sp>
         <p:nvSpPr>
+          <p:cNvPr id="8194" name="Rectangle 2"/>
+          <p:cNvSpPr>
+            <a:spLocks noGrp="1" noChangeArrowheads="1"/>
+          </p:cNvSpPr>
+          <p:nvPr>
+            <p:ph type="title"/>
+          </p:nvPr>
+        </p:nvSpPr>
+        <p:spPr/>
+        <p:txBody>
+          <a:bodyPr/>
+          <a:lstStyle/>
+          <a:p>
+            <a:r>
+              <a:rPr lang="en-US" altLang="en-US" dirty="0"/>
+              <a:t> Some tips for exploring your project data</a:t>
+            </a:r>
+          </a:p>
+        </p:txBody>
+      </p:sp>
+      <p:sp>
+        <p:nvSpPr>
+          <p:cNvPr id="8195" name="Rectangle 3"/>
+          <p:cNvSpPr>
+            <a:spLocks noGrp="1" noChangeArrowheads="1"/>
+          </p:cNvSpPr>
+          <p:nvPr>
+            <p:ph type="body" idx="1"/>
+          </p:nvPr>
+        </p:nvSpPr>
+        <p:spPr>
+          <a:xfrm>
+            <a:off x="121458" y="1536633"/>
+            <a:ext cx="11948984" cy="4876524"/>
+          </a:xfrm>
+        </p:spPr>
+        <p:txBody>
+          <a:bodyPr/>
+          <a:lstStyle/>
+          <a:p>
+            <a:pPr>
+              <a:lnSpc>
+                <a:spcPct val="120000"/>
+              </a:lnSpc>
+            </a:pPr>
+            <a:r>
+              <a:rPr lang="en-US" dirty="0"/>
+              <a:t>Tables: identify the database tables that are most relevant to your problem</a:t>
+            </a:r>
+          </a:p>
+          <a:p>
+            <a:pPr>
+              <a:lnSpc>
+                <a:spcPct val="120000"/>
+              </a:lnSpc>
+            </a:pPr>
+            <a:r>
+              <a:rPr lang="en-US" dirty="0"/>
+              <a:t>Entities: How can you identify the primary entities from your project? What are some basic/relevant characteristics about them? How have those changed over time?</a:t>
+            </a:r>
+          </a:p>
+          <a:p>
+            <a:pPr>
+              <a:lnSpc>
+                <a:spcPct val="120000"/>
+              </a:lnSpc>
+            </a:pPr>
+            <a:r>
+              <a:rPr lang="en-US" dirty="0"/>
+              <a:t>Fields: Most projects have a lot of different data fields, but don’t feel like your initial exploration needs to understand everything</a:t>
+            </a:r>
+          </a:p>
+          <a:p>
+            <a:pPr>
+              <a:lnSpc>
+                <a:spcPct val="120000"/>
+              </a:lnSpc>
+            </a:pPr>
+            <a:r>
+              <a:rPr lang="en-US" dirty="0"/>
+              <a:t>Label: Think about how you might define your label? What can you say about its distribution and how it’s changed over time?</a:t>
+            </a:r>
+          </a:p>
+          <a:p>
+            <a:pPr>
+              <a:lnSpc>
+                <a:spcPct val="120000"/>
+              </a:lnSpc>
+            </a:pPr>
+            <a:r>
+              <a:rPr lang="en-US" dirty="0">
+                <a:effectLst/>
+              </a:rPr>
+              <a:t>Based on what you know of the context, what information would you expect to be important in modeling? Is this available? How well does it correlate with your label?</a:t>
+            </a:r>
+          </a:p>
+        </p:txBody>
+      </p:sp>
+    </p:spTree>
+    <p:extLst>
+      <p:ext uri="{BB962C8B-B14F-4D97-AF65-F5344CB8AC3E}">
+        <p14:creationId xmlns:p14="http://schemas.microsoft.com/office/powerpoint/2010/main" val="367351454"/>
+      </p:ext>
+    </p:extLst>
+  </p:cSld>
+  <p:clrMapOvr>
+    <a:masterClrMapping/>
+  </p:clrMapOvr>
+</p:sld>
+</file>
+
+<file path=ppt/slides/slide8.xml><?xml version="1.0" encoding="utf-8"?>
+<p:sld xmlns:a="http://schemas.openxmlformats.org/drawingml/2006/main" xmlns:r="http://schemas.openxmlformats.org/officeDocument/2006/relationships" xmlns:p="http://schemas.openxmlformats.org/presentationml/2006/main">
+  <p:cSld>
+    <p:spTree>
+      <p:nvGrpSpPr>
+        <p:cNvPr id="1" name=""/>
+        <p:cNvGrpSpPr/>
+        <p:nvPr/>
+      </p:nvGrpSpPr>
+      <p:grpSpPr>
+        <a:xfrm>
+          <a:off x="0" y="0"/>
+          <a:ext cx="0" cy="0"/>
+          <a:chOff x="0" y="0"/>
+          <a:chExt cx="0" cy="0"/>
+        </a:xfrm>
+      </p:grpSpPr>
+      <p:sp>
+        <p:nvSpPr>
           <p:cNvPr id="2" name="Title 1">
             <a:extLst>
               <a:ext uri="{FF2B5EF4-FFF2-40B4-BE49-F238E27FC236}">
@@ -13397,7 +13578,7 @@
 </p:sld>
 </file>
 
-<file path=ppt/slides/slide8.xml><?xml version="1.0" encoding="utf-8"?>
+<file path=ppt/slides/slide9.xml><?xml version="1.0" encoding="utf-8"?>
 <p:sld xmlns:a="http://schemas.openxmlformats.org/drawingml/2006/main" xmlns:r="http://schemas.openxmlformats.org/officeDocument/2006/relationships" xmlns:p="http://schemas.openxmlformats.org/presentationml/2006/main">
   <p:cSld>
     <p:spTree>
@@ -13448,83 +13629,6 @@
     <p:extLst>
       <p:ext uri="{BB962C8B-B14F-4D97-AF65-F5344CB8AC3E}">
         <p14:creationId xmlns:p14="http://schemas.microsoft.com/office/powerpoint/2010/main" val="1278687259"/>
-      </p:ext>
-    </p:extLst>
-  </p:cSld>
-  <p:clrMapOvr>
-    <a:masterClrMapping/>
-  </p:clrMapOvr>
-</p:sld>
-</file>
-
-<file path=ppt/slides/slide9.xml><?xml version="1.0" encoding="utf-8"?>
-<p:sld xmlns:a="http://schemas.openxmlformats.org/drawingml/2006/main" xmlns:r="http://schemas.openxmlformats.org/officeDocument/2006/relationships" xmlns:p="http://schemas.openxmlformats.org/presentationml/2006/main">
-  <p:cSld>
-    <p:spTree>
-      <p:nvGrpSpPr>
-        <p:cNvPr id="1" name=""/>
-        <p:cNvGrpSpPr/>
-        <p:nvPr/>
-      </p:nvGrpSpPr>
-      <p:grpSpPr>
-        <a:xfrm>
-          <a:off x="0" y="0"/>
-          <a:ext cx="0" cy="0"/>
-          <a:chOff x="0" y="0"/>
-          <a:chExt cx="0" cy="0"/>
-        </a:xfrm>
-      </p:grpSpPr>
-      <p:pic>
-        <p:nvPicPr>
-          <p:cNvPr id="1025" name="Picture 1" descr="page7image820992">
-            <a:extLst>
-              <a:ext uri="{FF2B5EF4-FFF2-40B4-BE49-F238E27FC236}">
-                <a16:creationId xmlns:a16="http://schemas.microsoft.com/office/drawing/2014/main" id="{C81F5E0F-0DF3-8A42-BCBD-633CA220A6F5}"/>
-              </a:ext>
-            </a:extLst>
-          </p:cNvPr>
-          <p:cNvPicPr>
-            <a:picLocks noChangeAspect="1" noChangeArrowheads="1"/>
-          </p:cNvPicPr>
-          <p:nvPr/>
-        </p:nvPicPr>
-        <p:blipFill>
-          <a:blip r:embed="rId2">
-            <a:extLst>
-              <a:ext uri="{28A0092B-C50C-407E-A947-70E740481C1C}">
-                <a14:useLocalDpi xmlns:a14="http://schemas.microsoft.com/office/drawing/2010/main" val="0"/>
-              </a:ext>
-            </a:extLst>
-          </a:blip>
-          <a:srcRect/>
-          <a:stretch>
-            <a:fillRect/>
-          </a:stretch>
-        </p:blipFill>
-        <p:spPr bwMode="auto">
-          <a:xfrm>
-            <a:off x="0" y="0"/>
-            <a:ext cx="12192000" cy="6858000"/>
-          </a:xfrm>
-          <a:prstGeom prst="rect">
-            <a:avLst/>
-          </a:prstGeom>
-          <a:noFill/>
-          <a:extLst>
-            <a:ext uri="{909E8E84-426E-40DD-AFC4-6F175D3DCCD1}">
-              <a14:hiddenFill xmlns:a14="http://schemas.microsoft.com/office/drawing/2010/main">
-                <a:solidFill>
-                  <a:srgbClr val="FFFFFF"/>
-                </a:solidFill>
-              </a14:hiddenFill>
-            </a:ext>
-          </a:extLst>
-        </p:spPr>
-      </p:pic>
-    </p:spTree>
-    <p:extLst>
-      <p:ext uri="{BB962C8B-B14F-4D97-AF65-F5344CB8AC3E}">
-        <p14:creationId xmlns:p14="http://schemas.microsoft.com/office/powerpoint/2010/main" val="2029549567"/>
       </p:ext>
     </p:extLst>
   </p:cSld>

--- a/03 - Data Exploration, Analytical Formulation, and Baselines/data-exploration.pptx
+++ b/03 - Data Exploration, Analytical Formulation, and Baselines/data-exploration.pptx
@@ -260,7 +260,7 @@
       <p15:sldGuideLst xmlns:p15="http://schemas.microsoft.com/office/powerpoint/2012/main"/>
     </p:ext>
     <p:ext uri="http://customooxmlschemas.google.com/">
-      <go:slidesCustomData xmlns:go="http://customooxmlschemas.google.com/" xmlns:p15="http://schemas.microsoft.com/office/powerpoint/2012/main" xmlns:p14="http://schemas.microsoft.com/office/powerpoint/2010/main" xmlns:com="http://schemas.openxmlformats.org/drawingml/2006/compatibility" xmlns:pvml="urn:schemas-microsoft-com:office:powerpoint" xmlns:v="urn:schemas-microsoft-com:vml" xmlns:o="urn:schemas-microsoft-com:office:office" xmlns:dgm="http://schemas.openxmlformats.org/drawingml/2006/diagram" xmlns:c="http://schemas.openxmlformats.org/drawingml/2006/chart" xmlns:mv="urn:schemas-microsoft-com:mac:vml" xmlns:mc="http://schemas.openxmlformats.org/markup-compatibility/2006" xmlns="" r:id="rId30" roundtripDataSignature="AMtx7mjFyVUGRZWio+dc9dxzYsimUxNJbg=="/>
+      <go:slidesCustomData xmlns="" xmlns:mc="http://schemas.openxmlformats.org/markup-compatibility/2006" xmlns:mv="urn:schemas-microsoft-com:mac:vml" xmlns:c="http://schemas.openxmlformats.org/drawingml/2006/chart" xmlns:dgm="http://schemas.openxmlformats.org/drawingml/2006/diagram" xmlns:o="urn:schemas-microsoft-com:office:office" xmlns:v="urn:schemas-microsoft-com:vml" xmlns:pvml="urn:schemas-microsoft-com:office:powerpoint" xmlns:com="http://schemas.openxmlformats.org/drawingml/2006/compatibility" xmlns:p14="http://schemas.microsoft.com/office/powerpoint/2010/main" xmlns:p15="http://schemas.microsoft.com/office/powerpoint/2012/main" xmlns:go="http://customooxmlschemas.google.com/" r:id="rId30" roundtripDataSignature="AMtx7mjFyVUGRZWio+dc9dxzYsimUxNJbg=="/>
     </p:ext>
   </p:extLst>
 </p:presentation>
@@ -12667,26 +12667,46 @@
           <a:bodyPr/>
           <a:lstStyle/>
           <a:p>
+            <a:pPr>
+              <a:lnSpc>
+                <a:spcPct val="150000"/>
+              </a:lnSpc>
+            </a:pPr>
             <a:r>
-              <a:rPr lang="en-US" dirty="0"/>
+              <a:rPr lang="en-US" sz="2800" dirty="0"/>
               <a:t>Get to know each other</a:t>
             </a:r>
           </a:p>
           <a:p>
+            <a:pPr>
+              <a:lnSpc>
+                <a:spcPct val="150000"/>
+              </a:lnSpc>
+            </a:pPr>
             <a:r>
-              <a:rPr lang="en-US" dirty="0"/>
-              <a:t>How you’re going to work together</a:t>
+              <a:rPr lang="en-US" sz="2800" dirty="0"/>
+              <a:t>Discuss how you’re going to work together</a:t>
             </a:r>
           </a:p>
           <a:p>
+            <a:pPr>
+              <a:lnSpc>
+                <a:spcPct val="150000"/>
+              </a:lnSpc>
+            </a:pPr>
             <a:r>
-              <a:rPr lang="en-US" dirty="0"/>
+              <a:rPr lang="en-US" sz="2800" dirty="0"/>
               <a:t>Schedule times to work on the project proposal over the next week and a half</a:t>
             </a:r>
           </a:p>
           <a:p>
+            <a:pPr>
+              <a:lnSpc>
+                <a:spcPct val="150000"/>
+              </a:lnSpc>
+            </a:pPr>
             <a:r>
-              <a:rPr lang="en-US" dirty="0"/>
+              <a:rPr lang="en-US" sz="2800" dirty="0"/>
               <a:t>Discuss project direction and ideas</a:t>
             </a:r>
           </a:p>
@@ -12735,13 +12755,13 @@
             <a:spLocks noGrp="1"/>
           </p:cNvSpPr>
           <p:nvPr>
-            <p:ph type="body" idx="1"/>
+            <p:ph type="body" idx="4294967295"/>
           </p:nvPr>
         </p:nvSpPr>
         <p:spPr>
           <a:xfrm>
-            <a:off x="415650" y="2724664"/>
-            <a:ext cx="11360700" cy="1408672"/>
+            <a:off x="0" y="2724150"/>
+            <a:ext cx="11360150" cy="1409700"/>
           </a:xfrm>
         </p:spPr>
         <p:txBody>
@@ -12839,7 +12859,7 @@
           <a:p>
             <a:r>
               <a:rPr lang="en-US" dirty="0"/>
-              <a:t>Data exploration overview and pointers</a:t>
+              <a:t>Data exploration overview and helpful tips</a:t>
             </a:r>
             <a:br>
               <a:rPr lang="en-US" b="1" dirty="0"/>
@@ -12963,6 +12983,17 @@
             </a:pPr>
             <a:r>
               <a:rPr lang="en-US" dirty="0"/>
+              <a:t>Wednesday sessions are required class sessions</a:t>
+            </a:r>
+          </a:p>
+          <a:p>
+            <a:pPr lvl="1">
+              <a:spcBef>
+                <a:spcPts val="500"/>
+              </a:spcBef>
+            </a:pPr>
+            <a:r>
+              <a:rPr lang="en-US" dirty="0"/>
               <a:t>Be sure to attend your assigned session from this point forward</a:t>
             </a:r>
             <a:br>
@@ -12987,7 +13018,7 @@
             </a:pPr>
             <a:r>
               <a:rPr lang="en-US" dirty="0"/>
-              <a:t>Analytic Formulation and Baselines Lecture Video (for Thursday)</a:t>
+              <a:t>Watch Analytic Formulation and Baselines Lecture Video (for Thursday)</a:t>
             </a:r>
           </a:p>
           <a:p>
@@ -13252,7 +13283,7 @@
             </a:pPr>
             <a:r>
               <a:rPr lang="en-US" dirty="0"/>
-              <a:t>Sanity Check </a:t>
+              <a:t>Sanity Check the data you were given</a:t>
             </a:r>
           </a:p>
           <a:p>
@@ -13262,7 +13293,7 @@
             </a:pPr>
             <a:r>
               <a:rPr lang="en-US" dirty="0"/>
-              <a:t>Understanding the domain </a:t>
+              <a:t>Understanding the problem and domain </a:t>
             </a:r>
           </a:p>
           <a:p>

--- a/03 - Data Exploration, Analytical Formulation, and Baselines/data-exploration.pptx
+++ b/03 - Data Exploration, Analytical Formulation, and Baselines/data-exploration.pptx
@@ -5,24 +5,25 @@
     <p:sldMasterId id="2147483648" r:id="rId1"/>
   </p:sldMasterIdLst>
   <p:notesMasterIdLst>
-    <p:notesMasterId r:id="rId17"/>
+    <p:notesMasterId r:id="rId18"/>
   </p:notesMasterIdLst>
   <p:sldIdLst>
     <p:sldId id="256" r:id="rId2"/>
     <p:sldId id="297" r:id="rId3"/>
-    <p:sldId id="281" r:id="rId4"/>
+    <p:sldId id="304" r:id="rId4"/>
     <p:sldId id="302" r:id="rId5"/>
-    <p:sldId id="295" r:id="rId6"/>
-    <p:sldId id="282" r:id="rId7"/>
-    <p:sldId id="300" r:id="rId8"/>
-    <p:sldId id="285" r:id="rId9"/>
-    <p:sldId id="283" r:id="rId10"/>
-    <p:sldId id="298" r:id="rId11"/>
-    <p:sldId id="260" r:id="rId12"/>
-    <p:sldId id="261" r:id="rId13"/>
-    <p:sldId id="299" r:id="rId14"/>
-    <p:sldId id="301" r:id="rId15"/>
-    <p:sldId id="303" r:id="rId16"/>
+    <p:sldId id="281" r:id="rId6"/>
+    <p:sldId id="295" r:id="rId7"/>
+    <p:sldId id="282" r:id="rId8"/>
+    <p:sldId id="300" r:id="rId9"/>
+    <p:sldId id="285" r:id="rId10"/>
+    <p:sldId id="283" r:id="rId11"/>
+    <p:sldId id="298" r:id="rId12"/>
+    <p:sldId id="260" r:id="rId13"/>
+    <p:sldId id="261" r:id="rId14"/>
+    <p:sldId id="299" r:id="rId15"/>
+    <p:sldId id="301" r:id="rId16"/>
+    <p:sldId id="303" r:id="rId17"/>
   </p:sldIdLst>
   <p:sldSz cx="12192000" cy="6858000"/>
   <p:notesSz cx="6858000" cy="9144000"/>
@@ -260,7 +261,7 @@
       <p15:sldGuideLst xmlns:p15="http://schemas.microsoft.com/office/powerpoint/2012/main"/>
     </p:ext>
     <p:ext uri="http://customooxmlschemas.google.com/">
-      <go:slidesCustomData xmlns="" xmlns:mc="http://schemas.openxmlformats.org/markup-compatibility/2006" xmlns:mv="urn:schemas-microsoft-com:mac:vml" xmlns:c="http://schemas.openxmlformats.org/drawingml/2006/chart" xmlns:dgm="http://schemas.openxmlformats.org/drawingml/2006/diagram" xmlns:o="urn:schemas-microsoft-com:office:office" xmlns:v="urn:schemas-microsoft-com:vml" xmlns:pvml="urn:schemas-microsoft-com:office:powerpoint" xmlns:com="http://schemas.openxmlformats.org/drawingml/2006/compatibility" xmlns:p14="http://schemas.microsoft.com/office/powerpoint/2010/main" xmlns:p15="http://schemas.microsoft.com/office/powerpoint/2012/main" xmlns:go="http://customooxmlschemas.google.com/" r:id="rId30" roundtripDataSignature="AMtx7mjFyVUGRZWio+dc9dxzYsimUxNJbg=="/>
+      <go:slidesCustomData xmlns:go="http://customooxmlschemas.google.com/" xmlns:p15="http://schemas.microsoft.com/office/powerpoint/2012/main" xmlns:p14="http://schemas.microsoft.com/office/powerpoint/2010/main" xmlns:com="http://schemas.openxmlformats.org/drawingml/2006/compatibility" xmlns:pvml="urn:schemas-microsoft-com:office:powerpoint" xmlns:v="urn:schemas-microsoft-com:vml" xmlns:o="urn:schemas-microsoft-com:office:office" xmlns:dgm="http://schemas.openxmlformats.org/drawingml/2006/diagram" xmlns:c="http://schemas.openxmlformats.org/drawingml/2006/chart" xmlns:mv="urn:schemas-microsoft-com:mac:vml" xmlns:mc="http://schemas.openxmlformats.org/markup-compatibility/2006" xmlns="" r:id="rId30" roundtripDataSignature="AMtx7mjFyVUGRZWio+dc9dxzYsimUxNJbg=="/>
     </p:ext>
   </p:extLst>
 </p:presentation>
@@ -12096,6 +12097,66 @@
       </p:grpSpPr>
       <p:pic>
         <p:nvPicPr>
+          <p:cNvPr id="9" name="Picture 8">
+            <a:extLst>
+              <a:ext uri="{FF2B5EF4-FFF2-40B4-BE49-F238E27FC236}">
+                <a16:creationId xmlns:a16="http://schemas.microsoft.com/office/drawing/2014/main" id="{3DF3CE1F-439A-864A-85F9-7ECA76CADBF5}"/>
+              </a:ext>
+            </a:extLst>
+          </p:cNvPr>
+          <p:cNvPicPr>
+            <a:picLocks noChangeAspect="1"/>
+          </p:cNvPicPr>
+          <p:nvPr/>
+        </p:nvPicPr>
+        <p:blipFill>
+          <a:blip r:embed="rId2"/>
+          <a:stretch>
+            <a:fillRect/>
+          </a:stretch>
+        </p:blipFill>
+        <p:spPr>
+          <a:xfrm>
+            <a:off x="2253318" y="80445"/>
+            <a:ext cx="7685364" cy="6697109"/>
+          </a:xfrm>
+          <a:prstGeom prst="rect">
+            <a:avLst/>
+          </a:prstGeom>
+        </p:spPr>
+      </p:pic>
+    </p:spTree>
+    <p:extLst>
+      <p:ext uri="{BB962C8B-B14F-4D97-AF65-F5344CB8AC3E}">
+        <p14:creationId xmlns:p14="http://schemas.microsoft.com/office/powerpoint/2010/main" val="1278687259"/>
+      </p:ext>
+    </p:extLst>
+  </p:cSld>
+  <p:clrMapOvr>
+    <a:masterClrMapping/>
+  </p:clrMapOvr>
+</p:sld>
+</file>
+
+<file path=ppt/slides/slide11.xml><?xml version="1.0" encoding="utf-8"?>
+<p:sld xmlns:a="http://schemas.openxmlformats.org/drawingml/2006/main" xmlns:r="http://schemas.openxmlformats.org/officeDocument/2006/relationships" xmlns:p="http://schemas.openxmlformats.org/presentationml/2006/main">
+  <p:cSld>
+    <p:spTree>
+      <p:nvGrpSpPr>
+        <p:cNvPr id="1" name=""/>
+        <p:cNvGrpSpPr/>
+        <p:nvPr/>
+      </p:nvGrpSpPr>
+      <p:grpSpPr>
+        <a:xfrm>
+          <a:off x="0" y="0"/>
+          <a:ext cx="0" cy="0"/>
+          <a:chOff x="0" y="0"/>
+          <a:chExt cx="0" cy="0"/>
+        </a:xfrm>
+      </p:grpSpPr>
+      <p:pic>
+        <p:nvPicPr>
           <p:cNvPr id="1025" name="Picture 1" descr="page7image820992">
             <a:extLst>
               <a:ext uri="{FF2B5EF4-FFF2-40B4-BE49-F238E27FC236}">
@@ -12154,7 +12215,7 @@
 </p:sld>
 </file>
 
-<file path=ppt/slides/slide11.xml><?xml version="1.0" encoding="utf-8"?>
+<file path=ppt/slides/slide12.xml><?xml version="1.0" encoding="utf-8"?>
 <p:sld xmlns:a="http://schemas.openxmlformats.org/drawingml/2006/main" xmlns:r="http://schemas.openxmlformats.org/officeDocument/2006/relationships" xmlns:p="http://schemas.openxmlformats.org/presentationml/2006/main">
   <p:cSld>
     <p:spTree>
@@ -12269,7 +12330,7 @@
 </p:sld>
 </file>
 
-<file path=ppt/slides/slide12.xml><?xml version="1.0" encoding="utf-8"?>
+<file path=ppt/slides/slide13.xml><?xml version="1.0" encoding="utf-8"?>
 <p:sld xmlns:a="http://schemas.openxmlformats.org/drawingml/2006/main" xmlns:r="http://schemas.openxmlformats.org/officeDocument/2006/relationships" xmlns:p="http://schemas.openxmlformats.org/presentationml/2006/main">
   <p:cSld>
     <p:spTree>
@@ -12364,7 +12425,7 @@
 </p:sld>
 </file>
 
-<file path=ppt/slides/slide13.xml><?xml version="1.0" encoding="utf-8"?>
+<file path=ppt/slides/slide14.xml><?xml version="1.0" encoding="utf-8"?>
 <p:sld xmlns:a="http://schemas.openxmlformats.org/drawingml/2006/main" xmlns:r="http://schemas.openxmlformats.org/officeDocument/2006/relationships" xmlns:p="http://schemas.openxmlformats.org/presentationml/2006/main">
   <p:cSld>
     <p:spTree>
@@ -12535,7 +12596,7 @@
 </p:sld>
 </file>
 
-<file path=ppt/slides/slide14.xml><?xml version="1.0" encoding="utf-8"?>
+<file path=ppt/slides/slide15.xml><?xml version="1.0" encoding="utf-8"?>
 <p:sld xmlns:a="http://schemas.openxmlformats.org/drawingml/2006/main" xmlns:r="http://schemas.openxmlformats.org/officeDocument/2006/relationships" xmlns:p="http://schemas.openxmlformats.org/presentationml/2006/main">
   <p:cSld>
     <p:spTree>
@@ -12601,7 +12662,7 @@
 </p:sld>
 </file>
 
-<file path=ppt/slides/slide15.xml><?xml version="1.0" encoding="utf-8"?>
+<file path=ppt/slides/slide16.xml><?xml version="1.0" encoding="utf-8"?>
 <p:sld xmlns:a="http://schemas.openxmlformats.org/drawingml/2006/main" xmlns:r="http://schemas.openxmlformats.org/officeDocument/2006/relationships" xmlns:p="http://schemas.openxmlformats.org/presentationml/2006/main">
   <p:cSld>
     <p:spTree>
@@ -12813,7 +12874,7 @@
           <p:cNvPr id="3" name="Title 2">
             <a:extLst>
               <a:ext uri="{FF2B5EF4-FFF2-40B4-BE49-F238E27FC236}">
-                <a16:creationId xmlns:a16="http://schemas.microsoft.com/office/drawing/2014/main" id="{9323871C-7CA8-1448-8FFC-1AE6E1838941}"/>
+                <a16:creationId xmlns:a16="http://schemas.microsoft.com/office/drawing/2014/main" id="{56B065DB-3323-AE4D-95D0-4AABDE0FADAA}"/>
               </a:ext>
             </a:extLst>
           </p:cNvPr>
@@ -12831,60 +12892,287 @@
           <a:p>
             <a:r>
               <a:rPr lang="en-US" dirty="0"/>
-              <a:t>Plan for today</a:t>
+              <a:t>Where to look for what</a:t>
             </a:r>
+          </a:p>
+        </p:txBody>
+      </p:sp>
+      <p:pic>
+        <p:nvPicPr>
+          <p:cNvPr id="1026" name="Picture 2" descr="Moving all your Bitbucket Repositories to GitHub | by Leo Soto | Continuum">
+            <a:extLst>
+              <a:ext uri="{FF2B5EF4-FFF2-40B4-BE49-F238E27FC236}">
+                <a16:creationId xmlns:a16="http://schemas.microsoft.com/office/drawing/2014/main" id="{35044B08-BAFC-4144-B243-DC0EFADCFBB0}"/>
+              </a:ext>
+            </a:extLst>
+          </p:cNvPr>
+          <p:cNvPicPr>
+            <a:picLocks noChangeAspect="1" noChangeArrowheads="1"/>
+          </p:cNvPicPr>
+          <p:nvPr/>
+        </p:nvPicPr>
+        <p:blipFill>
+          <a:blip r:embed="rId2">
+            <a:extLst>
+              <a:ext uri="{28A0092B-C50C-407E-A947-70E740481C1C}">
+                <a14:useLocalDpi xmlns:a14="http://schemas.microsoft.com/office/drawing/2010/main" val="0"/>
+              </a:ext>
+            </a:extLst>
+          </a:blip>
+          <a:srcRect/>
+          <a:stretch>
+            <a:fillRect/>
+          </a:stretch>
+        </p:blipFill>
+        <p:spPr bwMode="auto">
+          <a:xfrm>
+            <a:off x="47970" y="2192602"/>
+            <a:ext cx="3379305" cy="1123795"/>
+          </a:xfrm>
+          <a:prstGeom prst="rect">
+            <a:avLst/>
+          </a:prstGeom>
+          <a:noFill/>
+          <a:extLst>
+            <a:ext uri="{909E8E84-426E-40DD-AFC4-6F175D3DCCD1}">
+              <a14:hiddenFill xmlns:a14="http://schemas.microsoft.com/office/drawing/2010/main">
+                <a:solidFill>
+                  <a:srgbClr val="FFFFFF"/>
+                </a:solidFill>
+              </a14:hiddenFill>
+            </a:ext>
+          </a:extLst>
+        </p:spPr>
+      </p:pic>
+      <p:pic>
+        <p:nvPicPr>
+          <p:cNvPr id="1028" name="Picture 4" descr="Transition to Canvas Sparks Mixed Opinions Among Wary Students | The  Cornell Daily Sun">
+            <a:extLst>
+              <a:ext uri="{FF2B5EF4-FFF2-40B4-BE49-F238E27FC236}">
+                <a16:creationId xmlns:a16="http://schemas.microsoft.com/office/drawing/2014/main" id="{003A4E2F-F0C6-7048-AD71-B3A7258254F4}"/>
+              </a:ext>
+            </a:extLst>
+          </p:cNvPr>
+          <p:cNvPicPr>
+            <a:picLocks noChangeAspect="1" noChangeArrowheads="1"/>
+          </p:cNvPicPr>
+          <p:nvPr/>
+        </p:nvPicPr>
+        <p:blipFill rotWithShape="1">
+          <a:blip r:embed="rId3">
+            <a:extLst>
+              <a:ext uri="{28A0092B-C50C-407E-A947-70E740481C1C}">
+                <a14:useLocalDpi xmlns:a14="http://schemas.microsoft.com/office/drawing/2010/main" val="0"/>
+              </a:ext>
+            </a:extLst>
+          </a:blip>
+          <a:srcRect t="28792" b="29082"/>
+          <a:stretch/>
+        </p:blipFill>
+        <p:spPr bwMode="auto">
+          <a:xfrm>
+            <a:off x="4161181" y="2279373"/>
+            <a:ext cx="3718382" cy="978711"/>
+          </a:xfrm>
+          <a:prstGeom prst="rect">
+            <a:avLst/>
+          </a:prstGeom>
+          <a:noFill/>
+          <a:extLst>
+            <a:ext uri="{909E8E84-426E-40DD-AFC4-6F175D3DCCD1}">
+              <a14:hiddenFill xmlns:a14="http://schemas.microsoft.com/office/drawing/2010/main">
+                <a:solidFill>
+                  <a:srgbClr val="FFFFFF"/>
+                </a:solidFill>
+              </a14:hiddenFill>
+            </a:ext>
+          </a:extLst>
+        </p:spPr>
+      </p:pic>
+      <p:pic>
+        <p:nvPicPr>
+          <p:cNvPr id="1030" name="Picture 6" descr="Slack Review | PCMag">
+            <a:extLst>
+              <a:ext uri="{FF2B5EF4-FFF2-40B4-BE49-F238E27FC236}">
+                <a16:creationId xmlns:a16="http://schemas.microsoft.com/office/drawing/2014/main" id="{C6C61A2D-AB44-D34B-8B07-EABBCDF3715C}"/>
+              </a:ext>
+            </a:extLst>
+          </p:cNvPr>
+          <p:cNvPicPr>
+            <a:picLocks noChangeAspect="1" noChangeArrowheads="1"/>
+          </p:cNvPicPr>
+          <p:nvPr/>
+        </p:nvPicPr>
+        <p:blipFill>
+          <a:blip r:embed="rId4">
+            <a:extLst>
+              <a:ext uri="{28A0092B-C50C-407E-A947-70E740481C1C}">
+                <a14:useLocalDpi xmlns:a14="http://schemas.microsoft.com/office/drawing/2010/main" val="0"/>
+              </a:ext>
+            </a:extLst>
+          </a:blip>
+          <a:srcRect/>
+          <a:stretch>
+            <a:fillRect/>
+          </a:stretch>
+        </p:blipFill>
+        <p:spPr bwMode="auto">
+          <a:xfrm>
+            <a:off x="8480949" y="1778364"/>
+            <a:ext cx="3468894" cy="1952270"/>
+          </a:xfrm>
+          <a:prstGeom prst="rect">
+            <a:avLst/>
+          </a:prstGeom>
+          <a:noFill/>
+          <a:extLst>
+            <a:ext uri="{909E8E84-426E-40DD-AFC4-6F175D3DCCD1}">
+              <a14:hiddenFill xmlns:a14="http://schemas.microsoft.com/office/drawing/2010/main">
+                <a:solidFill>
+                  <a:srgbClr val="FFFFFF"/>
+                </a:solidFill>
+              </a14:hiddenFill>
+            </a:ext>
+          </a:extLst>
+        </p:spPr>
+      </p:pic>
+      <p:sp>
+        <p:nvSpPr>
+          <p:cNvPr id="5" name="TextBox 4">
+            <a:extLst>
+              <a:ext uri="{FF2B5EF4-FFF2-40B4-BE49-F238E27FC236}">
+                <a16:creationId xmlns:a16="http://schemas.microsoft.com/office/drawing/2014/main" id="{F3C6BE60-769B-334B-961D-90BC574C32AF}"/>
+              </a:ext>
+            </a:extLst>
+          </p:cNvPr>
+          <p:cNvSpPr txBox="1"/>
+          <p:nvPr/>
+        </p:nvSpPr>
+        <p:spPr>
+          <a:xfrm>
+            <a:off x="415600" y="3541604"/>
+            <a:ext cx="2857687" cy="2308324"/>
+          </a:xfrm>
+          <a:prstGeom prst="rect">
+            <a:avLst/>
+          </a:prstGeom>
+          <a:noFill/>
+        </p:spPr>
+        <p:txBody>
+          <a:bodyPr wrap="square" rtlCol="0">
+            <a:spAutoFit/>
+          </a:bodyPr>
+          <a:lstStyle/>
+          <a:p>
+            <a:r>
+              <a:rPr lang="en-US" sz="4400" dirty="0"/>
+              <a:t>Content</a:t>
+            </a:r>
+            <a:br>
+              <a:rPr lang="en-US" sz="4400" dirty="0"/>
+            </a:br>
+            <a:r>
+              <a:rPr lang="en-US" sz="2800" dirty="0"/>
+              <a:t>schedule, slides, etc.</a:t>
+            </a:r>
+          </a:p>
+          <a:p>
+            <a:endParaRPr lang="en-US" sz="4400" dirty="0"/>
           </a:p>
         </p:txBody>
       </p:sp>
       <p:sp>
         <p:nvSpPr>
-          <p:cNvPr id="4" name="Text Placeholder 3">
+          <p:cNvPr id="9" name="TextBox 8">
             <a:extLst>
               <a:ext uri="{FF2B5EF4-FFF2-40B4-BE49-F238E27FC236}">
-                <a16:creationId xmlns:a16="http://schemas.microsoft.com/office/drawing/2014/main" id="{5E600BA7-FA45-884F-9820-9E5F2CB7AA48}"/>
+                <a16:creationId xmlns:a16="http://schemas.microsoft.com/office/drawing/2014/main" id="{7D429D5F-8CCE-1D4D-9120-A26AC1041C9C}"/>
               </a:ext>
             </a:extLst>
           </p:cNvPr>
-          <p:cNvSpPr>
-            <a:spLocks noGrp="1"/>
-          </p:cNvSpPr>
-          <p:nvPr>
-            <p:ph type="body" idx="1"/>
-          </p:nvPr>
+          <p:cNvSpPr txBox="1"/>
+          <p:nvPr/>
         </p:nvSpPr>
-        <p:spPr/>
+        <p:spPr>
+          <a:xfrm>
+            <a:off x="4326489" y="3527445"/>
+            <a:ext cx="3468894" cy="2308324"/>
+          </a:xfrm>
+          <a:prstGeom prst="rect">
+            <a:avLst/>
+          </a:prstGeom>
+          <a:noFill/>
+        </p:spPr>
         <p:txBody>
-          <a:bodyPr/>
+          <a:bodyPr wrap="square" rtlCol="0">
+            <a:spAutoFit/>
+          </a:bodyPr>
           <a:lstStyle/>
           <a:p>
             <a:r>
-              <a:rPr lang="en-US" dirty="0"/>
-              <a:t>Data exploration overview and helpful tips</a:t>
+              <a:rPr lang="en-US" sz="4400" dirty="0"/>
+              <a:t>Assignments</a:t>
             </a:r>
             <a:br>
-              <a:rPr lang="en-US" b="1" dirty="0"/>
+              <a:rPr lang="en-US" sz="4400" dirty="0"/>
             </a:br>
-            <a:endParaRPr lang="en-US" b="1" dirty="0"/>
+            <a:r>
+              <a:rPr lang="en-US" sz="2800" dirty="0"/>
+              <a:t>description and submission</a:t>
+            </a:r>
           </a:p>
           <a:p>
+            <a:endParaRPr lang="en-US" sz="4400" dirty="0"/>
+          </a:p>
+        </p:txBody>
+      </p:sp>
+      <p:sp>
+        <p:nvSpPr>
+          <p:cNvPr id="10" name="TextBox 9">
+            <a:extLst>
+              <a:ext uri="{FF2B5EF4-FFF2-40B4-BE49-F238E27FC236}">
+                <a16:creationId xmlns:a16="http://schemas.microsoft.com/office/drawing/2014/main" id="{6AF74E1E-5164-8C4F-A628-D9DAF46EE15F}"/>
+              </a:ext>
+            </a:extLst>
+          </p:cNvPr>
+          <p:cNvSpPr txBox="1"/>
+          <p:nvPr/>
+        </p:nvSpPr>
+        <p:spPr>
+          <a:xfrm>
+            <a:off x="8203094" y="3578640"/>
+            <a:ext cx="4108173" cy="2062103"/>
+          </a:xfrm>
+          <a:prstGeom prst="rect">
+            <a:avLst/>
+          </a:prstGeom>
+          <a:noFill/>
+        </p:spPr>
+        <p:txBody>
+          <a:bodyPr wrap="square" rtlCol="0">
+            <a:spAutoFit/>
+          </a:bodyPr>
+          <a:lstStyle/>
+          <a:p>
             <a:r>
-              <a:rPr lang="en-US" dirty="0"/>
-              <a:t>Time to meet and coordinate with your groups </a:t>
+              <a:rPr lang="en-US" sz="4400" dirty="0"/>
+              <a:t>Communication</a:t>
             </a:r>
             <a:br>
-              <a:rPr lang="en-US" dirty="0"/>
+              <a:rPr lang="en-US" sz="4400" dirty="0"/>
             </a:br>
             <a:r>
-              <a:rPr lang="en-US" dirty="0"/>
-              <a:t>(~30 minutes at the end of class)</a:t>
+              <a:rPr lang="en-US" sz="2800" dirty="0"/>
+              <a:t>announcements, discussions, questions, etc. </a:t>
             </a:r>
+            <a:endParaRPr lang="en-US" sz="4400" dirty="0"/>
           </a:p>
         </p:txBody>
       </p:sp>
     </p:spTree>
     <p:extLst>
       <p:ext uri="{BB962C8B-B14F-4D97-AF65-F5344CB8AC3E}">
-        <p14:creationId xmlns:p14="http://schemas.microsoft.com/office/powerpoint/2010/main" val="1285932549"/>
+        <p14:creationId xmlns:p14="http://schemas.microsoft.com/office/powerpoint/2010/main" val="2129595326"/>
       </p:ext>
     </p:extLst>
   </p:cSld>
@@ -12972,7 +13260,7 @@
           <a:p>
             <a:r>
               <a:rPr lang="en-US" dirty="0"/>
-              <a:t>Wednesday session tomorrow: time for group work</a:t>
+              <a:t>Wednesday session tomorrow: time for group work and check-ins</a:t>
             </a:r>
           </a:p>
           <a:p>
@@ -13032,7 +13320,7 @@
             </a:pPr>
             <a:r>
               <a:rPr lang="en-US" dirty="0"/>
-              <a:t>ACS Data loading assignment (due Friday)</a:t>
+              <a:t>ACS Data loading assignment on canvas (due Friday)</a:t>
             </a:r>
             <a:br>
               <a:rPr lang="en-US" dirty="0"/>
@@ -13050,7 +13338,7 @@
             </a:r>
             <a:r>
               <a:rPr lang="en-US" dirty="0"/>
-              <a:t>preparation guidelines (due </a:t>
+              <a:t>assignment on canvas (due </a:t>
             </a:r>
             <a:r>
               <a:rPr lang="en-US" b="1" dirty="0"/>
@@ -13077,6 +13365,109 @@
 </file>
 
 <file path=ppt/slides/slide5.xml><?xml version="1.0" encoding="utf-8"?>
+<p:sld xmlns:a="http://schemas.openxmlformats.org/drawingml/2006/main" xmlns:r="http://schemas.openxmlformats.org/officeDocument/2006/relationships" xmlns:p="http://schemas.openxmlformats.org/presentationml/2006/main">
+  <p:cSld>
+    <p:spTree>
+      <p:nvGrpSpPr>
+        <p:cNvPr id="1" name=""/>
+        <p:cNvGrpSpPr/>
+        <p:nvPr/>
+      </p:nvGrpSpPr>
+      <p:grpSpPr>
+        <a:xfrm>
+          <a:off x="0" y="0"/>
+          <a:ext cx="0" cy="0"/>
+          <a:chOff x="0" y="0"/>
+          <a:chExt cx="0" cy="0"/>
+        </a:xfrm>
+      </p:grpSpPr>
+      <p:sp>
+        <p:nvSpPr>
+          <p:cNvPr id="3" name="Title 2">
+            <a:extLst>
+              <a:ext uri="{FF2B5EF4-FFF2-40B4-BE49-F238E27FC236}">
+                <a16:creationId xmlns:a16="http://schemas.microsoft.com/office/drawing/2014/main" id="{9323871C-7CA8-1448-8FFC-1AE6E1838941}"/>
+              </a:ext>
+            </a:extLst>
+          </p:cNvPr>
+          <p:cNvSpPr>
+            <a:spLocks noGrp="1"/>
+          </p:cNvSpPr>
+          <p:nvPr>
+            <p:ph type="title"/>
+          </p:nvPr>
+        </p:nvSpPr>
+        <p:spPr/>
+        <p:txBody>
+          <a:bodyPr/>
+          <a:lstStyle/>
+          <a:p>
+            <a:r>
+              <a:rPr lang="en-US" dirty="0"/>
+              <a:t>Plan for today</a:t>
+            </a:r>
+          </a:p>
+        </p:txBody>
+      </p:sp>
+      <p:sp>
+        <p:nvSpPr>
+          <p:cNvPr id="4" name="Text Placeholder 3">
+            <a:extLst>
+              <a:ext uri="{FF2B5EF4-FFF2-40B4-BE49-F238E27FC236}">
+                <a16:creationId xmlns:a16="http://schemas.microsoft.com/office/drawing/2014/main" id="{5E600BA7-FA45-884F-9820-9E5F2CB7AA48}"/>
+              </a:ext>
+            </a:extLst>
+          </p:cNvPr>
+          <p:cNvSpPr>
+            <a:spLocks noGrp="1"/>
+          </p:cNvSpPr>
+          <p:nvPr>
+            <p:ph type="body" idx="1"/>
+          </p:nvPr>
+        </p:nvSpPr>
+        <p:spPr/>
+        <p:txBody>
+          <a:bodyPr/>
+          <a:lstStyle/>
+          <a:p>
+            <a:r>
+              <a:rPr lang="en-US" dirty="0"/>
+              <a:t>Data exploration overview and helpful tips</a:t>
+            </a:r>
+            <a:br>
+              <a:rPr lang="en-US" b="1" dirty="0"/>
+            </a:br>
+            <a:endParaRPr lang="en-US" b="1" dirty="0"/>
+          </a:p>
+          <a:p>
+            <a:r>
+              <a:rPr lang="en-US" dirty="0"/>
+              <a:t>Time to meet and coordinate with your groups </a:t>
+            </a:r>
+            <a:br>
+              <a:rPr lang="en-US" dirty="0"/>
+            </a:br>
+            <a:r>
+              <a:rPr lang="en-US" dirty="0"/>
+              <a:t>(~30 minutes at the end of class)</a:t>
+            </a:r>
+          </a:p>
+        </p:txBody>
+      </p:sp>
+    </p:spTree>
+    <p:extLst>
+      <p:ext uri="{BB962C8B-B14F-4D97-AF65-F5344CB8AC3E}">
+        <p14:creationId xmlns:p14="http://schemas.microsoft.com/office/powerpoint/2010/main" val="1285932549"/>
+      </p:ext>
+    </p:extLst>
+  </p:cSld>
+  <p:clrMapOvr>
+    <a:masterClrMapping/>
+  </p:clrMapOvr>
+</p:sld>
+</file>
+
+<file path=ppt/slides/slide6.xml><?xml version="1.0" encoding="utf-8"?>
 <p:sld xmlns:a="http://schemas.openxmlformats.org/drawingml/2006/main" xmlns:r="http://schemas.openxmlformats.org/officeDocument/2006/relationships" xmlns:p="http://schemas.openxmlformats.org/presentationml/2006/main">
   <p:cSld>
     <p:spTree>
@@ -13211,7 +13602,7 @@
 </p:sld>
 </file>
 
-<file path=ppt/slides/slide6.xml><?xml version="1.0" encoding="utf-8"?>
+<file path=ppt/slides/slide7.xml><?xml version="1.0" encoding="utf-8"?>
 <p:sld xmlns:a="http://schemas.openxmlformats.org/drawingml/2006/main" xmlns:r="http://schemas.openxmlformats.org/officeDocument/2006/relationships" xmlns:p="http://schemas.openxmlformats.org/presentationml/2006/main">
   <p:cSld>
     <p:spTree>
@@ -13357,7 +13748,7 @@
 </p:sld>
 </file>
 
-<file path=ppt/slides/slide7.xml><?xml version="1.0" encoding="utf-8"?>
+<file path=ppt/slides/slide8.xml><?xml version="1.0" encoding="utf-8"?>
 <p:sld xmlns:a="http://schemas.openxmlformats.org/drawingml/2006/main" xmlns:r="http://schemas.openxmlformats.org/officeDocument/2006/relationships" xmlns:p="http://schemas.openxmlformats.org/presentationml/2006/main">
   <p:cSld>
     <p:spTree>
@@ -13487,7 +13878,7 @@
 </p:sld>
 </file>
 
-<file path=ppt/slides/slide8.xml><?xml version="1.0" encoding="utf-8"?>
+<file path=ppt/slides/slide9.xml><?xml version="1.0" encoding="utf-8"?>
 <p:sld xmlns:a="http://schemas.openxmlformats.org/drawingml/2006/main" xmlns:r="http://schemas.openxmlformats.org/officeDocument/2006/relationships" xmlns:p="http://schemas.openxmlformats.org/presentationml/2006/main">
   <p:cSld>
     <p:spTree>
@@ -13600,66 +13991,6 @@
     <p:extLst>
       <p:ext uri="{BB962C8B-B14F-4D97-AF65-F5344CB8AC3E}">
         <p14:creationId xmlns:p14="http://schemas.microsoft.com/office/powerpoint/2010/main" val="4069897732"/>
-      </p:ext>
-    </p:extLst>
-  </p:cSld>
-  <p:clrMapOvr>
-    <a:masterClrMapping/>
-  </p:clrMapOvr>
-</p:sld>
-</file>
-
-<file path=ppt/slides/slide9.xml><?xml version="1.0" encoding="utf-8"?>
-<p:sld xmlns:a="http://schemas.openxmlformats.org/drawingml/2006/main" xmlns:r="http://schemas.openxmlformats.org/officeDocument/2006/relationships" xmlns:p="http://schemas.openxmlformats.org/presentationml/2006/main">
-  <p:cSld>
-    <p:spTree>
-      <p:nvGrpSpPr>
-        <p:cNvPr id="1" name=""/>
-        <p:cNvGrpSpPr/>
-        <p:nvPr/>
-      </p:nvGrpSpPr>
-      <p:grpSpPr>
-        <a:xfrm>
-          <a:off x="0" y="0"/>
-          <a:ext cx="0" cy="0"/>
-          <a:chOff x="0" y="0"/>
-          <a:chExt cx="0" cy="0"/>
-        </a:xfrm>
-      </p:grpSpPr>
-      <p:pic>
-        <p:nvPicPr>
-          <p:cNvPr id="9" name="Picture 8">
-            <a:extLst>
-              <a:ext uri="{FF2B5EF4-FFF2-40B4-BE49-F238E27FC236}">
-                <a16:creationId xmlns:a16="http://schemas.microsoft.com/office/drawing/2014/main" id="{3DF3CE1F-439A-864A-85F9-7ECA76CADBF5}"/>
-              </a:ext>
-            </a:extLst>
-          </p:cNvPr>
-          <p:cNvPicPr>
-            <a:picLocks noChangeAspect="1"/>
-          </p:cNvPicPr>
-          <p:nvPr/>
-        </p:nvPicPr>
-        <p:blipFill>
-          <a:blip r:embed="rId2"/>
-          <a:stretch>
-            <a:fillRect/>
-          </a:stretch>
-        </p:blipFill>
-        <p:spPr>
-          <a:xfrm>
-            <a:off x="2253318" y="80445"/>
-            <a:ext cx="7685364" cy="6697109"/>
-          </a:xfrm>
-          <a:prstGeom prst="rect">
-            <a:avLst/>
-          </a:prstGeom>
-        </p:spPr>
-      </p:pic>
-    </p:spTree>
-    <p:extLst>
-      <p:ext uri="{BB962C8B-B14F-4D97-AF65-F5344CB8AC3E}">
-        <p14:creationId xmlns:p14="http://schemas.microsoft.com/office/powerpoint/2010/main" val="1278687259"/>
       </p:ext>
     </p:extLst>
   </p:cSld>

--- a/03 - Data Exploration, Analytical Formulation, and Baselines/data-exploration.pptx
+++ b/03 - Data Exploration, Analytical Formulation, and Baselines/data-exploration.pptx
@@ -21,7 +21,7 @@
     <p:sldId id="298" r:id="rId12"/>
     <p:sldId id="260" r:id="rId13"/>
     <p:sldId id="261" r:id="rId14"/>
-    <p:sldId id="299" r:id="rId15"/>
+    <p:sldId id="305" r:id="rId15"/>
     <p:sldId id="301" r:id="rId16"/>
     <p:sldId id="303" r:id="rId17"/>
   </p:sldIdLst>
@@ -261,7 +261,7 @@
       <p15:sldGuideLst xmlns:p15="http://schemas.microsoft.com/office/powerpoint/2012/main"/>
     </p:ext>
     <p:ext uri="http://customooxmlschemas.google.com/">
-      <go:slidesCustomData xmlns:go="http://customooxmlschemas.google.com/" xmlns:p15="http://schemas.microsoft.com/office/powerpoint/2012/main" xmlns:p14="http://schemas.microsoft.com/office/powerpoint/2010/main" xmlns:com="http://schemas.openxmlformats.org/drawingml/2006/compatibility" xmlns:pvml="urn:schemas-microsoft-com:office:powerpoint" xmlns:v="urn:schemas-microsoft-com:vml" xmlns:o="urn:schemas-microsoft-com:office:office" xmlns:dgm="http://schemas.openxmlformats.org/drawingml/2006/diagram" xmlns:c="http://schemas.openxmlformats.org/drawingml/2006/chart" xmlns:mv="urn:schemas-microsoft-com:mac:vml" xmlns:mc="http://schemas.openxmlformats.org/markup-compatibility/2006" xmlns="" r:id="rId30" roundtripDataSignature="AMtx7mjFyVUGRZWio+dc9dxzYsimUxNJbg=="/>
+      <go:slidesCustomData xmlns="" xmlns:mc="http://schemas.openxmlformats.org/markup-compatibility/2006" xmlns:mv="urn:schemas-microsoft-com:mac:vml" xmlns:c="http://schemas.openxmlformats.org/drawingml/2006/chart" xmlns:dgm="http://schemas.openxmlformats.org/drawingml/2006/diagram" xmlns:o="urn:schemas-microsoft-com:office:office" xmlns:v="urn:schemas-microsoft-com:vml" xmlns:pvml="urn:schemas-microsoft-com:office:powerpoint" xmlns:com="http://schemas.openxmlformats.org/drawingml/2006/compatibility" xmlns:p14="http://schemas.microsoft.com/office/powerpoint/2010/main" xmlns:p15="http://schemas.microsoft.com/office/powerpoint/2012/main" xmlns:go="http://customooxmlschemas.google.com/" r:id="rId30" roundtripDataSignature="AMtx7mjFyVUGRZWio+dc9dxzYsimUxNJbg=="/>
     </p:ext>
   </p:extLst>
 </p:presentation>
@@ -12503,7 +12503,18 @@
           <a:p>
             <a:r>
               <a:rPr lang="en-US" dirty="0"/>
-              <a:t>Wednesday session tomorrow: time for group work</a:t>
+              <a:t>Wednesday session tomorrow: time for group work and check-ins</a:t>
+            </a:r>
+          </a:p>
+          <a:p>
+            <a:pPr lvl="1">
+              <a:spcBef>
+                <a:spcPts val="500"/>
+              </a:spcBef>
+            </a:pPr>
+            <a:r>
+              <a:rPr lang="en-US" dirty="0"/>
+              <a:t>Wednesday sessions are required class sessions</a:t>
             </a:r>
           </a:p>
           <a:p>
@@ -12538,7 +12549,7 @@
             </a:pPr>
             <a:r>
               <a:rPr lang="en-US" dirty="0"/>
-              <a:t>Analytic Formulation and Baselines Lecture Video (for Thursday)</a:t>
+              <a:t>Watch Analytic Formulation and Baselines Lecture Video (for Thursday)</a:t>
             </a:r>
           </a:p>
           <a:p>
@@ -12552,7 +12563,21 @@
             </a:pPr>
             <a:r>
               <a:rPr lang="en-US" dirty="0"/>
-              <a:t>ACS Data loading assignment (due Friday)</a:t>
+              <a:t>Reading for Thursday</a:t>
+            </a:r>
+          </a:p>
+          <a:p>
+            <a:pPr lvl="1">
+              <a:lnSpc>
+                <a:spcPct val="100000"/>
+              </a:lnSpc>
+              <a:spcBef>
+                <a:spcPts val="500"/>
+              </a:spcBef>
+            </a:pPr>
+            <a:r>
+              <a:rPr lang="en-US" dirty="0"/>
+              <a:t>ACS Data loading assignment on canvas (due Friday)</a:t>
             </a:r>
             <a:br>
               <a:rPr lang="en-US" dirty="0"/>
@@ -12570,7 +12595,7 @@
             </a:r>
             <a:r>
               <a:rPr lang="en-US" dirty="0"/>
-              <a:t>preparation guidelines (due </a:t>
+              <a:t>assignment on canvas (due </a:t>
             </a:r>
             <a:r>
               <a:rPr lang="en-US" b="1" dirty="0"/>
@@ -12586,7 +12611,7 @@
     </p:spTree>
     <p:extLst>
       <p:ext uri="{BB962C8B-B14F-4D97-AF65-F5344CB8AC3E}">
-        <p14:creationId xmlns:p14="http://schemas.microsoft.com/office/powerpoint/2010/main" val="3754986698"/>
+        <p14:creationId xmlns:p14="http://schemas.microsoft.com/office/powerpoint/2010/main" val="4131774898"/>
       </p:ext>
     </p:extLst>
   </p:cSld>
@@ -12834,7 +12859,7 @@
             </a:pPr>
             <a:r>
               <a:rPr lang="en-US" sz="4800" dirty="0"/>
-              <a:t>Short Quiz on Reading</a:t>
+              <a:t>Short Quiz</a:t>
             </a:r>
           </a:p>
         </p:txBody>
@@ -13307,6 +13332,20 @@
             <a:r>
               <a:rPr lang="en-US" dirty="0"/>
               <a:t>Watch Analytic Formulation and Baselines Lecture Video (for Thursday)</a:t>
+            </a:r>
+          </a:p>
+          <a:p>
+            <a:pPr lvl="1">
+              <a:lnSpc>
+                <a:spcPct val="100000"/>
+              </a:lnSpc>
+              <a:spcBef>
+                <a:spcPts val="500"/>
+              </a:spcBef>
+            </a:pPr>
+            <a:r>
+              <a:rPr lang="en-US" dirty="0"/>
+              <a:t>Reading for Thursday</a:t>
             </a:r>
           </a:p>
           <a:p>

--- a/03 - Data Exploration, Analytical Formulation, and Baselines/data-exploration.pptx
+++ b/03 - Data Exploration, Analytical Formulation, and Baselines/data-exploration.pptx
@@ -5,25 +5,27 @@
     <p:sldMasterId id="2147483648" r:id="rId1"/>
   </p:sldMasterIdLst>
   <p:notesMasterIdLst>
-    <p:notesMasterId r:id="rId18"/>
+    <p:notesMasterId r:id="rId20"/>
   </p:notesMasterIdLst>
   <p:sldIdLst>
     <p:sldId id="256" r:id="rId2"/>
-    <p:sldId id="297" r:id="rId3"/>
-    <p:sldId id="304" r:id="rId4"/>
-    <p:sldId id="302" r:id="rId5"/>
-    <p:sldId id="281" r:id="rId6"/>
-    <p:sldId id="295" r:id="rId7"/>
-    <p:sldId id="282" r:id="rId8"/>
-    <p:sldId id="300" r:id="rId9"/>
-    <p:sldId id="285" r:id="rId10"/>
-    <p:sldId id="283" r:id="rId11"/>
-    <p:sldId id="298" r:id="rId12"/>
-    <p:sldId id="260" r:id="rId13"/>
-    <p:sldId id="261" r:id="rId14"/>
-    <p:sldId id="305" r:id="rId15"/>
-    <p:sldId id="301" r:id="rId16"/>
-    <p:sldId id="303" r:id="rId17"/>
+    <p:sldId id="302" r:id="rId3"/>
+    <p:sldId id="281" r:id="rId4"/>
+    <p:sldId id="295" r:id="rId5"/>
+    <p:sldId id="282" r:id="rId6"/>
+    <p:sldId id="300" r:id="rId7"/>
+    <p:sldId id="285" r:id="rId8"/>
+    <p:sldId id="283" r:id="rId9"/>
+    <p:sldId id="298" r:id="rId10"/>
+    <p:sldId id="260" r:id="rId11"/>
+    <p:sldId id="261" r:id="rId12"/>
+    <p:sldId id="309" r:id="rId13"/>
+    <p:sldId id="301" r:id="rId14"/>
+    <p:sldId id="306" r:id="rId15"/>
+    <p:sldId id="299" r:id="rId16"/>
+    <p:sldId id="307" r:id="rId17"/>
+    <p:sldId id="308" r:id="rId18"/>
+    <p:sldId id="303" r:id="rId19"/>
   </p:sldIdLst>
   <p:sldSz cx="12192000" cy="6858000"/>
   <p:notesSz cx="6858000" cy="9144000"/>
@@ -261,7 +263,7 @@
       <p15:sldGuideLst xmlns:p15="http://schemas.microsoft.com/office/powerpoint/2012/main"/>
     </p:ext>
     <p:ext uri="http://customooxmlschemas.google.com/">
-      <go:slidesCustomData xmlns="" xmlns:mc="http://schemas.openxmlformats.org/markup-compatibility/2006" xmlns:mv="urn:schemas-microsoft-com:mac:vml" xmlns:c="http://schemas.openxmlformats.org/drawingml/2006/chart" xmlns:dgm="http://schemas.openxmlformats.org/drawingml/2006/diagram" xmlns:o="urn:schemas-microsoft-com:office:office" xmlns:v="urn:schemas-microsoft-com:vml" xmlns:pvml="urn:schemas-microsoft-com:office:powerpoint" xmlns:com="http://schemas.openxmlformats.org/drawingml/2006/compatibility" xmlns:p14="http://schemas.microsoft.com/office/powerpoint/2010/main" xmlns:p15="http://schemas.microsoft.com/office/powerpoint/2012/main" xmlns:go="http://customooxmlschemas.google.com/" r:id="rId30" roundtripDataSignature="AMtx7mjFyVUGRZWio+dc9dxzYsimUxNJbg=="/>
+      <go:slidesCustomData xmlns:go="http://customooxmlschemas.google.com/" xmlns:p15="http://schemas.microsoft.com/office/powerpoint/2012/main" xmlns:p14="http://schemas.microsoft.com/office/powerpoint/2010/main" xmlns:com="http://schemas.openxmlformats.org/drawingml/2006/compatibility" xmlns:pvml="urn:schemas-microsoft-com:office:powerpoint" xmlns:v="urn:schemas-microsoft-com:vml" xmlns:o="urn:schemas-microsoft-com:office:office" xmlns:dgm="http://schemas.openxmlformats.org/drawingml/2006/diagram" xmlns:c="http://schemas.openxmlformats.org/drawingml/2006/chart" xmlns:mv="urn:schemas-microsoft-com:mac:vml" xmlns:mc="http://schemas.openxmlformats.org/markup-compatibility/2006" xmlns="" r:id="rId30" roundtripDataSignature="AMtx7mjFyVUGRZWio+dc9dxzYsimUxNJbg=="/>
     </p:ext>
   </p:extLst>
 </p:presentation>
@@ -12095,143 +12097,6 @@
           <a:chExt cx="0" cy="0"/>
         </a:xfrm>
       </p:grpSpPr>
-      <p:pic>
-        <p:nvPicPr>
-          <p:cNvPr id="9" name="Picture 8">
-            <a:extLst>
-              <a:ext uri="{FF2B5EF4-FFF2-40B4-BE49-F238E27FC236}">
-                <a16:creationId xmlns:a16="http://schemas.microsoft.com/office/drawing/2014/main" id="{3DF3CE1F-439A-864A-85F9-7ECA76CADBF5}"/>
-              </a:ext>
-            </a:extLst>
-          </p:cNvPr>
-          <p:cNvPicPr>
-            <a:picLocks noChangeAspect="1"/>
-          </p:cNvPicPr>
-          <p:nvPr/>
-        </p:nvPicPr>
-        <p:blipFill>
-          <a:blip r:embed="rId2"/>
-          <a:stretch>
-            <a:fillRect/>
-          </a:stretch>
-        </p:blipFill>
-        <p:spPr>
-          <a:xfrm>
-            <a:off x="2253318" y="80445"/>
-            <a:ext cx="7685364" cy="6697109"/>
-          </a:xfrm>
-          <a:prstGeom prst="rect">
-            <a:avLst/>
-          </a:prstGeom>
-        </p:spPr>
-      </p:pic>
-    </p:spTree>
-    <p:extLst>
-      <p:ext uri="{BB962C8B-B14F-4D97-AF65-F5344CB8AC3E}">
-        <p14:creationId xmlns:p14="http://schemas.microsoft.com/office/powerpoint/2010/main" val="1278687259"/>
-      </p:ext>
-    </p:extLst>
-  </p:cSld>
-  <p:clrMapOvr>
-    <a:masterClrMapping/>
-  </p:clrMapOvr>
-</p:sld>
-</file>
-
-<file path=ppt/slides/slide11.xml><?xml version="1.0" encoding="utf-8"?>
-<p:sld xmlns:a="http://schemas.openxmlformats.org/drawingml/2006/main" xmlns:r="http://schemas.openxmlformats.org/officeDocument/2006/relationships" xmlns:p="http://schemas.openxmlformats.org/presentationml/2006/main">
-  <p:cSld>
-    <p:spTree>
-      <p:nvGrpSpPr>
-        <p:cNvPr id="1" name=""/>
-        <p:cNvGrpSpPr/>
-        <p:nvPr/>
-      </p:nvGrpSpPr>
-      <p:grpSpPr>
-        <a:xfrm>
-          <a:off x="0" y="0"/>
-          <a:ext cx="0" cy="0"/>
-          <a:chOff x="0" y="0"/>
-          <a:chExt cx="0" cy="0"/>
-        </a:xfrm>
-      </p:grpSpPr>
-      <p:pic>
-        <p:nvPicPr>
-          <p:cNvPr id="1025" name="Picture 1" descr="page7image820992">
-            <a:extLst>
-              <a:ext uri="{FF2B5EF4-FFF2-40B4-BE49-F238E27FC236}">
-                <a16:creationId xmlns:a16="http://schemas.microsoft.com/office/drawing/2014/main" id="{C81F5E0F-0DF3-8A42-BCBD-633CA220A6F5}"/>
-              </a:ext>
-            </a:extLst>
-          </p:cNvPr>
-          <p:cNvPicPr>
-            <a:picLocks noChangeAspect="1" noChangeArrowheads="1"/>
-          </p:cNvPicPr>
-          <p:nvPr/>
-        </p:nvPicPr>
-        <p:blipFill>
-          <a:blip r:embed="rId2">
-            <a:extLst>
-              <a:ext uri="{28A0092B-C50C-407E-A947-70E740481C1C}">
-                <a14:useLocalDpi xmlns:a14="http://schemas.microsoft.com/office/drawing/2010/main" val="0"/>
-              </a:ext>
-            </a:extLst>
-          </a:blip>
-          <a:srcRect/>
-          <a:stretch>
-            <a:fillRect/>
-          </a:stretch>
-        </p:blipFill>
-        <p:spPr bwMode="auto">
-          <a:xfrm>
-            <a:off x="0" y="0"/>
-            <a:ext cx="12192000" cy="6858000"/>
-          </a:xfrm>
-          <a:prstGeom prst="rect">
-            <a:avLst/>
-          </a:prstGeom>
-          <a:noFill/>
-          <a:extLst>
-            <a:ext uri="{909E8E84-426E-40DD-AFC4-6F175D3DCCD1}">
-              <a14:hiddenFill xmlns:a14="http://schemas.microsoft.com/office/drawing/2010/main">
-                <a:solidFill>
-                  <a:srgbClr val="FFFFFF"/>
-                </a:solidFill>
-              </a14:hiddenFill>
-            </a:ext>
-          </a:extLst>
-        </p:spPr>
-      </p:pic>
-    </p:spTree>
-    <p:extLst>
-      <p:ext uri="{BB962C8B-B14F-4D97-AF65-F5344CB8AC3E}">
-        <p14:creationId xmlns:p14="http://schemas.microsoft.com/office/powerpoint/2010/main" val="2029549567"/>
-      </p:ext>
-    </p:extLst>
-  </p:cSld>
-  <p:clrMapOvr>
-    <a:masterClrMapping/>
-  </p:clrMapOvr>
-</p:sld>
-</file>
-
-<file path=ppt/slides/slide12.xml><?xml version="1.0" encoding="utf-8"?>
-<p:sld xmlns:a="http://schemas.openxmlformats.org/drawingml/2006/main" xmlns:r="http://schemas.openxmlformats.org/officeDocument/2006/relationships" xmlns:p="http://schemas.openxmlformats.org/presentationml/2006/main">
-  <p:cSld>
-    <p:spTree>
-      <p:nvGrpSpPr>
-        <p:cNvPr id="1" name=""/>
-        <p:cNvGrpSpPr/>
-        <p:nvPr/>
-      </p:nvGrpSpPr>
-      <p:grpSpPr>
-        <a:xfrm>
-          <a:off x="0" y="0"/>
-          <a:ext cx="0" cy="0"/>
-          <a:chOff x="0" y="0"/>
-          <a:chExt cx="0" cy="0"/>
-        </a:xfrm>
-      </p:grpSpPr>
       <p:sp>
         <p:nvSpPr>
           <p:cNvPr id="7170" name="Rectangle 2"/>
@@ -12330,7 +12195,7 @@
 </p:sld>
 </file>
 
-<file path=ppt/slides/slide13.xml><?xml version="1.0" encoding="utf-8"?>
+<file path=ppt/slides/slide11.xml><?xml version="1.0" encoding="utf-8"?>
 <p:sld xmlns:a="http://schemas.openxmlformats.org/drawingml/2006/main" xmlns:r="http://schemas.openxmlformats.org/officeDocument/2006/relationships" xmlns:p="http://schemas.openxmlformats.org/presentationml/2006/main">
   <p:cSld>
     <p:spTree>
@@ -12425,7 +12290,7 @@
 </p:sld>
 </file>
 
-<file path=ppt/slides/slide14.xml><?xml version="1.0" encoding="utf-8"?>
+<file path=ppt/slides/slide12.xml><?xml version="1.0" encoding="utf-8"?>
 <p:sld xmlns:a="http://schemas.openxmlformats.org/drawingml/2006/main" xmlns:r="http://schemas.openxmlformats.org/officeDocument/2006/relationships" xmlns:p="http://schemas.openxmlformats.org/presentationml/2006/main">
   <p:cSld>
     <p:spTree>
@@ -12493,7 +12358,15 @@
           <a:p>
             <a:r>
               <a:rPr lang="en-US" b="1" dirty="0"/>
-              <a:t>Make sure and check that you can access your project data today</a:t>
+              <a:t>Let us know if you can’t access your project data or </a:t>
+            </a:r>
+            <a:r>
+              <a:rPr lang="en-US" b="1" dirty="0" err="1"/>
+              <a:t>github</a:t>
+            </a:r>
+            <a:r>
+              <a:rPr lang="en-US" b="1" dirty="0"/>
+              <a:t> repo</a:t>
             </a:r>
             <a:br>
               <a:rPr lang="en-US" b="1" dirty="0"/>
@@ -12503,29 +12376,15 @@
           <a:p>
             <a:r>
               <a:rPr lang="en-US" dirty="0"/>
-              <a:t>Wednesday session tomorrow: time for group work and check-ins</a:t>
+              <a:t>Wednesday session tomorrow: </a:t>
             </a:r>
-          </a:p>
-          <a:p>
-            <a:pPr lvl="1">
-              <a:spcBef>
-                <a:spcPts val="500"/>
-              </a:spcBef>
-            </a:pPr>
+            <a:r>
+              <a:rPr lang="en-US" dirty="0" err="1"/>
+              <a:t>Github</a:t>
+            </a:r>
             <a:r>
               <a:rPr lang="en-US" dirty="0"/>
-              <a:t>Wednesday sessions are required class sessions</a:t>
-            </a:r>
-          </a:p>
-          <a:p>
-            <a:pPr lvl="1">
-              <a:spcBef>
-                <a:spcPts val="500"/>
-              </a:spcBef>
-            </a:pPr>
-            <a:r>
-              <a:rPr lang="en-US" dirty="0"/>
-              <a:t>Be sure to attend your assigned session from this point forward</a:t>
+              <a:t> + SQL</a:t>
             </a:r>
             <a:br>
               <a:rPr lang="en-US" dirty="0"/>
@@ -12533,13 +12392,7 @@
             <a:endParaRPr lang="en-US" dirty="0"/>
           </a:p>
           <a:p>
-            <a:r>
-              <a:rPr lang="en-US" dirty="0"/>
-              <a:t>Due this week:</a:t>
-            </a:r>
-          </a:p>
-          <a:p>
-            <a:pPr lvl="1">
+            <a:pPr>
               <a:lnSpc>
                 <a:spcPct val="100000"/>
               </a:lnSpc>
@@ -12549,35 +12402,7 @@
             </a:pPr>
             <a:r>
               <a:rPr lang="en-US" dirty="0"/>
-              <a:t>Watch Analytic Formulation and Baselines Lecture Video (for Thursday)</a:t>
-            </a:r>
-          </a:p>
-          <a:p>
-            <a:pPr lvl="1">
-              <a:lnSpc>
-                <a:spcPct val="100000"/>
-              </a:lnSpc>
-              <a:spcBef>
-                <a:spcPts val="500"/>
-              </a:spcBef>
-            </a:pPr>
-            <a:r>
-              <a:rPr lang="en-US" dirty="0"/>
-              <a:t>Reading for Thursday</a:t>
-            </a:r>
-          </a:p>
-          <a:p>
-            <a:pPr lvl="1">
-              <a:lnSpc>
-                <a:spcPct val="100000"/>
-              </a:lnSpc>
-              <a:spcBef>
-                <a:spcPts val="500"/>
-              </a:spcBef>
-            </a:pPr>
-            <a:r>
-              <a:rPr lang="en-US" dirty="0"/>
-              <a:t>ACS Data loading assignment on canvas (due Friday)</a:t>
+              <a:t>Readings for Thursday</a:t>
             </a:r>
             <a:br>
               <a:rPr lang="en-US" dirty="0"/>
@@ -12590,15 +12415,27 @@
               <a:t>Make sure to read </a:t>
             </a:r>
             <a:r>
+              <a:rPr lang="en-US" b="1" dirty="0">
+                <a:solidFill>
+                  <a:srgbClr val="C00000"/>
+                </a:solidFill>
+              </a:rPr>
+              <a:t>project proposal</a:t>
+            </a:r>
+            <a:r>
               <a:rPr lang="en-US" b="1" dirty="0"/>
-              <a:t>project proposal </a:t>
+              <a:t> </a:t>
             </a:r>
             <a:r>
               <a:rPr lang="en-US" dirty="0"/>
               <a:t>assignment on canvas (due </a:t>
             </a:r>
             <a:r>
-              <a:rPr lang="en-US" b="1" dirty="0"/>
+              <a:rPr lang="en-US" b="1" dirty="0">
+                <a:solidFill>
+                  <a:srgbClr val="C00000"/>
+                </a:solidFill>
+              </a:rPr>
               <a:t>next Friday</a:t>
             </a:r>
             <a:r>
@@ -12611,7 +12448,7 @@
     </p:spTree>
     <p:extLst>
       <p:ext uri="{BB962C8B-B14F-4D97-AF65-F5344CB8AC3E}">
-        <p14:creationId xmlns:p14="http://schemas.microsoft.com/office/powerpoint/2010/main" val="4131774898"/>
+        <p14:creationId xmlns:p14="http://schemas.microsoft.com/office/powerpoint/2010/main" val="1112557824"/>
       </p:ext>
     </p:extLst>
   </p:cSld>
@@ -12621,7 +12458,7 @@
 </p:sld>
 </file>
 
-<file path=ppt/slides/slide15.xml><?xml version="1.0" encoding="utf-8"?>
+<file path=ppt/slides/slide13.xml><?xml version="1.0" encoding="utf-8"?>
 <p:sld xmlns:a="http://schemas.openxmlformats.org/drawingml/2006/main" xmlns:r="http://schemas.openxmlformats.org/officeDocument/2006/relationships" xmlns:p="http://schemas.openxmlformats.org/presentationml/2006/main">
   <p:cSld>
     <p:spTree>
@@ -12669,7 +12506,7 @@
             </a:pPr>
             <a:r>
               <a:rPr lang="en-US" sz="4800" dirty="0"/>
-              <a:t>Project Team Meeting / Coordination</a:t>
+              <a:t>Working With Your Team</a:t>
             </a:r>
           </a:p>
         </p:txBody>
@@ -12687,7 +12524,482 @@
 </p:sld>
 </file>
 
+<file path=ppt/slides/slide14.xml><?xml version="1.0" encoding="utf-8"?>
+<p:sld xmlns:a="http://schemas.openxmlformats.org/drawingml/2006/main" xmlns:r="http://schemas.openxmlformats.org/officeDocument/2006/relationships" xmlns:p="http://schemas.openxmlformats.org/presentationml/2006/main">
+  <p:cSld>
+    <p:spTree>
+      <p:nvGrpSpPr>
+        <p:cNvPr id="1" name=""/>
+        <p:cNvGrpSpPr/>
+        <p:nvPr/>
+      </p:nvGrpSpPr>
+      <p:grpSpPr>
+        <a:xfrm>
+          <a:off x="0" y="0"/>
+          <a:ext cx="0" cy="0"/>
+          <a:chOff x="0" y="0"/>
+          <a:chExt cx="0" cy="0"/>
+        </a:xfrm>
+      </p:grpSpPr>
+      <p:sp>
+        <p:nvSpPr>
+          <p:cNvPr id="8194" name="Rectangle 2"/>
+          <p:cNvSpPr>
+            <a:spLocks noGrp="1" noChangeArrowheads="1"/>
+          </p:cNvSpPr>
+          <p:nvPr>
+            <p:ph type="title"/>
+          </p:nvPr>
+        </p:nvSpPr>
+        <p:spPr/>
+        <p:txBody>
+          <a:bodyPr/>
+          <a:lstStyle/>
+          <a:p>
+            <a:r>
+              <a:rPr lang="en-US" altLang="en-US" dirty="0"/>
+              <a:t> Working with Your Project Team</a:t>
+            </a:r>
+          </a:p>
+        </p:txBody>
+      </p:sp>
+      <p:sp>
+        <p:nvSpPr>
+          <p:cNvPr id="8195" name="Rectangle 3"/>
+          <p:cNvSpPr>
+            <a:spLocks noGrp="1" noChangeArrowheads="1"/>
+          </p:cNvSpPr>
+          <p:nvPr>
+            <p:ph type="body" idx="1"/>
+          </p:nvPr>
+        </p:nvSpPr>
+        <p:spPr/>
+        <p:txBody>
+          <a:bodyPr/>
+          <a:lstStyle/>
+          <a:p>
+            <a:pPr>
+              <a:lnSpc>
+                <a:spcPct val="150000"/>
+              </a:lnSpc>
+            </a:pPr>
+            <a:r>
+              <a:rPr lang="en-US" altLang="en-US" dirty="0"/>
+              <a:t>Teams designed to balance skills, backgrounds, and experiences</a:t>
+            </a:r>
+            <a:br>
+              <a:rPr lang="en-US" altLang="en-US" dirty="0"/>
+            </a:br>
+            <a:endParaRPr lang="en-US" altLang="en-US" dirty="0"/>
+          </a:p>
+          <a:p>
+            <a:pPr>
+              <a:lnSpc>
+                <a:spcPct val="150000"/>
+              </a:lnSpc>
+            </a:pPr>
+            <a:r>
+              <a:rPr lang="en-US" altLang="en-US" dirty="0"/>
+              <a:t>Spend some time up front figuring out how to work as a team and work styles</a:t>
+            </a:r>
+            <a:br>
+              <a:rPr lang="en-US" altLang="en-US" dirty="0"/>
+            </a:br>
+            <a:endParaRPr lang="en-US" altLang="en-US" dirty="0"/>
+          </a:p>
+          <a:p>
+            <a:pPr>
+              <a:lnSpc>
+                <a:spcPct val="150000"/>
+              </a:lnSpc>
+            </a:pPr>
+            <a:r>
+              <a:rPr lang="en-US" altLang="en-US" dirty="0"/>
+              <a:t>Everyone should participate in </a:t>
+            </a:r>
+            <a:r>
+              <a:rPr lang="en-US" altLang="en-US" b="1" dirty="0">
+                <a:solidFill>
+                  <a:srgbClr val="FF0000"/>
+                </a:solidFill>
+              </a:rPr>
+              <a:t>all</a:t>
+            </a:r>
+            <a:r>
+              <a:rPr lang="en-US" altLang="en-US" dirty="0"/>
+              <a:t> aspects of project</a:t>
+            </a:r>
+          </a:p>
+          <a:p>
+            <a:pPr lvl="1">
+              <a:lnSpc>
+                <a:spcPct val="100000"/>
+              </a:lnSpc>
+            </a:pPr>
+            <a:r>
+              <a:rPr lang="en-US" altLang="en-US" dirty="0"/>
+              <a:t>No individual should do the majority of the python coding, SQL writing, report writing</a:t>
+            </a:r>
+            <a:br>
+              <a:rPr lang="en-US" altLang="en-US" dirty="0"/>
+            </a:br>
+            <a:endParaRPr lang="en-US" altLang="en-US" dirty="0"/>
+          </a:p>
+          <a:p>
+            <a:pPr>
+              <a:lnSpc>
+                <a:spcPct val="150000"/>
+              </a:lnSpc>
+            </a:pPr>
+            <a:r>
+              <a:rPr lang="en-US" altLang="en-US" dirty="0"/>
+              <a:t>However, you should divide up different pieces of the work</a:t>
+            </a:r>
+          </a:p>
+          <a:p>
+            <a:pPr lvl="1">
+              <a:lnSpc>
+                <a:spcPct val="100000"/>
+              </a:lnSpc>
+            </a:pPr>
+            <a:r>
+              <a:rPr lang="en-US" altLang="en-US" dirty="0"/>
+              <a:t>For instance, working on different parts of the pipeline code in parallel or splitting up sections of the report</a:t>
+            </a:r>
+          </a:p>
+        </p:txBody>
+      </p:sp>
+    </p:spTree>
+    <p:extLst>
+      <p:ext uri="{BB962C8B-B14F-4D97-AF65-F5344CB8AC3E}">
+        <p14:creationId xmlns:p14="http://schemas.microsoft.com/office/powerpoint/2010/main" val="3883283808"/>
+      </p:ext>
+    </p:extLst>
+  </p:cSld>
+  <p:clrMapOvr>
+    <a:masterClrMapping/>
+  </p:clrMapOvr>
+</p:sld>
+</file>
+
+<file path=ppt/slides/slide15.xml><?xml version="1.0" encoding="utf-8"?>
+<p:sld xmlns:a="http://schemas.openxmlformats.org/drawingml/2006/main" xmlns:r="http://schemas.openxmlformats.org/officeDocument/2006/relationships" xmlns:p="http://schemas.openxmlformats.org/presentationml/2006/main">
+  <p:cSld>
+    <p:spTree>
+      <p:nvGrpSpPr>
+        <p:cNvPr id="1" name=""/>
+        <p:cNvGrpSpPr/>
+        <p:nvPr/>
+      </p:nvGrpSpPr>
+      <p:grpSpPr>
+        <a:xfrm>
+          <a:off x="0" y="0"/>
+          <a:ext cx="0" cy="0"/>
+          <a:chOff x="0" y="0"/>
+          <a:chExt cx="0" cy="0"/>
+        </a:xfrm>
+      </p:grpSpPr>
+      <p:sp>
+        <p:nvSpPr>
+          <p:cNvPr id="8194" name="Rectangle 2"/>
+          <p:cNvSpPr>
+            <a:spLocks noGrp="1" noChangeArrowheads="1"/>
+          </p:cNvSpPr>
+          <p:nvPr>
+            <p:ph type="title"/>
+          </p:nvPr>
+        </p:nvSpPr>
+        <p:spPr/>
+        <p:txBody>
+          <a:bodyPr/>
+          <a:lstStyle/>
+          <a:p>
+            <a:r>
+              <a:rPr lang="en-US" altLang="en-US" dirty="0"/>
+              <a:t> Working with Your Project Team</a:t>
+            </a:r>
+          </a:p>
+        </p:txBody>
+      </p:sp>
+      <p:sp>
+        <p:nvSpPr>
+          <p:cNvPr id="8195" name="Rectangle 3"/>
+          <p:cNvSpPr>
+            <a:spLocks noGrp="1" noChangeArrowheads="1"/>
+          </p:cNvSpPr>
+          <p:nvPr>
+            <p:ph type="body" idx="1"/>
+          </p:nvPr>
+        </p:nvSpPr>
+        <p:spPr>
+          <a:xfrm>
+            <a:off x="207750" y="1548990"/>
+            <a:ext cx="11776400" cy="4555200"/>
+          </a:xfrm>
+        </p:spPr>
+        <p:txBody>
+          <a:bodyPr/>
+          <a:lstStyle/>
+          <a:p>
+            <a:pPr>
+              <a:lnSpc>
+                <a:spcPct val="150000"/>
+              </a:lnSpc>
+            </a:pPr>
+            <a:r>
+              <a:rPr lang="en-US" altLang="en-US" dirty="0"/>
+              <a:t>We’re providing class time to make it easier to coordinate with your group and get feedback from peers and instructors, but you won’t be able to complete the project just in this allotted time</a:t>
+            </a:r>
+            <a:br>
+              <a:rPr lang="en-US" altLang="en-US" dirty="0"/>
+            </a:br>
+            <a:endParaRPr lang="en-US" altLang="en-US" dirty="0"/>
+          </a:p>
+          <a:p>
+            <a:pPr>
+              <a:lnSpc>
+                <a:spcPct val="150000"/>
+              </a:lnSpc>
+            </a:pPr>
+            <a:r>
+              <a:rPr lang="en-US" altLang="en-US" dirty="0"/>
+              <a:t>Tools for coordination:</a:t>
+            </a:r>
+          </a:p>
+          <a:p>
+            <a:pPr lvl="1">
+              <a:lnSpc>
+                <a:spcPct val="150000"/>
+              </a:lnSpc>
+            </a:pPr>
+            <a:r>
+              <a:rPr lang="en-US" altLang="en-US" dirty="0"/>
+              <a:t>Slack: we’ve created group-level and project-level channels. Additionally, feel free to use group DMs and video calls with your group to coordinate as well.</a:t>
+            </a:r>
+          </a:p>
+          <a:p>
+            <a:pPr lvl="1">
+              <a:lnSpc>
+                <a:spcPct val="150000"/>
+              </a:lnSpc>
+            </a:pPr>
+            <a:r>
+              <a:rPr lang="en-US" altLang="en-US" dirty="0"/>
+              <a:t>Many good free options for task tracking/management: </a:t>
+            </a:r>
+            <a:r>
+              <a:rPr lang="en-US" altLang="en-US" dirty="0" err="1"/>
+              <a:t>github</a:t>
+            </a:r>
+            <a:r>
+              <a:rPr lang="en-US" altLang="en-US" dirty="0"/>
+              <a:t> issues or project boards, </a:t>
+            </a:r>
+            <a:r>
+              <a:rPr lang="en-US" altLang="en-US" dirty="0" err="1"/>
+              <a:t>trello</a:t>
+            </a:r>
+            <a:r>
+              <a:rPr lang="en-US" altLang="en-US" dirty="0"/>
+              <a:t>, etc.</a:t>
+            </a:r>
+          </a:p>
+        </p:txBody>
+      </p:sp>
+    </p:spTree>
+    <p:extLst>
+      <p:ext uri="{BB962C8B-B14F-4D97-AF65-F5344CB8AC3E}">
+        <p14:creationId xmlns:p14="http://schemas.microsoft.com/office/powerpoint/2010/main" val="2143740766"/>
+      </p:ext>
+    </p:extLst>
+  </p:cSld>
+  <p:clrMapOvr>
+    <a:masterClrMapping/>
+  </p:clrMapOvr>
+</p:sld>
+</file>
+
 <file path=ppt/slides/slide16.xml><?xml version="1.0" encoding="utf-8"?>
+<p:sld xmlns:a="http://schemas.openxmlformats.org/drawingml/2006/main" xmlns:r="http://schemas.openxmlformats.org/officeDocument/2006/relationships" xmlns:p="http://schemas.openxmlformats.org/presentationml/2006/main">
+  <p:cSld>
+    <p:spTree>
+      <p:nvGrpSpPr>
+        <p:cNvPr id="1" name=""/>
+        <p:cNvGrpSpPr/>
+        <p:nvPr/>
+      </p:nvGrpSpPr>
+      <p:grpSpPr>
+        <a:xfrm>
+          <a:off x="0" y="0"/>
+          <a:ext cx="0" cy="0"/>
+          <a:chOff x="0" y="0"/>
+          <a:chExt cx="0" cy="0"/>
+        </a:xfrm>
+      </p:grpSpPr>
+      <p:sp>
+        <p:nvSpPr>
+          <p:cNvPr id="8194" name="Rectangle 2"/>
+          <p:cNvSpPr>
+            <a:spLocks noGrp="1" noChangeArrowheads="1"/>
+          </p:cNvSpPr>
+          <p:nvPr>
+            <p:ph type="title"/>
+          </p:nvPr>
+        </p:nvSpPr>
+        <p:spPr/>
+        <p:txBody>
+          <a:bodyPr/>
+          <a:lstStyle/>
+          <a:p>
+            <a:r>
+              <a:rPr lang="en-US" altLang="en-US" dirty="0"/>
+              <a:t> Working with Your Project Team</a:t>
+            </a:r>
+          </a:p>
+        </p:txBody>
+      </p:sp>
+      <p:sp>
+        <p:nvSpPr>
+          <p:cNvPr id="8195" name="Rectangle 3"/>
+          <p:cNvSpPr>
+            <a:spLocks noGrp="1" noChangeArrowheads="1"/>
+          </p:cNvSpPr>
+          <p:nvPr>
+            <p:ph type="body" idx="1"/>
+          </p:nvPr>
+        </p:nvSpPr>
+        <p:spPr>
+          <a:xfrm>
+            <a:off x="207750" y="1548990"/>
+            <a:ext cx="11776400" cy="4555200"/>
+          </a:xfrm>
+        </p:spPr>
+        <p:txBody>
+          <a:bodyPr/>
+          <a:lstStyle/>
+          <a:p>
+            <a:pPr>
+              <a:lnSpc>
+                <a:spcPct val="150000"/>
+              </a:lnSpc>
+            </a:pPr>
+            <a:r>
+              <a:rPr lang="en-US" altLang="en-US" dirty="0"/>
+              <a:t>Active participation in the group work throughout the entire semester is required by all the team members, and a very large component of your grade</a:t>
+            </a:r>
+            <a:br>
+              <a:rPr lang="en-US" altLang="en-US" dirty="0"/>
+            </a:br>
+            <a:endParaRPr lang="en-US" altLang="en-US" dirty="0"/>
+          </a:p>
+          <a:p>
+            <a:pPr>
+              <a:lnSpc>
+                <a:spcPct val="150000"/>
+              </a:lnSpc>
+            </a:pPr>
+            <a:r>
+              <a:rPr lang="en-US" altLang="en-US" dirty="0"/>
+              <a:t>Collaboration is encouraged, both within and across teams! Learning from each others’ strengths is a big benefit of group work, and you should feel free to discuss strategies and approaches with other teams (i.e., it’s not a competition)</a:t>
+            </a:r>
+            <a:br>
+              <a:rPr lang="en-US" altLang="en-US" dirty="0"/>
+            </a:br>
+            <a:endParaRPr lang="en-US" altLang="en-US" dirty="0"/>
+          </a:p>
+          <a:p>
+            <a:pPr>
+              <a:lnSpc>
+                <a:spcPct val="150000"/>
+              </a:lnSpc>
+            </a:pPr>
+            <a:r>
+              <a:rPr lang="en-US" altLang="en-US" dirty="0"/>
+              <a:t>Pacing your work is important. You won’t be able to do everything the week before the final report, and if everyone tries to, you’ll break the server.</a:t>
+            </a:r>
+          </a:p>
+        </p:txBody>
+      </p:sp>
+    </p:spTree>
+    <p:extLst>
+      <p:ext uri="{BB962C8B-B14F-4D97-AF65-F5344CB8AC3E}">
+        <p14:creationId xmlns:p14="http://schemas.microsoft.com/office/powerpoint/2010/main" val="2457927461"/>
+      </p:ext>
+    </p:extLst>
+  </p:cSld>
+  <p:clrMapOvr>
+    <a:masterClrMapping/>
+  </p:clrMapOvr>
+</p:sld>
+</file>
+
+<file path=ppt/slides/slide17.xml><?xml version="1.0" encoding="utf-8"?>
+<p:sld xmlns:a="http://schemas.openxmlformats.org/drawingml/2006/main" xmlns:r="http://schemas.openxmlformats.org/officeDocument/2006/relationships" xmlns:p="http://schemas.openxmlformats.org/presentationml/2006/main">
+  <p:cSld>
+    <p:spTree>
+      <p:nvGrpSpPr>
+        <p:cNvPr id="1" name=""/>
+        <p:cNvGrpSpPr/>
+        <p:nvPr/>
+      </p:nvGrpSpPr>
+      <p:grpSpPr>
+        <a:xfrm>
+          <a:off x="0" y="0"/>
+          <a:ext cx="0" cy="0"/>
+          <a:chOff x="0" y="0"/>
+          <a:chExt cx="0" cy="0"/>
+        </a:xfrm>
+      </p:grpSpPr>
+      <p:sp>
+        <p:nvSpPr>
+          <p:cNvPr id="4" name="Text Placeholder 3">
+            <a:extLst>
+              <a:ext uri="{FF2B5EF4-FFF2-40B4-BE49-F238E27FC236}">
+                <a16:creationId xmlns:a16="http://schemas.microsoft.com/office/drawing/2014/main" id="{5E600BA7-FA45-884F-9820-9E5F2CB7AA48}"/>
+              </a:ext>
+            </a:extLst>
+          </p:cNvPr>
+          <p:cNvSpPr>
+            <a:spLocks noGrp="1"/>
+          </p:cNvSpPr>
+          <p:nvPr>
+            <p:ph type="body" idx="1"/>
+          </p:nvPr>
+        </p:nvSpPr>
+        <p:spPr>
+          <a:xfrm>
+            <a:off x="415650" y="2724664"/>
+            <a:ext cx="11360700" cy="1408672"/>
+          </a:xfrm>
+        </p:spPr>
+        <p:txBody>
+          <a:bodyPr/>
+          <a:lstStyle/>
+          <a:p>
+            <a:pPr marL="76200" indent="0" algn="ctr">
+              <a:buNone/>
+            </a:pPr>
+            <a:r>
+              <a:rPr lang="en-US" sz="4800" dirty="0"/>
+              <a:t>Project Team Meeting / Coordination</a:t>
+            </a:r>
+          </a:p>
+        </p:txBody>
+      </p:sp>
+    </p:spTree>
+    <p:extLst>
+      <p:ext uri="{BB962C8B-B14F-4D97-AF65-F5344CB8AC3E}">
+        <p14:creationId xmlns:p14="http://schemas.microsoft.com/office/powerpoint/2010/main" val="134665013"/>
+      </p:ext>
+    </p:extLst>
+  </p:cSld>
+  <p:clrMapOvr>
+    <a:masterClrMapping/>
+  </p:clrMapOvr>
+</p:sld>
+</file>
+
+<file path=ppt/slides/slide18.xml><?xml version="1.0" encoding="utf-8"?>
 <p:sld xmlns:a="http://schemas.openxmlformats.org/drawingml/2006/main" xmlns:r="http://schemas.openxmlformats.org/officeDocument/2006/relationships" xmlns:p="http://schemas.openxmlformats.org/presentationml/2006/main">
   <p:cSld>
     <p:spTree>
@@ -12830,402 +13142,6 @@
       </p:grpSpPr>
       <p:sp>
         <p:nvSpPr>
-          <p:cNvPr id="4" name="Text Placeholder 3">
-            <a:extLst>
-              <a:ext uri="{FF2B5EF4-FFF2-40B4-BE49-F238E27FC236}">
-                <a16:creationId xmlns:a16="http://schemas.microsoft.com/office/drawing/2014/main" id="{5E600BA7-FA45-884F-9820-9E5F2CB7AA48}"/>
-              </a:ext>
-            </a:extLst>
-          </p:cNvPr>
-          <p:cNvSpPr>
-            <a:spLocks noGrp="1"/>
-          </p:cNvSpPr>
-          <p:nvPr>
-            <p:ph type="body" idx="4294967295"/>
-          </p:nvPr>
-        </p:nvSpPr>
-        <p:spPr>
-          <a:xfrm>
-            <a:off x="0" y="2724150"/>
-            <a:ext cx="11360150" cy="1409700"/>
-          </a:xfrm>
-        </p:spPr>
-        <p:txBody>
-          <a:bodyPr/>
-          <a:lstStyle/>
-          <a:p>
-            <a:pPr marL="76200" indent="0" algn="ctr">
-              <a:buNone/>
-            </a:pPr>
-            <a:r>
-              <a:rPr lang="en-US" sz="4800" dirty="0"/>
-              <a:t>Short Quiz</a:t>
-            </a:r>
-          </a:p>
-        </p:txBody>
-      </p:sp>
-    </p:spTree>
-    <p:extLst>
-      <p:ext uri="{BB962C8B-B14F-4D97-AF65-F5344CB8AC3E}">
-        <p14:creationId xmlns:p14="http://schemas.microsoft.com/office/powerpoint/2010/main" val="2674803334"/>
-      </p:ext>
-    </p:extLst>
-  </p:cSld>
-  <p:clrMapOvr>
-    <a:masterClrMapping/>
-  </p:clrMapOvr>
-</p:sld>
-</file>
-
-<file path=ppt/slides/slide3.xml><?xml version="1.0" encoding="utf-8"?>
-<p:sld xmlns:a="http://schemas.openxmlformats.org/drawingml/2006/main" xmlns:r="http://schemas.openxmlformats.org/officeDocument/2006/relationships" xmlns:p="http://schemas.openxmlformats.org/presentationml/2006/main">
-  <p:cSld>
-    <p:spTree>
-      <p:nvGrpSpPr>
-        <p:cNvPr id="1" name=""/>
-        <p:cNvGrpSpPr/>
-        <p:nvPr/>
-      </p:nvGrpSpPr>
-      <p:grpSpPr>
-        <a:xfrm>
-          <a:off x="0" y="0"/>
-          <a:ext cx="0" cy="0"/>
-          <a:chOff x="0" y="0"/>
-          <a:chExt cx="0" cy="0"/>
-        </a:xfrm>
-      </p:grpSpPr>
-      <p:sp>
-        <p:nvSpPr>
-          <p:cNvPr id="3" name="Title 2">
-            <a:extLst>
-              <a:ext uri="{FF2B5EF4-FFF2-40B4-BE49-F238E27FC236}">
-                <a16:creationId xmlns:a16="http://schemas.microsoft.com/office/drawing/2014/main" id="{56B065DB-3323-AE4D-95D0-4AABDE0FADAA}"/>
-              </a:ext>
-            </a:extLst>
-          </p:cNvPr>
-          <p:cNvSpPr>
-            <a:spLocks noGrp="1"/>
-          </p:cNvSpPr>
-          <p:nvPr>
-            <p:ph type="title"/>
-          </p:nvPr>
-        </p:nvSpPr>
-        <p:spPr/>
-        <p:txBody>
-          <a:bodyPr/>
-          <a:lstStyle/>
-          <a:p>
-            <a:r>
-              <a:rPr lang="en-US" dirty="0"/>
-              <a:t>Where to look for what</a:t>
-            </a:r>
-          </a:p>
-        </p:txBody>
-      </p:sp>
-      <p:pic>
-        <p:nvPicPr>
-          <p:cNvPr id="1026" name="Picture 2" descr="Moving all your Bitbucket Repositories to GitHub | by Leo Soto | Continuum">
-            <a:extLst>
-              <a:ext uri="{FF2B5EF4-FFF2-40B4-BE49-F238E27FC236}">
-                <a16:creationId xmlns:a16="http://schemas.microsoft.com/office/drawing/2014/main" id="{35044B08-BAFC-4144-B243-DC0EFADCFBB0}"/>
-              </a:ext>
-            </a:extLst>
-          </p:cNvPr>
-          <p:cNvPicPr>
-            <a:picLocks noChangeAspect="1" noChangeArrowheads="1"/>
-          </p:cNvPicPr>
-          <p:nvPr/>
-        </p:nvPicPr>
-        <p:blipFill>
-          <a:blip r:embed="rId2">
-            <a:extLst>
-              <a:ext uri="{28A0092B-C50C-407E-A947-70E740481C1C}">
-                <a14:useLocalDpi xmlns:a14="http://schemas.microsoft.com/office/drawing/2010/main" val="0"/>
-              </a:ext>
-            </a:extLst>
-          </a:blip>
-          <a:srcRect/>
-          <a:stretch>
-            <a:fillRect/>
-          </a:stretch>
-        </p:blipFill>
-        <p:spPr bwMode="auto">
-          <a:xfrm>
-            <a:off x="47970" y="2192602"/>
-            <a:ext cx="3379305" cy="1123795"/>
-          </a:xfrm>
-          <a:prstGeom prst="rect">
-            <a:avLst/>
-          </a:prstGeom>
-          <a:noFill/>
-          <a:extLst>
-            <a:ext uri="{909E8E84-426E-40DD-AFC4-6F175D3DCCD1}">
-              <a14:hiddenFill xmlns:a14="http://schemas.microsoft.com/office/drawing/2010/main">
-                <a:solidFill>
-                  <a:srgbClr val="FFFFFF"/>
-                </a:solidFill>
-              </a14:hiddenFill>
-            </a:ext>
-          </a:extLst>
-        </p:spPr>
-      </p:pic>
-      <p:pic>
-        <p:nvPicPr>
-          <p:cNvPr id="1028" name="Picture 4" descr="Transition to Canvas Sparks Mixed Opinions Among Wary Students | The  Cornell Daily Sun">
-            <a:extLst>
-              <a:ext uri="{FF2B5EF4-FFF2-40B4-BE49-F238E27FC236}">
-                <a16:creationId xmlns:a16="http://schemas.microsoft.com/office/drawing/2014/main" id="{003A4E2F-F0C6-7048-AD71-B3A7258254F4}"/>
-              </a:ext>
-            </a:extLst>
-          </p:cNvPr>
-          <p:cNvPicPr>
-            <a:picLocks noChangeAspect="1" noChangeArrowheads="1"/>
-          </p:cNvPicPr>
-          <p:nvPr/>
-        </p:nvPicPr>
-        <p:blipFill rotWithShape="1">
-          <a:blip r:embed="rId3">
-            <a:extLst>
-              <a:ext uri="{28A0092B-C50C-407E-A947-70E740481C1C}">
-                <a14:useLocalDpi xmlns:a14="http://schemas.microsoft.com/office/drawing/2010/main" val="0"/>
-              </a:ext>
-            </a:extLst>
-          </a:blip>
-          <a:srcRect t="28792" b="29082"/>
-          <a:stretch/>
-        </p:blipFill>
-        <p:spPr bwMode="auto">
-          <a:xfrm>
-            <a:off x="4161181" y="2279373"/>
-            <a:ext cx="3718382" cy="978711"/>
-          </a:xfrm>
-          <a:prstGeom prst="rect">
-            <a:avLst/>
-          </a:prstGeom>
-          <a:noFill/>
-          <a:extLst>
-            <a:ext uri="{909E8E84-426E-40DD-AFC4-6F175D3DCCD1}">
-              <a14:hiddenFill xmlns:a14="http://schemas.microsoft.com/office/drawing/2010/main">
-                <a:solidFill>
-                  <a:srgbClr val="FFFFFF"/>
-                </a:solidFill>
-              </a14:hiddenFill>
-            </a:ext>
-          </a:extLst>
-        </p:spPr>
-      </p:pic>
-      <p:pic>
-        <p:nvPicPr>
-          <p:cNvPr id="1030" name="Picture 6" descr="Slack Review | PCMag">
-            <a:extLst>
-              <a:ext uri="{FF2B5EF4-FFF2-40B4-BE49-F238E27FC236}">
-                <a16:creationId xmlns:a16="http://schemas.microsoft.com/office/drawing/2014/main" id="{C6C61A2D-AB44-D34B-8B07-EABBCDF3715C}"/>
-              </a:ext>
-            </a:extLst>
-          </p:cNvPr>
-          <p:cNvPicPr>
-            <a:picLocks noChangeAspect="1" noChangeArrowheads="1"/>
-          </p:cNvPicPr>
-          <p:nvPr/>
-        </p:nvPicPr>
-        <p:blipFill>
-          <a:blip r:embed="rId4">
-            <a:extLst>
-              <a:ext uri="{28A0092B-C50C-407E-A947-70E740481C1C}">
-                <a14:useLocalDpi xmlns:a14="http://schemas.microsoft.com/office/drawing/2010/main" val="0"/>
-              </a:ext>
-            </a:extLst>
-          </a:blip>
-          <a:srcRect/>
-          <a:stretch>
-            <a:fillRect/>
-          </a:stretch>
-        </p:blipFill>
-        <p:spPr bwMode="auto">
-          <a:xfrm>
-            <a:off x="8480949" y="1778364"/>
-            <a:ext cx="3468894" cy="1952270"/>
-          </a:xfrm>
-          <a:prstGeom prst="rect">
-            <a:avLst/>
-          </a:prstGeom>
-          <a:noFill/>
-          <a:extLst>
-            <a:ext uri="{909E8E84-426E-40DD-AFC4-6F175D3DCCD1}">
-              <a14:hiddenFill xmlns:a14="http://schemas.microsoft.com/office/drawing/2010/main">
-                <a:solidFill>
-                  <a:srgbClr val="FFFFFF"/>
-                </a:solidFill>
-              </a14:hiddenFill>
-            </a:ext>
-          </a:extLst>
-        </p:spPr>
-      </p:pic>
-      <p:sp>
-        <p:nvSpPr>
-          <p:cNvPr id="5" name="TextBox 4">
-            <a:extLst>
-              <a:ext uri="{FF2B5EF4-FFF2-40B4-BE49-F238E27FC236}">
-                <a16:creationId xmlns:a16="http://schemas.microsoft.com/office/drawing/2014/main" id="{F3C6BE60-769B-334B-961D-90BC574C32AF}"/>
-              </a:ext>
-            </a:extLst>
-          </p:cNvPr>
-          <p:cNvSpPr txBox="1"/>
-          <p:nvPr/>
-        </p:nvSpPr>
-        <p:spPr>
-          <a:xfrm>
-            <a:off x="415600" y="3541604"/>
-            <a:ext cx="2857687" cy="2308324"/>
-          </a:xfrm>
-          <a:prstGeom prst="rect">
-            <a:avLst/>
-          </a:prstGeom>
-          <a:noFill/>
-        </p:spPr>
-        <p:txBody>
-          <a:bodyPr wrap="square" rtlCol="0">
-            <a:spAutoFit/>
-          </a:bodyPr>
-          <a:lstStyle/>
-          <a:p>
-            <a:r>
-              <a:rPr lang="en-US" sz="4400" dirty="0"/>
-              <a:t>Content</a:t>
-            </a:r>
-            <a:br>
-              <a:rPr lang="en-US" sz="4400" dirty="0"/>
-            </a:br>
-            <a:r>
-              <a:rPr lang="en-US" sz="2800" dirty="0"/>
-              <a:t>schedule, slides, etc.</a:t>
-            </a:r>
-          </a:p>
-          <a:p>
-            <a:endParaRPr lang="en-US" sz="4400" dirty="0"/>
-          </a:p>
-        </p:txBody>
-      </p:sp>
-      <p:sp>
-        <p:nvSpPr>
-          <p:cNvPr id="9" name="TextBox 8">
-            <a:extLst>
-              <a:ext uri="{FF2B5EF4-FFF2-40B4-BE49-F238E27FC236}">
-                <a16:creationId xmlns:a16="http://schemas.microsoft.com/office/drawing/2014/main" id="{7D429D5F-8CCE-1D4D-9120-A26AC1041C9C}"/>
-              </a:ext>
-            </a:extLst>
-          </p:cNvPr>
-          <p:cNvSpPr txBox="1"/>
-          <p:nvPr/>
-        </p:nvSpPr>
-        <p:spPr>
-          <a:xfrm>
-            <a:off x="4326489" y="3527445"/>
-            <a:ext cx="3468894" cy="2308324"/>
-          </a:xfrm>
-          <a:prstGeom prst="rect">
-            <a:avLst/>
-          </a:prstGeom>
-          <a:noFill/>
-        </p:spPr>
-        <p:txBody>
-          <a:bodyPr wrap="square" rtlCol="0">
-            <a:spAutoFit/>
-          </a:bodyPr>
-          <a:lstStyle/>
-          <a:p>
-            <a:r>
-              <a:rPr lang="en-US" sz="4400" dirty="0"/>
-              <a:t>Assignments</a:t>
-            </a:r>
-            <a:br>
-              <a:rPr lang="en-US" sz="4400" dirty="0"/>
-            </a:br>
-            <a:r>
-              <a:rPr lang="en-US" sz="2800" dirty="0"/>
-              <a:t>description and submission</a:t>
-            </a:r>
-          </a:p>
-          <a:p>
-            <a:endParaRPr lang="en-US" sz="4400" dirty="0"/>
-          </a:p>
-        </p:txBody>
-      </p:sp>
-      <p:sp>
-        <p:nvSpPr>
-          <p:cNvPr id="10" name="TextBox 9">
-            <a:extLst>
-              <a:ext uri="{FF2B5EF4-FFF2-40B4-BE49-F238E27FC236}">
-                <a16:creationId xmlns:a16="http://schemas.microsoft.com/office/drawing/2014/main" id="{6AF74E1E-5164-8C4F-A628-D9DAF46EE15F}"/>
-              </a:ext>
-            </a:extLst>
-          </p:cNvPr>
-          <p:cNvSpPr txBox="1"/>
-          <p:nvPr/>
-        </p:nvSpPr>
-        <p:spPr>
-          <a:xfrm>
-            <a:off x="8203094" y="3578640"/>
-            <a:ext cx="4108173" cy="2062103"/>
-          </a:xfrm>
-          <a:prstGeom prst="rect">
-            <a:avLst/>
-          </a:prstGeom>
-          <a:noFill/>
-        </p:spPr>
-        <p:txBody>
-          <a:bodyPr wrap="square" rtlCol="0">
-            <a:spAutoFit/>
-          </a:bodyPr>
-          <a:lstStyle/>
-          <a:p>
-            <a:r>
-              <a:rPr lang="en-US" sz="4400" dirty="0"/>
-              <a:t>Communication</a:t>
-            </a:r>
-            <a:br>
-              <a:rPr lang="en-US" sz="4400" dirty="0"/>
-            </a:br>
-            <a:r>
-              <a:rPr lang="en-US" sz="2800" dirty="0"/>
-              <a:t>announcements, discussions, questions, etc. </a:t>
-            </a:r>
-            <a:endParaRPr lang="en-US" sz="4400" dirty="0"/>
-          </a:p>
-        </p:txBody>
-      </p:sp>
-    </p:spTree>
-    <p:extLst>
-      <p:ext uri="{BB962C8B-B14F-4D97-AF65-F5344CB8AC3E}">
-        <p14:creationId xmlns:p14="http://schemas.microsoft.com/office/powerpoint/2010/main" val="2129595326"/>
-      </p:ext>
-    </p:extLst>
-  </p:cSld>
-  <p:clrMapOvr>
-    <a:masterClrMapping/>
-  </p:clrMapOvr>
-</p:sld>
-</file>
-
-<file path=ppt/slides/slide4.xml><?xml version="1.0" encoding="utf-8"?>
-<p:sld xmlns:a="http://schemas.openxmlformats.org/drawingml/2006/main" xmlns:r="http://schemas.openxmlformats.org/officeDocument/2006/relationships" xmlns:p="http://schemas.openxmlformats.org/presentationml/2006/main">
-  <p:cSld>
-    <p:spTree>
-      <p:nvGrpSpPr>
-        <p:cNvPr id="1" name=""/>
-        <p:cNvGrpSpPr/>
-        <p:nvPr/>
-      </p:nvGrpSpPr>
-      <p:grpSpPr>
-        <a:xfrm>
-          <a:off x="0" y="0"/>
-          <a:ext cx="0" cy="0"/>
-          <a:chOff x="0" y="0"/>
-          <a:chExt cx="0" cy="0"/>
-        </a:xfrm>
-      </p:grpSpPr>
-      <p:sp>
-        <p:nvSpPr>
           <p:cNvPr id="3" name="Title 2">
             <a:extLst>
               <a:ext uri="{FF2B5EF4-FFF2-40B4-BE49-F238E27FC236}">
@@ -13275,7 +13191,15 @@
           <a:p>
             <a:r>
               <a:rPr lang="en-US" b="1" dirty="0"/>
-              <a:t>Make sure and check that you can access your project data today</a:t>
+              <a:t>Let us know if you can’t access your project data or </a:t>
+            </a:r>
+            <a:r>
+              <a:rPr lang="en-US" b="1" dirty="0" err="1"/>
+              <a:t>github</a:t>
+            </a:r>
+            <a:r>
+              <a:rPr lang="en-US" b="1" dirty="0"/>
+              <a:t> repo</a:t>
             </a:r>
             <a:br>
               <a:rPr lang="en-US" b="1" dirty="0"/>
@@ -13285,29 +13209,15 @@
           <a:p>
             <a:r>
               <a:rPr lang="en-US" dirty="0"/>
-              <a:t>Wednesday session tomorrow: time for group work and check-ins</a:t>
+              <a:t>Wednesday session tomorrow: </a:t>
             </a:r>
-          </a:p>
-          <a:p>
-            <a:pPr lvl="1">
-              <a:spcBef>
-                <a:spcPts val="500"/>
-              </a:spcBef>
-            </a:pPr>
+            <a:r>
+              <a:rPr lang="en-US" dirty="0" err="1"/>
+              <a:t>Github</a:t>
+            </a:r>
             <a:r>
               <a:rPr lang="en-US" dirty="0"/>
-              <a:t>Wednesday sessions are required class sessions</a:t>
-            </a:r>
-          </a:p>
-          <a:p>
-            <a:pPr lvl="1">
-              <a:spcBef>
-                <a:spcPts val="500"/>
-              </a:spcBef>
-            </a:pPr>
-            <a:r>
-              <a:rPr lang="en-US" dirty="0"/>
-              <a:t>Be sure to attend your assigned session from this point forward</a:t>
+              <a:t> + SQL</a:t>
             </a:r>
             <a:br>
               <a:rPr lang="en-US" dirty="0"/>
@@ -13315,13 +13225,7 @@
             <a:endParaRPr lang="en-US" dirty="0"/>
           </a:p>
           <a:p>
-            <a:r>
-              <a:rPr lang="en-US" dirty="0"/>
-              <a:t>Due this week:</a:t>
-            </a:r>
-          </a:p>
-          <a:p>
-            <a:pPr lvl="1">
+            <a:pPr>
               <a:lnSpc>
                 <a:spcPct val="100000"/>
               </a:lnSpc>
@@ -13331,35 +13235,7 @@
             </a:pPr>
             <a:r>
               <a:rPr lang="en-US" dirty="0"/>
-              <a:t>Watch Analytic Formulation and Baselines Lecture Video (for Thursday)</a:t>
-            </a:r>
-          </a:p>
-          <a:p>
-            <a:pPr lvl="1">
-              <a:lnSpc>
-                <a:spcPct val="100000"/>
-              </a:lnSpc>
-              <a:spcBef>
-                <a:spcPts val="500"/>
-              </a:spcBef>
-            </a:pPr>
-            <a:r>
-              <a:rPr lang="en-US" dirty="0"/>
-              <a:t>Reading for Thursday</a:t>
-            </a:r>
-          </a:p>
-          <a:p>
-            <a:pPr lvl="1">
-              <a:lnSpc>
-                <a:spcPct val="100000"/>
-              </a:lnSpc>
-              <a:spcBef>
-                <a:spcPts val="500"/>
-              </a:spcBef>
-            </a:pPr>
-            <a:r>
-              <a:rPr lang="en-US" dirty="0"/>
-              <a:t>ACS Data loading assignment on canvas (due Friday)</a:t>
+              <a:t>Readings for Thursday</a:t>
             </a:r>
             <a:br>
               <a:rPr lang="en-US" dirty="0"/>
@@ -13372,15 +13248,27 @@
               <a:t>Make sure to read </a:t>
             </a:r>
             <a:r>
+              <a:rPr lang="en-US" b="1" dirty="0">
+                <a:solidFill>
+                  <a:srgbClr val="C00000"/>
+                </a:solidFill>
+              </a:rPr>
+              <a:t>project proposal</a:t>
+            </a:r>
+            <a:r>
               <a:rPr lang="en-US" b="1" dirty="0"/>
-              <a:t>project proposal </a:t>
+              <a:t> </a:t>
             </a:r>
             <a:r>
               <a:rPr lang="en-US" dirty="0"/>
               <a:t>assignment on canvas (due </a:t>
             </a:r>
             <a:r>
-              <a:rPr lang="en-US" b="1" dirty="0"/>
+              <a:rPr lang="en-US" b="1" dirty="0">
+                <a:solidFill>
+                  <a:srgbClr val="C00000"/>
+                </a:solidFill>
+              </a:rPr>
               <a:t>next Friday</a:t>
             </a:r>
             <a:r>
@@ -13403,7 +13291,7 @@
 </p:sld>
 </file>
 
-<file path=ppt/slides/slide5.xml><?xml version="1.0" encoding="utf-8"?>
+<file path=ppt/slides/slide3.xml><?xml version="1.0" encoding="utf-8"?>
 <p:sld xmlns:a="http://schemas.openxmlformats.org/drawingml/2006/main" xmlns:r="http://schemas.openxmlformats.org/officeDocument/2006/relationships" xmlns:p="http://schemas.openxmlformats.org/presentationml/2006/main">
   <p:cSld>
     <p:spTree>
@@ -13506,7 +13394,7 @@
 </p:sld>
 </file>
 
-<file path=ppt/slides/slide6.xml><?xml version="1.0" encoding="utf-8"?>
+<file path=ppt/slides/slide4.xml><?xml version="1.0" encoding="utf-8"?>
 <p:sld xmlns:a="http://schemas.openxmlformats.org/drawingml/2006/main" xmlns:r="http://schemas.openxmlformats.org/officeDocument/2006/relationships" xmlns:p="http://schemas.openxmlformats.org/presentationml/2006/main">
   <p:cSld>
     <p:spTree>
@@ -13641,7 +13529,7 @@
 </p:sld>
 </file>
 
-<file path=ppt/slides/slide7.xml><?xml version="1.0" encoding="utf-8"?>
+<file path=ppt/slides/slide5.xml><?xml version="1.0" encoding="utf-8"?>
 <p:sld xmlns:a="http://schemas.openxmlformats.org/drawingml/2006/main" xmlns:r="http://schemas.openxmlformats.org/officeDocument/2006/relationships" xmlns:p="http://schemas.openxmlformats.org/presentationml/2006/main">
   <p:cSld>
     <p:spTree>
@@ -13787,7 +13675,7 @@
 </p:sld>
 </file>
 
-<file path=ppt/slides/slide8.xml><?xml version="1.0" encoding="utf-8"?>
+<file path=ppt/slides/slide6.xml><?xml version="1.0" encoding="utf-8"?>
 <p:sld xmlns:a="http://schemas.openxmlformats.org/drawingml/2006/main" xmlns:r="http://schemas.openxmlformats.org/officeDocument/2006/relationships" xmlns:p="http://schemas.openxmlformats.org/presentationml/2006/main">
   <p:cSld>
     <p:spTree>
@@ -13917,7 +13805,7 @@
 </p:sld>
 </file>
 
-<file path=ppt/slides/slide9.xml><?xml version="1.0" encoding="utf-8"?>
+<file path=ppt/slides/slide7.xml><?xml version="1.0" encoding="utf-8"?>
 <p:sld xmlns:a="http://schemas.openxmlformats.org/drawingml/2006/main" xmlns:r="http://schemas.openxmlformats.org/officeDocument/2006/relationships" xmlns:p="http://schemas.openxmlformats.org/presentationml/2006/main">
   <p:cSld>
     <p:spTree>
@@ -14030,6 +13918,143 @@
     <p:extLst>
       <p:ext uri="{BB962C8B-B14F-4D97-AF65-F5344CB8AC3E}">
         <p14:creationId xmlns:p14="http://schemas.microsoft.com/office/powerpoint/2010/main" val="4069897732"/>
+      </p:ext>
+    </p:extLst>
+  </p:cSld>
+  <p:clrMapOvr>
+    <a:masterClrMapping/>
+  </p:clrMapOvr>
+</p:sld>
+</file>
+
+<file path=ppt/slides/slide8.xml><?xml version="1.0" encoding="utf-8"?>
+<p:sld xmlns:a="http://schemas.openxmlformats.org/drawingml/2006/main" xmlns:r="http://schemas.openxmlformats.org/officeDocument/2006/relationships" xmlns:p="http://schemas.openxmlformats.org/presentationml/2006/main">
+  <p:cSld>
+    <p:spTree>
+      <p:nvGrpSpPr>
+        <p:cNvPr id="1" name=""/>
+        <p:cNvGrpSpPr/>
+        <p:nvPr/>
+      </p:nvGrpSpPr>
+      <p:grpSpPr>
+        <a:xfrm>
+          <a:off x="0" y="0"/>
+          <a:ext cx="0" cy="0"/>
+          <a:chOff x="0" y="0"/>
+          <a:chExt cx="0" cy="0"/>
+        </a:xfrm>
+      </p:grpSpPr>
+      <p:pic>
+        <p:nvPicPr>
+          <p:cNvPr id="9" name="Picture 8">
+            <a:extLst>
+              <a:ext uri="{FF2B5EF4-FFF2-40B4-BE49-F238E27FC236}">
+                <a16:creationId xmlns:a16="http://schemas.microsoft.com/office/drawing/2014/main" id="{3DF3CE1F-439A-864A-85F9-7ECA76CADBF5}"/>
+              </a:ext>
+            </a:extLst>
+          </p:cNvPr>
+          <p:cNvPicPr>
+            <a:picLocks noChangeAspect="1"/>
+          </p:cNvPicPr>
+          <p:nvPr/>
+        </p:nvPicPr>
+        <p:blipFill>
+          <a:blip r:embed="rId2"/>
+          <a:stretch>
+            <a:fillRect/>
+          </a:stretch>
+        </p:blipFill>
+        <p:spPr>
+          <a:xfrm>
+            <a:off x="2253318" y="80445"/>
+            <a:ext cx="7685364" cy="6697109"/>
+          </a:xfrm>
+          <a:prstGeom prst="rect">
+            <a:avLst/>
+          </a:prstGeom>
+        </p:spPr>
+      </p:pic>
+    </p:spTree>
+    <p:extLst>
+      <p:ext uri="{BB962C8B-B14F-4D97-AF65-F5344CB8AC3E}">
+        <p14:creationId xmlns:p14="http://schemas.microsoft.com/office/powerpoint/2010/main" val="1278687259"/>
+      </p:ext>
+    </p:extLst>
+  </p:cSld>
+  <p:clrMapOvr>
+    <a:masterClrMapping/>
+  </p:clrMapOvr>
+</p:sld>
+</file>
+
+<file path=ppt/slides/slide9.xml><?xml version="1.0" encoding="utf-8"?>
+<p:sld xmlns:a="http://schemas.openxmlformats.org/drawingml/2006/main" xmlns:r="http://schemas.openxmlformats.org/officeDocument/2006/relationships" xmlns:p="http://schemas.openxmlformats.org/presentationml/2006/main">
+  <p:cSld>
+    <p:spTree>
+      <p:nvGrpSpPr>
+        <p:cNvPr id="1" name=""/>
+        <p:cNvGrpSpPr/>
+        <p:nvPr/>
+      </p:nvGrpSpPr>
+      <p:grpSpPr>
+        <a:xfrm>
+          <a:off x="0" y="0"/>
+          <a:ext cx="0" cy="0"/>
+          <a:chOff x="0" y="0"/>
+          <a:chExt cx="0" cy="0"/>
+        </a:xfrm>
+      </p:grpSpPr>
+      <p:pic>
+        <p:nvPicPr>
+          <p:cNvPr id="1025" name="Picture 1" descr="page7image820992">
+            <a:extLst>
+              <a:ext uri="{FF2B5EF4-FFF2-40B4-BE49-F238E27FC236}">
+                <a16:creationId xmlns:a16="http://schemas.microsoft.com/office/drawing/2014/main" id="{C81F5E0F-0DF3-8A42-BCBD-633CA220A6F5}"/>
+              </a:ext>
+            </a:extLst>
+          </p:cNvPr>
+          <p:cNvPicPr>
+            <a:picLocks noChangeAspect="1" noChangeArrowheads="1"/>
+          </p:cNvPicPr>
+          <p:nvPr/>
+        </p:nvPicPr>
+        <p:blipFill>
+          <a:blip r:embed="rId2">
+            <a:extLst>
+              <a:ext uri="{28A0092B-C50C-407E-A947-70E740481C1C}">
+                <a14:useLocalDpi xmlns:a14="http://schemas.microsoft.com/office/drawing/2010/main" val="0"/>
+              </a:ext>
+            </a:extLst>
+          </a:blip>
+          <a:srcRect/>
+          <a:stretch>
+            <a:fillRect/>
+          </a:stretch>
+        </p:blipFill>
+        <p:spPr bwMode="auto">
+          <a:xfrm>
+            <a:off x="0" y="0"/>
+            <a:ext cx="12192000" cy="6858000"/>
+          </a:xfrm>
+          <a:prstGeom prst="rect">
+            <a:avLst/>
+          </a:prstGeom>
+          <a:noFill/>
+          <a:extLst>
+            <a:ext uri="{909E8E84-426E-40DD-AFC4-6F175D3DCCD1}">
+              <a14:hiddenFill xmlns:a14="http://schemas.microsoft.com/office/drawing/2010/main">
+                <a:solidFill>
+                  <a:srgbClr val="FFFFFF"/>
+                </a:solidFill>
+              </a14:hiddenFill>
+            </a:ext>
+          </a:extLst>
+        </p:spPr>
+      </p:pic>
+    </p:spTree>
+    <p:extLst>
+      <p:ext uri="{BB962C8B-B14F-4D97-AF65-F5344CB8AC3E}">
+        <p14:creationId xmlns:p14="http://schemas.microsoft.com/office/powerpoint/2010/main" val="2029549567"/>
       </p:ext>
     </p:extLst>
   </p:cSld>

--- a/03 - Data Exploration, Analytical Formulation, and Baselines/data-exploration.pptx
+++ b/03 - Data Exploration, Analytical Formulation, and Baselines/data-exploration.pptx
@@ -263,7 +263,7 @@
       <p15:sldGuideLst xmlns:p15="http://schemas.microsoft.com/office/powerpoint/2012/main"/>
     </p:ext>
     <p:ext uri="http://customooxmlschemas.google.com/">
-      <go:slidesCustomData xmlns:go="http://customooxmlschemas.google.com/" xmlns:p15="http://schemas.microsoft.com/office/powerpoint/2012/main" xmlns:p14="http://schemas.microsoft.com/office/powerpoint/2010/main" xmlns:com="http://schemas.openxmlformats.org/drawingml/2006/compatibility" xmlns:pvml="urn:schemas-microsoft-com:office:powerpoint" xmlns:v="urn:schemas-microsoft-com:vml" xmlns:o="urn:schemas-microsoft-com:office:office" xmlns:dgm="http://schemas.openxmlformats.org/drawingml/2006/diagram" xmlns:c="http://schemas.openxmlformats.org/drawingml/2006/chart" xmlns:mv="urn:schemas-microsoft-com:mac:vml" xmlns:mc="http://schemas.openxmlformats.org/markup-compatibility/2006" xmlns="" r:id="rId30" roundtripDataSignature="AMtx7mjFyVUGRZWio+dc9dxzYsimUxNJbg=="/>
+      <go:slidesCustomData xmlns="" xmlns:mc="http://schemas.openxmlformats.org/markup-compatibility/2006" xmlns:mv="urn:schemas-microsoft-com:mac:vml" xmlns:c="http://schemas.openxmlformats.org/drawingml/2006/chart" xmlns:dgm="http://schemas.openxmlformats.org/drawingml/2006/diagram" xmlns:o="urn:schemas-microsoft-com:office:office" xmlns:v="urn:schemas-microsoft-com:vml" xmlns:pvml="urn:schemas-microsoft-com:office:powerpoint" xmlns:com="http://schemas.openxmlformats.org/drawingml/2006/compatibility" xmlns:p14="http://schemas.microsoft.com/office/powerpoint/2010/main" xmlns:p15="http://schemas.microsoft.com/office/powerpoint/2012/main" xmlns:go="http://customooxmlschemas.google.com/" r:id="rId30" roundtripDataSignature="AMtx7mjFyVUGRZWio+dc9dxzYsimUxNJbg=="/>
     </p:ext>
   </p:extLst>
 </p:presentation>
@@ -12774,7 +12774,7 @@
             </a:pPr>
             <a:r>
               <a:rPr lang="en-US" altLang="en-US" dirty="0"/>
-              <a:t>Slack: we’ve created group-level and project-level channels. Additionally, feel free to use group DMs and video calls with your group to coordinate as well.</a:t>
+              <a:t>Slack: we’ve created group-level and project-level channels. </a:t>
             </a:r>
           </a:p>
           <a:p>
@@ -13740,8 +13740,12 @@
               </a:lnSpc>
             </a:pPr>
             <a:r>
+              <a:rPr lang="en-US" b="1" dirty="0"/>
+              <a:t>Tables</a:t>
+            </a:r>
+            <a:r>
               <a:rPr lang="en-US" dirty="0"/>
-              <a:t>Tables: identify the database tables that are most relevant to your problem</a:t>
+              <a:t>: identify the database tables that are most relevant to your problem</a:t>
             </a:r>
           </a:p>
           <a:p>
@@ -13751,8 +13755,12 @@
               </a:lnSpc>
             </a:pPr>
             <a:r>
+              <a:rPr lang="en-US" b="1" dirty="0"/>
+              <a:t>Entities</a:t>
+            </a:r>
+            <a:r>
               <a:rPr lang="en-US" dirty="0"/>
-              <a:t>Entities: How can you identify the primary entities from your project? What are some basic/relevant characteristics about them? How have those changed over time?</a:t>
+              <a:t>: How can you identify the primary entities from your project? What are some basic/relevant characteristics about them? How have those changed over time?</a:t>
             </a:r>
           </a:p>
           <a:p>
@@ -13762,8 +13770,12 @@
               </a:lnSpc>
             </a:pPr>
             <a:r>
+              <a:rPr lang="en-US" b="1" dirty="0"/>
+              <a:t>Fields</a:t>
+            </a:r>
+            <a:r>
               <a:rPr lang="en-US" dirty="0"/>
-              <a:t>Fields: Most projects have a lot of different data fields, but don’t feel like your initial exploration needs to understand everything</a:t>
+              <a:t>: Most projects have a lot of different data fields, but don’t feel like your initial exploration needs to understand everything</a:t>
             </a:r>
           </a:p>
           <a:p>
@@ -13773,8 +13785,12 @@
               </a:lnSpc>
             </a:pPr>
             <a:r>
+              <a:rPr lang="en-US" b="1" dirty="0"/>
+              <a:t>Label</a:t>
+            </a:r>
+            <a:r>
               <a:rPr lang="en-US" dirty="0"/>
-              <a:t>Label: Think about how you might define your label? What can you say about its distribution and how it’s changed over time?</a:t>
+              <a:t>: Think about how you might define your label? What can you say about its distribution and how it’s changed over time?</a:t>
             </a:r>
           </a:p>
           <a:p>

--- a/03 - Data Exploration, Analytical Formulation, and Baselines/data-exploration.pptx
+++ b/03 - Data Exploration, Analytical Formulation, and Baselines/data-exploration.pptx
@@ -5,27 +5,32 @@
     <p:sldMasterId id="2147483648" r:id="rId1"/>
   </p:sldMasterIdLst>
   <p:notesMasterIdLst>
-    <p:notesMasterId r:id="rId20"/>
+    <p:notesMasterId r:id="rId25"/>
   </p:notesMasterIdLst>
   <p:sldIdLst>
     <p:sldId id="256" r:id="rId2"/>
-    <p:sldId id="302" r:id="rId3"/>
-    <p:sldId id="281" r:id="rId4"/>
-    <p:sldId id="295" r:id="rId5"/>
-    <p:sldId id="282" r:id="rId6"/>
-    <p:sldId id="300" r:id="rId7"/>
-    <p:sldId id="285" r:id="rId8"/>
-    <p:sldId id="283" r:id="rId9"/>
-    <p:sldId id="298" r:id="rId10"/>
-    <p:sldId id="260" r:id="rId11"/>
-    <p:sldId id="261" r:id="rId12"/>
-    <p:sldId id="309" r:id="rId13"/>
-    <p:sldId id="301" r:id="rId14"/>
-    <p:sldId id="306" r:id="rId15"/>
-    <p:sldId id="299" r:id="rId16"/>
-    <p:sldId id="307" r:id="rId17"/>
-    <p:sldId id="308" r:id="rId18"/>
-    <p:sldId id="303" r:id="rId19"/>
+    <p:sldId id="308" r:id="rId3"/>
+    <p:sldId id="302" r:id="rId4"/>
+    <p:sldId id="281" r:id="rId5"/>
+    <p:sldId id="301" r:id="rId6"/>
+    <p:sldId id="306" r:id="rId7"/>
+    <p:sldId id="299" r:id="rId8"/>
+    <p:sldId id="307" r:id="rId9"/>
+    <p:sldId id="310" r:id="rId10"/>
+    <p:sldId id="303" r:id="rId11"/>
+    <p:sldId id="312" r:id="rId12"/>
+    <p:sldId id="295" r:id="rId13"/>
+    <p:sldId id="282" r:id="rId14"/>
+    <p:sldId id="300" r:id="rId15"/>
+    <p:sldId id="285" r:id="rId16"/>
+    <p:sldId id="283" r:id="rId17"/>
+    <p:sldId id="298" r:id="rId18"/>
+    <p:sldId id="260" r:id="rId19"/>
+    <p:sldId id="261" r:id="rId20"/>
+    <p:sldId id="313" r:id="rId21"/>
+    <p:sldId id="262" r:id="rId22"/>
+    <p:sldId id="309" r:id="rId23"/>
+    <p:sldId id="311" r:id="rId24"/>
   </p:sldIdLst>
   <p:sldSz cx="12192000" cy="6858000"/>
   <p:notesSz cx="6858000" cy="9144000"/>
@@ -263,7 +268,7 @@
       <p15:sldGuideLst xmlns:p15="http://schemas.microsoft.com/office/powerpoint/2012/main"/>
     </p:ext>
     <p:ext uri="http://customooxmlschemas.google.com/">
-      <go:slidesCustomData xmlns="" xmlns:mc="http://schemas.openxmlformats.org/markup-compatibility/2006" xmlns:mv="urn:schemas-microsoft-com:mac:vml" xmlns:c="http://schemas.openxmlformats.org/drawingml/2006/chart" xmlns:dgm="http://schemas.openxmlformats.org/drawingml/2006/diagram" xmlns:o="urn:schemas-microsoft-com:office:office" xmlns:v="urn:schemas-microsoft-com:vml" xmlns:pvml="urn:schemas-microsoft-com:office:powerpoint" xmlns:com="http://schemas.openxmlformats.org/drawingml/2006/compatibility" xmlns:p14="http://schemas.microsoft.com/office/powerpoint/2010/main" xmlns:p15="http://schemas.microsoft.com/office/powerpoint/2012/main" xmlns:go="http://customooxmlschemas.google.com/" r:id="rId30" roundtripDataSignature="AMtx7mjFyVUGRZWio+dc9dxzYsimUxNJbg=="/>
+      <go:slidesCustomData xmlns:go="http://customooxmlschemas.google.com/" xmlns:p15="http://schemas.microsoft.com/office/powerpoint/2012/main" xmlns:p14="http://schemas.microsoft.com/office/powerpoint/2010/main" xmlns:com="http://schemas.openxmlformats.org/drawingml/2006/compatibility" xmlns:pvml="urn:schemas-microsoft-com:office:powerpoint" xmlns:v="urn:schemas-microsoft-com:vml" xmlns:o="urn:schemas-microsoft-com:office:office" xmlns:dgm="http://schemas.openxmlformats.org/drawingml/2006/diagram" xmlns:c="http://schemas.openxmlformats.org/drawingml/2006/chart" xmlns:mv="urn:schemas-microsoft-com:mac:vml" xmlns:mc="http://schemas.openxmlformats.org/markup-compatibility/2006" xmlns="" r:id="rId30" roundtripDataSignature="AMtx7mjFyVUGRZWio+dc9dxzYsimUxNJbg=="/>
     </p:ext>
   </p:extLst>
 </p:presentation>
@@ -6571,6 +6576,110 @@
 </p:notes>
 </file>
 
+<file path=ppt/notesSlides/notesSlide2.xml><?xml version="1.0" encoding="utf-8"?>
+<p:notes xmlns:a="http://schemas.openxmlformats.org/drawingml/2006/main" xmlns:r="http://schemas.openxmlformats.org/officeDocument/2006/relationships" xmlns:p="http://schemas.openxmlformats.org/presentationml/2006/main" showMasterSp="0" showMasterPhAnim="0">
+  <p:cSld>
+    <p:spTree>
+      <p:nvGrpSpPr>
+        <p:cNvPr id="1" name="Shape 238"/>
+        <p:cNvGrpSpPr/>
+        <p:nvPr/>
+      </p:nvGrpSpPr>
+      <p:grpSpPr>
+        <a:xfrm>
+          <a:off x="0" y="0"/>
+          <a:ext cx="0" cy="0"/>
+          <a:chOff x="0" y="0"/>
+          <a:chExt cx="0" cy="0"/>
+        </a:xfrm>
+      </p:grpSpPr>
+      <p:sp>
+        <p:nvSpPr>
+          <p:cNvPr id="239" name="Google Shape;239;gd4f7128003_0_794:notes"/>
+          <p:cNvSpPr txBox="1">
+            <a:spLocks noGrp="1"/>
+          </p:cNvSpPr>
+          <p:nvPr>
+            <p:ph type="body" idx="1"/>
+          </p:nvPr>
+        </p:nvSpPr>
+        <p:spPr>
+          <a:xfrm>
+            <a:off x="685800" y="4343400"/>
+            <a:ext cx="5486400" cy="4114800"/>
+          </a:xfrm>
+          <a:prstGeom prst="rect">
+            <a:avLst/>
+          </a:prstGeom>
+        </p:spPr>
+        <p:txBody>
+          <a:bodyPr spcFirstLastPara="1" wrap="square" lIns="91425" tIns="91425" rIns="91425" bIns="91425" anchor="t" anchorCtr="0">
+            <a:noAutofit/>
+          </a:bodyPr>
+          <a:lstStyle/>
+          <a:p>
+            <a:pPr marL="0" lvl="0" indent="0" algn="l" rtl="0">
+              <a:spcBef>
+                <a:spcPts val="0"/>
+              </a:spcBef>
+              <a:spcAft>
+                <a:spcPts val="0"/>
+              </a:spcAft>
+              <a:buNone/>
+            </a:pPr>
+            <a:endParaRPr/>
+          </a:p>
+        </p:txBody>
+      </p:sp>
+      <p:sp>
+        <p:nvSpPr>
+          <p:cNvPr id="240" name="Google Shape;240;gd4f7128003_0_794:notes"/>
+          <p:cNvSpPr>
+            <a:spLocks noGrp="1" noRot="1" noChangeAspect="1"/>
+          </p:cNvSpPr>
+          <p:nvPr>
+            <p:ph type="sldImg" idx="2"/>
+          </p:nvPr>
+        </p:nvSpPr>
+        <p:spPr>
+          <a:xfrm>
+            <a:off x="381000" y="685800"/>
+            <a:ext cx="6096000" cy="3429000"/>
+          </a:xfrm>
+          <a:custGeom>
+            <a:avLst/>
+            <a:gdLst/>
+            <a:ahLst/>
+            <a:cxnLst/>
+            <a:rect l="l" t="t" r="r" b="b"/>
+            <a:pathLst>
+              <a:path w="120000" h="120000" extrusionOk="0">
+                <a:moveTo>
+                  <a:pt x="0" y="0"/>
+                </a:moveTo>
+                <a:lnTo>
+                  <a:pt x="120000" y="0"/>
+                </a:lnTo>
+                <a:lnTo>
+                  <a:pt x="120000" y="120000"/>
+                </a:lnTo>
+                <a:lnTo>
+                  <a:pt x="0" y="120000"/>
+                </a:lnTo>
+                <a:close/>
+              </a:path>
+            </a:pathLst>
+          </a:custGeom>
+        </p:spPr>
+      </p:sp>
+    </p:spTree>
+  </p:cSld>
+  <p:clrMapOvr>
+    <a:masterClrMapping/>
+  </p:clrMapOvr>
+</p:notes>
+</file>
+
 <file path=ppt/slideLayouts/slideLayout1.xml><?xml version="1.0" encoding="utf-8"?>
 <p:sldLayout xmlns:a="http://schemas.openxmlformats.org/drawingml/2006/main" xmlns:r="http://schemas.openxmlformats.org/officeDocument/2006/relationships" xmlns:p="http://schemas.openxmlformats.org/presentationml/2006/main" matchingName="Title slide" type="title">
   <p:cSld name="TITLE">
@@ -12099,6 +12208,871 @@
       </p:grpSpPr>
       <p:sp>
         <p:nvSpPr>
+          <p:cNvPr id="2" name="Title 1">
+            <a:extLst>
+              <a:ext uri="{FF2B5EF4-FFF2-40B4-BE49-F238E27FC236}">
+                <a16:creationId xmlns:a16="http://schemas.microsoft.com/office/drawing/2014/main" id="{C433C44B-9CD1-E54C-BEDE-3018CFE1A62F}"/>
+              </a:ext>
+            </a:extLst>
+          </p:cNvPr>
+          <p:cNvSpPr>
+            <a:spLocks noGrp="1"/>
+          </p:cNvSpPr>
+          <p:nvPr>
+            <p:ph type="title"/>
+          </p:nvPr>
+        </p:nvSpPr>
+        <p:spPr/>
+        <p:txBody>
+          <a:bodyPr/>
+          <a:lstStyle/>
+          <a:p>
+            <a:r>
+              <a:rPr lang="en-US" dirty="0"/>
+              <a:t>What do we want you to use this time for?</a:t>
+            </a:r>
+          </a:p>
+        </p:txBody>
+      </p:sp>
+      <p:sp>
+        <p:nvSpPr>
+          <p:cNvPr id="3" name="Text Placeholder 2">
+            <a:extLst>
+              <a:ext uri="{FF2B5EF4-FFF2-40B4-BE49-F238E27FC236}">
+                <a16:creationId xmlns:a16="http://schemas.microsoft.com/office/drawing/2014/main" id="{306939D4-1B3B-C04C-AFE6-D7C738B5CC7F}"/>
+              </a:ext>
+            </a:extLst>
+          </p:cNvPr>
+          <p:cNvSpPr>
+            <a:spLocks noGrp="1"/>
+          </p:cNvSpPr>
+          <p:nvPr>
+            <p:ph type="body" idx="1"/>
+          </p:nvPr>
+        </p:nvSpPr>
+        <p:spPr/>
+        <p:txBody>
+          <a:bodyPr/>
+          <a:lstStyle/>
+          <a:p>
+            <a:pPr>
+              <a:lnSpc>
+                <a:spcPct val="150000"/>
+              </a:lnSpc>
+            </a:pPr>
+            <a:r>
+              <a:rPr lang="en-US" sz="2800" dirty="0"/>
+              <a:t>Get to know each other</a:t>
+            </a:r>
+          </a:p>
+          <a:p>
+            <a:pPr>
+              <a:lnSpc>
+                <a:spcPct val="150000"/>
+              </a:lnSpc>
+            </a:pPr>
+            <a:r>
+              <a:rPr lang="en-US" sz="2800" dirty="0"/>
+              <a:t>Discuss how you’re going to work together</a:t>
+            </a:r>
+          </a:p>
+          <a:p>
+            <a:pPr>
+              <a:lnSpc>
+                <a:spcPct val="150000"/>
+              </a:lnSpc>
+            </a:pPr>
+            <a:r>
+              <a:rPr lang="en-US" sz="2800" dirty="0"/>
+              <a:t>Schedule times to work on the project proposal over the next week and a half</a:t>
+            </a:r>
+          </a:p>
+        </p:txBody>
+      </p:sp>
+    </p:spTree>
+    <p:extLst>
+      <p:ext uri="{BB962C8B-B14F-4D97-AF65-F5344CB8AC3E}">
+        <p14:creationId xmlns:p14="http://schemas.microsoft.com/office/powerpoint/2010/main" val="3388408751"/>
+      </p:ext>
+    </p:extLst>
+  </p:cSld>
+  <p:clrMapOvr>
+    <a:masterClrMapping/>
+  </p:clrMapOvr>
+</p:sld>
+</file>
+
+<file path=ppt/slides/slide11.xml><?xml version="1.0" encoding="utf-8"?>
+<p:sld xmlns:a="http://schemas.openxmlformats.org/drawingml/2006/main" xmlns:r="http://schemas.openxmlformats.org/officeDocument/2006/relationships" xmlns:p="http://schemas.openxmlformats.org/presentationml/2006/main">
+  <p:cSld>
+    <p:spTree>
+      <p:nvGrpSpPr>
+        <p:cNvPr id="1" name=""/>
+        <p:cNvGrpSpPr/>
+        <p:nvPr/>
+      </p:nvGrpSpPr>
+      <p:grpSpPr>
+        <a:xfrm>
+          <a:off x="0" y="0"/>
+          <a:ext cx="0" cy="0"/>
+          <a:chOff x="0" y="0"/>
+          <a:chExt cx="0" cy="0"/>
+        </a:xfrm>
+      </p:grpSpPr>
+      <p:sp>
+        <p:nvSpPr>
+          <p:cNvPr id="4" name="Text Placeholder 3">
+            <a:extLst>
+              <a:ext uri="{FF2B5EF4-FFF2-40B4-BE49-F238E27FC236}">
+                <a16:creationId xmlns:a16="http://schemas.microsoft.com/office/drawing/2014/main" id="{5E600BA7-FA45-884F-9820-9E5F2CB7AA48}"/>
+              </a:ext>
+            </a:extLst>
+          </p:cNvPr>
+          <p:cNvSpPr>
+            <a:spLocks noGrp="1"/>
+          </p:cNvSpPr>
+          <p:nvPr>
+            <p:ph type="body" idx="1"/>
+          </p:nvPr>
+        </p:nvSpPr>
+        <p:spPr>
+          <a:xfrm>
+            <a:off x="415650" y="2724664"/>
+            <a:ext cx="11360700" cy="1408672"/>
+          </a:xfrm>
+        </p:spPr>
+        <p:txBody>
+          <a:bodyPr/>
+          <a:lstStyle/>
+          <a:p>
+            <a:pPr marL="76200" indent="0" algn="ctr">
+              <a:buNone/>
+            </a:pPr>
+            <a:r>
+              <a:rPr lang="en-US" sz="4800" dirty="0"/>
+              <a:t>Data Exploration Overview</a:t>
+            </a:r>
+          </a:p>
+        </p:txBody>
+      </p:sp>
+    </p:spTree>
+    <p:extLst>
+      <p:ext uri="{BB962C8B-B14F-4D97-AF65-F5344CB8AC3E}">
+        <p14:creationId xmlns:p14="http://schemas.microsoft.com/office/powerpoint/2010/main" val="1330406750"/>
+      </p:ext>
+    </p:extLst>
+  </p:cSld>
+  <p:clrMapOvr>
+    <a:masterClrMapping/>
+  </p:clrMapOvr>
+</p:sld>
+</file>
+
+<file path=ppt/slides/slide12.xml><?xml version="1.0" encoding="utf-8"?>
+<p:sld xmlns:a="http://schemas.openxmlformats.org/drawingml/2006/main" xmlns:r="http://schemas.openxmlformats.org/officeDocument/2006/relationships" xmlns:p="http://schemas.openxmlformats.org/presentationml/2006/main">
+  <p:cSld>
+    <p:spTree>
+      <p:nvGrpSpPr>
+        <p:cNvPr id="1" name=""/>
+        <p:cNvGrpSpPr/>
+        <p:nvPr/>
+      </p:nvGrpSpPr>
+      <p:grpSpPr>
+        <a:xfrm>
+          <a:off x="0" y="0"/>
+          <a:ext cx="0" cy="0"/>
+          <a:chOff x="0" y="0"/>
+          <a:chExt cx="0" cy="0"/>
+        </a:xfrm>
+      </p:grpSpPr>
+      <p:sp>
+        <p:nvSpPr>
+          <p:cNvPr id="2" name="Title 1">
+            <a:extLst>
+              <a:ext uri="{FF2B5EF4-FFF2-40B4-BE49-F238E27FC236}">
+                <a16:creationId xmlns:a16="http://schemas.microsoft.com/office/drawing/2014/main" id="{94CF2A94-A63F-6149-AA28-2E35B60E3D3E}"/>
+              </a:ext>
+            </a:extLst>
+          </p:cNvPr>
+          <p:cNvSpPr>
+            <a:spLocks noGrp="1"/>
+          </p:cNvSpPr>
+          <p:nvPr>
+            <p:ph type="title"/>
+          </p:nvPr>
+        </p:nvSpPr>
+        <p:spPr/>
+        <p:txBody>
+          <a:bodyPr/>
+          <a:lstStyle/>
+          <a:p>
+            <a:endParaRPr lang="en-US"/>
+          </a:p>
+        </p:txBody>
+      </p:sp>
+      <p:graphicFrame>
+        <p:nvGraphicFramePr>
+          <p:cNvPr id="3" name="Diagram 2">
+            <a:extLst>
+              <a:ext uri="{FF2B5EF4-FFF2-40B4-BE49-F238E27FC236}">
+                <a16:creationId xmlns:a16="http://schemas.microsoft.com/office/drawing/2014/main" id="{8E902576-68A9-6E48-B0FE-5B1889953DC8}"/>
+              </a:ext>
+            </a:extLst>
+          </p:cNvPr>
+          <p:cNvGraphicFramePr/>
+          <p:nvPr>
+            <p:extLst>
+              <p:ext uri="{D42A27DB-BD31-4B8C-83A1-F6EECF244321}">
+                <p14:modId xmlns:p14="http://schemas.microsoft.com/office/powerpoint/2010/main" val="1737878827"/>
+              </p:ext>
+            </p:extLst>
+          </p:nvPr>
+        </p:nvGraphicFramePr>
+        <p:xfrm>
+          <a:off x="180467" y="0"/>
+          <a:ext cx="11776400" cy="6858000"/>
+        </p:xfrm>
+        <a:graphic>
+          <a:graphicData uri="http://schemas.openxmlformats.org/drawingml/2006/diagram">
+            <dgm:relIds xmlns:dgm="http://schemas.openxmlformats.org/drawingml/2006/diagram" xmlns:r="http://schemas.openxmlformats.org/officeDocument/2006/relationships" r:dm="rId2" r:lo="rId3" r:qs="rId4" r:cs="rId5"/>
+          </a:graphicData>
+        </a:graphic>
+      </p:graphicFrame>
+      <p:sp>
+        <p:nvSpPr>
+          <p:cNvPr id="4" name="Rectangle 3">
+            <a:extLst>
+              <a:ext uri="{FF2B5EF4-FFF2-40B4-BE49-F238E27FC236}">
+                <a16:creationId xmlns:a16="http://schemas.microsoft.com/office/drawing/2014/main" id="{E2C99BF2-C81A-5246-89D3-E49BCDCAD699}"/>
+              </a:ext>
+            </a:extLst>
+          </p:cNvPr>
+          <p:cNvSpPr/>
+          <p:nvPr/>
+        </p:nvSpPr>
+        <p:spPr>
+          <a:xfrm>
+            <a:off x="6377498" y="274320"/>
+            <a:ext cx="2534195" cy="1789611"/>
+          </a:xfrm>
+          <a:prstGeom prst="rect">
+            <a:avLst/>
+          </a:prstGeom>
+          <a:noFill/>
+          <a:ln w="76200">
+            <a:solidFill>
+              <a:srgbClr val="C00000"/>
+            </a:solidFill>
+          </a:ln>
+        </p:spPr>
+        <p:style>
+          <a:lnRef idx="2">
+            <a:schemeClr val="accent1">
+              <a:shade val="50000"/>
+            </a:schemeClr>
+          </a:lnRef>
+          <a:fillRef idx="1">
+            <a:schemeClr val="accent1"/>
+          </a:fillRef>
+          <a:effectRef idx="0">
+            <a:schemeClr val="accent1"/>
+          </a:effectRef>
+          <a:fontRef idx="minor">
+            <a:schemeClr val="lt1"/>
+          </a:fontRef>
+        </p:style>
+        <p:txBody>
+          <a:bodyPr rtlCol="0" anchor="ctr"/>
+          <a:lstStyle/>
+          <a:p>
+            <a:pPr algn="ctr"/>
+            <a:endParaRPr lang="en-US"/>
+          </a:p>
+        </p:txBody>
+      </p:sp>
+    </p:spTree>
+    <p:extLst>
+      <p:ext uri="{BB962C8B-B14F-4D97-AF65-F5344CB8AC3E}">
+        <p14:creationId xmlns:p14="http://schemas.microsoft.com/office/powerpoint/2010/main" val="2624855364"/>
+      </p:ext>
+    </p:extLst>
+  </p:cSld>
+  <p:clrMapOvr>
+    <a:masterClrMapping/>
+  </p:clrMapOvr>
+</p:sld>
+</file>
+
+<file path=ppt/slides/slide13.xml><?xml version="1.0" encoding="utf-8"?>
+<p:sld xmlns:a="http://schemas.openxmlformats.org/drawingml/2006/main" xmlns:r="http://schemas.openxmlformats.org/officeDocument/2006/relationships" xmlns:p="http://schemas.openxmlformats.org/presentationml/2006/main">
+  <p:cSld>
+    <p:spTree>
+      <p:nvGrpSpPr>
+        <p:cNvPr id="1" name=""/>
+        <p:cNvGrpSpPr/>
+        <p:nvPr/>
+      </p:nvGrpSpPr>
+      <p:grpSpPr>
+        <a:xfrm>
+          <a:off x="0" y="0"/>
+          <a:ext cx="0" cy="0"/>
+          <a:chOff x="0" y="0"/>
+          <a:chExt cx="0" cy="0"/>
+        </a:xfrm>
+      </p:grpSpPr>
+      <p:sp>
+        <p:nvSpPr>
+          <p:cNvPr id="2" name="Title 1">
+            <a:extLst>
+              <a:ext uri="{FF2B5EF4-FFF2-40B4-BE49-F238E27FC236}">
+                <a16:creationId xmlns:a16="http://schemas.microsoft.com/office/drawing/2014/main" id="{21359BA9-BA2B-D148-89DA-A99081B1FF81}"/>
+              </a:ext>
+            </a:extLst>
+          </p:cNvPr>
+          <p:cNvSpPr>
+            <a:spLocks noGrp="1"/>
+          </p:cNvSpPr>
+          <p:nvPr>
+            <p:ph type="title"/>
+          </p:nvPr>
+        </p:nvSpPr>
+        <p:spPr/>
+        <p:txBody>
+          <a:bodyPr/>
+          <a:lstStyle/>
+          <a:p>
+            <a:r>
+              <a:rPr lang="en-US" dirty="0"/>
+              <a:t>Why is data exploration important?</a:t>
+            </a:r>
+          </a:p>
+        </p:txBody>
+      </p:sp>
+      <p:sp>
+        <p:nvSpPr>
+          <p:cNvPr id="3" name="Text Placeholder 2">
+            <a:extLst>
+              <a:ext uri="{FF2B5EF4-FFF2-40B4-BE49-F238E27FC236}">
+                <a16:creationId xmlns:a16="http://schemas.microsoft.com/office/drawing/2014/main" id="{DDA03E0F-5F3D-5B4D-8232-BF72B84A198E}"/>
+              </a:ext>
+            </a:extLst>
+          </p:cNvPr>
+          <p:cNvSpPr>
+            <a:spLocks noGrp="1"/>
+          </p:cNvSpPr>
+          <p:nvPr>
+            <p:ph type="body" idx="1"/>
+          </p:nvPr>
+        </p:nvSpPr>
+        <p:spPr/>
+        <p:txBody>
+          <a:bodyPr/>
+          <a:lstStyle/>
+          <a:p>
+            <a:pPr marL="533400" indent="-457200">
+              <a:buFont typeface="+mj-lt"/>
+              <a:buAutoNum type="arabicPeriod"/>
+            </a:pPr>
+            <a:r>
+              <a:rPr lang="en-US" dirty="0"/>
+              <a:t>Sanity Check the data you were given</a:t>
+            </a:r>
+          </a:p>
+          <a:p>
+            <a:pPr marL="533400" indent="-457200">
+              <a:buFont typeface="+mj-lt"/>
+              <a:buAutoNum type="arabicPeriod"/>
+            </a:pPr>
+            <a:r>
+              <a:rPr lang="en-US" dirty="0"/>
+              <a:t>Understanding the problem and domain </a:t>
+            </a:r>
+          </a:p>
+          <a:p>
+            <a:pPr marL="533400" indent="-457200">
+              <a:buFont typeface="+mj-lt"/>
+              <a:buAutoNum type="arabicPeriod"/>
+            </a:pPr>
+            <a:r>
+              <a:rPr lang="en-US" dirty="0"/>
+              <a:t>Problem Formulation </a:t>
+            </a:r>
+          </a:p>
+          <a:p>
+            <a:pPr marL="533400" indent="-457200">
+              <a:buFont typeface="+mj-lt"/>
+              <a:buAutoNum type="arabicPeriod"/>
+            </a:pPr>
+            <a:r>
+              <a:rPr lang="en-US" dirty="0"/>
+              <a:t>Debugging </a:t>
+            </a:r>
+          </a:p>
+          <a:p>
+            <a:pPr marL="533400" indent="-457200">
+              <a:buFont typeface="+mj-lt"/>
+              <a:buAutoNum type="arabicPeriod"/>
+            </a:pPr>
+            <a:r>
+              <a:rPr lang="en-US" dirty="0"/>
+              <a:t>Feature Generation/Selection </a:t>
+            </a:r>
+          </a:p>
+          <a:p>
+            <a:pPr marL="533400" indent="-457200">
+              <a:buFont typeface="+mj-lt"/>
+              <a:buAutoNum type="arabicPeriod"/>
+            </a:pPr>
+            <a:r>
+              <a:rPr lang="en-US" dirty="0"/>
+              <a:t>Interpretation of results </a:t>
+            </a:r>
+          </a:p>
+          <a:p>
+            <a:pPr marL="76200" indent="0">
+              <a:buNone/>
+            </a:pPr>
+            <a:endParaRPr lang="en-US" dirty="0"/>
+          </a:p>
+        </p:txBody>
+      </p:sp>
+    </p:spTree>
+    <p:extLst>
+      <p:ext uri="{BB962C8B-B14F-4D97-AF65-F5344CB8AC3E}">
+        <p14:creationId xmlns:p14="http://schemas.microsoft.com/office/powerpoint/2010/main" val="1721185332"/>
+      </p:ext>
+    </p:extLst>
+  </p:cSld>
+  <p:clrMapOvr>
+    <a:masterClrMapping/>
+  </p:clrMapOvr>
+</p:sld>
+</file>
+
+<file path=ppt/slides/slide14.xml><?xml version="1.0" encoding="utf-8"?>
+<p:sld xmlns:a="http://schemas.openxmlformats.org/drawingml/2006/main" xmlns:r="http://schemas.openxmlformats.org/officeDocument/2006/relationships" xmlns:p="http://schemas.openxmlformats.org/presentationml/2006/main">
+  <p:cSld>
+    <p:spTree>
+      <p:nvGrpSpPr>
+        <p:cNvPr id="1" name=""/>
+        <p:cNvGrpSpPr/>
+        <p:nvPr/>
+      </p:nvGrpSpPr>
+      <p:grpSpPr>
+        <a:xfrm>
+          <a:off x="0" y="0"/>
+          <a:ext cx="0" cy="0"/>
+          <a:chOff x="0" y="0"/>
+          <a:chExt cx="0" cy="0"/>
+        </a:xfrm>
+      </p:grpSpPr>
+      <p:sp>
+        <p:nvSpPr>
+          <p:cNvPr id="8194" name="Rectangle 2"/>
+          <p:cNvSpPr>
+            <a:spLocks noGrp="1" noChangeArrowheads="1"/>
+          </p:cNvSpPr>
+          <p:nvPr>
+            <p:ph type="title"/>
+          </p:nvPr>
+        </p:nvSpPr>
+        <p:spPr/>
+        <p:txBody>
+          <a:bodyPr/>
+          <a:lstStyle/>
+          <a:p>
+            <a:r>
+              <a:rPr lang="en-US" altLang="en-US" dirty="0"/>
+              <a:t> Some tips for exploring your project data</a:t>
+            </a:r>
+          </a:p>
+        </p:txBody>
+      </p:sp>
+      <p:sp>
+        <p:nvSpPr>
+          <p:cNvPr id="8195" name="Rectangle 3"/>
+          <p:cNvSpPr>
+            <a:spLocks noGrp="1" noChangeArrowheads="1"/>
+          </p:cNvSpPr>
+          <p:nvPr>
+            <p:ph type="body" idx="1"/>
+          </p:nvPr>
+        </p:nvSpPr>
+        <p:spPr>
+          <a:xfrm>
+            <a:off x="121458" y="1536633"/>
+            <a:ext cx="11948984" cy="4876524"/>
+          </a:xfrm>
+        </p:spPr>
+        <p:txBody>
+          <a:bodyPr/>
+          <a:lstStyle/>
+          <a:p>
+            <a:pPr>
+              <a:lnSpc>
+                <a:spcPct val="120000"/>
+              </a:lnSpc>
+            </a:pPr>
+            <a:r>
+              <a:rPr lang="en-US" b="1" dirty="0"/>
+              <a:t>Tables</a:t>
+            </a:r>
+            <a:r>
+              <a:rPr lang="en-US" dirty="0"/>
+              <a:t>: identify the database tables that are most relevant to your problem</a:t>
+            </a:r>
+          </a:p>
+          <a:p>
+            <a:pPr>
+              <a:lnSpc>
+                <a:spcPct val="120000"/>
+              </a:lnSpc>
+            </a:pPr>
+            <a:r>
+              <a:rPr lang="en-US" b="1" dirty="0"/>
+              <a:t>Entities</a:t>
+            </a:r>
+            <a:r>
+              <a:rPr lang="en-US" dirty="0"/>
+              <a:t>: How can you identify the primary entities from your project? What are some basic/relevant characteristics about them? How have those changed over time?</a:t>
+            </a:r>
+          </a:p>
+          <a:p>
+            <a:pPr>
+              <a:lnSpc>
+                <a:spcPct val="120000"/>
+              </a:lnSpc>
+            </a:pPr>
+            <a:r>
+              <a:rPr lang="en-US" b="1" dirty="0"/>
+              <a:t>Fields</a:t>
+            </a:r>
+            <a:r>
+              <a:rPr lang="en-US" dirty="0"/>
+              <a:t>: Most projects have a lot of different data fields, but don’t feel like your initial exploration needs to understand everything</a:t>
+            </a:r>
+          </a:p>
+          <a:p>
+            <a:pPr>
+              <a:lnSpc>
+                <a:spcPct val="120000"/>
+              </a:lnSpc>
+            </a:pPr>
+            <a:r>
+              <a:rPr lang="en-US" b="1" dirty="0"/>
+              <a:t>Label</a:t>
+            </a:r>
+            <a:r>
+              <a:rPr lang="en-US" dirty="0"/>
+              <a:t>: Think about how you might define your label? What can you say about its distribution and how it’s changed over time?</a:t>
+            </a:r>
+          </a:p>
+          <a:p>
+            <a:pPr>
+              <a:lnSpc>
+                <a:spcPct val="120000"/>
+              </a:lnSpc>
+            </a:pPr>
+            <a:r>
+              <a:rPr lang="en-US" dirty="0">
+                <a:effectLst/>
+              </a:rPr>
+              <a:t>Based on what you know of the context, what information would you expect to be important in modeling? Is this available? How well does it correlate with your label?</a:t>
+            </a:r>
+          </a:p>
+        </p:txBody>
+      </p:sp>
+    </p:spTree>
+    <p:extLst>
+      <p:ext uri="{BB962C8B-B14F-4D97-AF65-F5344CB8AC3E}">
+        <p14:creationId xmlns:p14="http://schemas.microsoft.com/office/powerpoint/2010/main" val="367351454"/>
+      </p:ext>
+    </p:extLst>
+  </p:cSld>
+  <p:clrMapOvr>
+    <a:masterClrMapping/>
+  </p:clrMapOvr>
+</p:sld>
+</file>
+
+<file path=ppt/slides/slide15.xml><?xml version="1.0" encoding="utf-8"?>
+<p:sld xmlns:a="http://schemas.openxmlformats.org/drawingml/2006/main" xmlns:r="http://schemas.openxmlformats.org/officeDocument/2006/relationships" xmlns:p="http://schemas.openxmlformats.org/presentationml/2006/main">
+  <p:cSld>
+    <p:spTree>
+      <p:nvGrpSpPr>
+        <p:cNvPr id="1" name=""/>
+        <p:cNvGrpSpPr/>
+        <p:nvPr/>
+      </p:nvGrpSpPr>
+      <p:grpSpPr>
+        <a:xfrm>
+          <a:off x="0" y="0"/>
+          <a:ext cx="0" cy="0"/>
+          <a:chOff x="0" y="0"/>
+          <a:chExt cx="0" cy="0"/>
+        </a:xfrm>
+      </p:grpSpPr>
+      <p:sp>
+        <p:nvSpPr>
+          <p:cNvPr id="2" name="Title 1">
+            <a:extLst>
+              <a:ext uri="{FF2B5EF4-FFF2-40B4-BE49-F238E27FC236}">
+                <a16:creationId xmlns:a16="http://schemas.microsoft.com/office/drawing/2014/main" id="{C8E60A25-02BD-674B-9661-DF031B0CB52C}"/>
+              </a:ext>
+            </a:extLst>
+          </p:cNvPr>
+          <p:cNvSpPr>
+            <a:spLocks noGrp="1"/>
+          </p:cNvSpPr>
+          <p:nvPr>
+            <p:ph type="title"/>
+          </p:nvPr>
+        </p:nvSpPr>
+        <p:spPr/>
+        <p:txBody>
+          <a:bodyPr/>
+          <a:lstStyle/>
+          <a:p>
+            <a:r>
+              <a:rPr lang="en-US" dirty="0"/>
+              <a:t>Typical data exploration tasks</a:t>
+            </a:r>
+          </a:p>
+        </p:txBody>
+      </p:sp>
+      <p:sp>
+        <p:nvSpPr>
+          <p:cNvPr id="3" name="Text Placeholder 2">
+            <a:extLst>
+              <a:ext uri="{FF2B5EF4-FFF2-40B4-BE49-F238E27FC236}">
+                <a16:creationId xmlns:a16="http://schemas.microsoft.com/office/drawing/2014/main" id="{B47464FC-F480-BD4E-8C73-EA0095EB65C0}"/>
+              </a:ext>
+            </a:extLst>
+          </p:cNvPr>
+          <p:cNvSpPr>
+            <a:spLocks noGrp="1"/>
+          </p:cNvSpPr>
+          <p:nvPr>
+            <p:ph type="body" idx="1"/>
+          </p:nvPr>
+        </p:nvSpPr>
+        <p:spPr/>
+        <p:txBody>
+          <a:bodyPr/>
+          <a:lstStyle/>
+          <a:p>
+            <a:r>
+              <a:rPr lang="en-US" dirty="0"/>
+              <a:t>Distributions of different variables </a:t>
+            </a:r>
+          </a:p>
+          <a:p>
+            <a:r>
+              <a:rPr lang="en-US" dirty="0"/>
+              <a:t>Correlations between variables – correlation matrix and turn it into a heatmap </a:t>
+            </a:r>
+          </a:p>
+          <a:p>
+            <a:r>
+              <a:rPr lang="en-US" dirty="0"/>
+              <a:t>Changes and trends over time – how does the data and the entities in the data change over time?</a:t>
+            </a:r>
+          </a:p>
+          <a:p>
+            <a:r>
+              <a:rPr lang="en-US" dirty="0"/>
+              <a:t>Missing values – are there lots of missing values? Is there any pattern there? How/why are they missing? </a:t>
+            </a:r>
+          </a:p>
+          <a:p>
+            <a:r>
+              <a:rPr lang="en-US" dirty="0"/>
+              <a:t>Outliers – this can be done using clustering but also by plotting distributions.</a:t>
+            </a:r>
+          </a:p>
+          <a:p>
+            <a:r>
+              <a:rPr lang="en-US" dirty="0"/>
+              <a:t>Labels/Outcomes – distribution and patterns</a:t>
+            </a:r>
+          </a:p>
+          <a:p>
+            <a:r>
+              <a:rPr lang="en-US" dirty="0"/>
+              <a:t>Cross-tabs (if you’re looking at multiple classes/labels), describing how the positive and negative classes are different without doing any machine learning.</a:t>
+            </a:r>
+          </a:p>
+        </p:txBody>
+      </p:sp>
+    </p:spTree>
+    <p:extLst>
+      <p:ext uri="{BB962C8B-B14F-4D97-AF65-F5344CB8AC3E}">
+        <p14:creationId xmlns:p14="http://schemas.microsoft.com/office/powerpoint/2010/main" val="4069897732"/>
+      </p:ext>
+    </p:extLst>
+  </p:cSld>
+  <p:clrMapOvr>
+    <a:masterClrMapping/>
+  </p:clrMapOvr>
+</p:sld>
+</file>
+
+<file path=ppt/slides/slide16.xml><?xml version="1.0" encoding="utf-8"?>
+<p:sld xmlns:a="http://schemas.openxmlformats.org/drawingml/2006/main" xmlns:r="http://schemas.openxmlformats.org/officeDocument/2006/relationships" xmlns:p="http://schemas.openxmlformats.org/presentationml/2006/main">
+  <p:cSld>
+    <p:spTree>
+      <p:nvGrpSpPr>
+        <p:cNvPr id="1" name=""/>
+        <p:cNvGrpSpPr/>
+        <p:nvPr/>
+      </p:nvGrpSpPr>
+      <p:grpSpPr>
+        <a:xfrm>
+          <a:off x="0" y="0"/>
+          <a:ext cx="0" cy="0"/>
+          <a:chOff x="0" y="0"/>
+          <a:chExt cx="0" cy="0"/>
+        </a:xfrm>
+      </p:grpSpPr>
+      <p:pic>
+        <p:nvPicPr>
+          <p:cNvPr id="9" name="Picture 8">
+            <a:extLst>
+              <a:ext uri="{FF2B5EF4-FFF2-40B4-BE49-F238E27FC236}">
+                <a16:creationId xmlns:a16="http://schemas.microsoft.com/office/drawing/2014/main" id="{3DF3CE1F-439A-864A-85F9-7ECA76CADBF5}"/>
+              </a:ext>
+            </a:extLst>
+          </p:cNvPr>
+          <p:cNvPicPr>
+            <a:picLocks noChangeAspect="1"/>
+          </p:cNvPicPr>
+          <p:nvPr/>
+        </p:nvPicPr>
+        <p:blipFill>
+          <a:blip r:embed="rId2"/>
+          <a:stretch>
+            <a:fillRect/>
+          </a:stretch>
+        </p:blipFill>
+        <p:spPr>
+          <a:xfrm>
+            <a:off x="2253318" y="80445"/>
+            <a:ext cx="7685364" cy="6697109"/>
+          </a:xfrm>
+          <a:prstGeom prst="rect">
+            <a:avLst/>
+          </a:prstGeom>
+        </p:spPr>
+      </p:pic>
+    </p:spTree>
+    <p:extLst>
+      <p:ext uri="{BB962C8B-B14F-4D97-AF65-F5344CB8AC3E}">
+        <p14:creationId xmlns:p14="http://schemas.microsoft.com/office/powerpoint/2010/main" val="1278687259"/>
+      </p:ext>
+    </p:extLst>
+  </p:cSld>
+  <p:clrMapOvr>
+    <a:masterClrMapping/>
+  </p:clrMapOvr>
+</p:sld>
+</file>
+
+<file path=ppt/slides/slide17.xml><?xml version="1.0" encoding="utf-8"?>
+<p:sld xmlns:a="http://schemas.openxmlformats.org/drawingml/2006/main" xmlns:r="http://schemas.openxmlformats.org/officeDocument/2006/relationships" xmlns:p="http://schemas.openxmlformats.org/presentationml/2006/main">
+  <p:cSld>
+    <p:spTree>
+      <p:nvGrpSpPr>
+        <p:cNvPr id="1" name=""/>
+        <p:cNvGrpSpPr/>
+        <p:nvPr/>
+      </p:nvGrpSpPr>
+      <p:grpSpPr>
+        <a:xfrm>
+          <a:off x="0" y="0"/>
+          <a:ext cx="0" cy="0"/>
+          <a:chOff x="0" y="0"/>
+          <a:chExt cx="0" cy="0"/>
+        </a:xfrm>
+      </p:grpSpPr>
+      <p:pic>
+        <p:nvPicPr>
+          <p:cNvPr id="1025" name="Picture 1" descr="page7image820992">
+            <a:extLst>
+              <a:ext uri="{FF2B5EF4-FFF2-40B4-BE49-F238E27FC236}">
+                <a16:creationId xmlns:a16="http://schemas.microsoft.com/office/drawing/2014/main" id="{C81F5E0F-0DF3-8A42-BCBD-633CA220A6F5}"/>
+              </a:ext>
+            </a:extLst>
+          </p:cNvPr>
+          <p:cNvPicPr>
+            <a:picLocks noChangeAspect="1" noChangeArrowheads="1"/>
+          </p:cNvPicPr>
+          <p:nvPr/>
+        </p:nvPicPr>
+        <p:blipFill>
+          <a:blip r:embed="rId2">
+            <a:extLst>
+              <a:ext uri="{28A0092B-C50C-407E-A947-70E740481C1C}">
+                <a14:useLocalDpi xmlns:a14="http://schemas.microsoft.com/office/drawing/2010/main" val="0"/>
+              </a:ext>
+            </a:extLst>
+          </a:blip>
+          <a:srcRect/>
+          <a:stretch>
+            <a:fillRect/>
+          </a:stretch>
+        </p:blipFill>
+        <p:spPr bwMode="auto">
+          <a:xfrm>
+            <a:off x="0" y="0"/>
+            <a:ext cx="12192000" cy="6858000"/>
+          </a:xfrm>
+          <a:prstGeom prst="rect">
+            <a:avLst/>
+          </a:prstGeom>
+          <a:noFill/>
+          <a:extLst>
+            <a:ext uri="{909E8E84-426E-40DD-AFC4-6F175D3DCCD1}">
+              <a14:hiddenFill xmlns:a14="http://schemas.microsoft.com/office/drawing/2010/main">
+                <a:solidFill>
+                  <a:srgbClr val="FFFFFF"/>
+                </a:solidFill>
+              </a14:hiddenFill>
+            </a:ext>
+          </a:extLst>
+        </p:spPr>
+      </p:pic>
+    </p:spTree>
+    <p:extLst>
+      <p:ext uri="{BB962C8B-B14F-4D97-AF65-F5344CB8AC3E}">
+        <p14:creationId xmlns:p14="http://schemas.microsoft.com/office/powerpoint/2010/main" val="2029549567"/>
+      </p:ext>
+    </p:extLst>
+  </p:cSld>
+  <p:clrMapOvr>
+    <a:masterClrMapping/>
+  </p:clrMapOvr>
+</p:sld>
+</file>
+
+<file path=ppt/slides/slide18.xml><?xml version="1.0" encoding="utf-8"?>
+<p:sld xmlns:a="http://schemas.openxmlformats.org/drawingml/2006/main" xmlns:r="http://schemas.openxmlformats.org/officeDocument/2006/relationships" xmlns:p="http://schemas.openxmlformats.org/presentationml/2006/main">
+  <p:cSld>
+    <p:spTree>
+      <p:nvGrpSpPr>
+        <p:cNvPr id="1" name=""/>
+        <p:cNvGrpSpPr/>
+        <p:nvPr/>
+      </p:nvGrpSpPr>
+      <p:grpSpPr>
+        <a:xfrm>
+          <a:off x="0" y="0"/>
+          <a:ext cx="0" cy="0"/>
+          <a:chOff x="0" y="0"/>
+          <a:chExt cx="0" cy="0"/>
+        </a:xfrm>
+      </p:grpSpPr>
+      <p:sp>
+        <p:nvSpPr>
           <p:cNvPr id="7170" name="Rectangle 2"/>
           <p:cNvSpPr>
             <a:spLocks noGrp="1" noChangeArrowheads="1"/>
@@ -12195,7 +13169,7 @@
 </p:sld>
 </file>
 
-<file path=ppt/slides/slide11.xml><?xml version="1.0" encoding="utf-8"?>
+<file path=ppt/slides/slide19.xml><?xml version="1.0" encoding="utf-8"?>
 <p:sld xmlns:a="http://schemas.openxmlformats.org/drawingml/2006/main" xmlns:r="http://schemas.openxmlformats.org/officeDocument/2006/relationships" xmlns:p="http://schemas.openxmlformats.org/presentationml/2006/main">
   <p:cSld>
     <p:spTree>
@@ -12290,7 +13264,1251 @@
 </p:sld>
 </file>
 
-<file path=ppt/slides/slide12.xml><?xml version="1.0" encoding="utf-8"?>
+<file path=ppt/slides/slide2.xml><?xml version="1.0" encoding="utf-8"?>
+<p:sld xmlns:a="http://schemas.openxmlformats.org/drawingml/2006/main" xmlns:r="http://schemas.openxmlformats.org/officeDocument/2006/relationships" xmlns:p="http://schemas.openxmlformats.org/presentationml/2006/main">
+  <p:cSld>
+    <p:spTree>
+      <p:nvGrpSpPr>
+        <p:cNvPr id="1" name=""/>
+        <p:cNvGrpSpPr/>
+        <p:nvPr/>
+      </p:nvGrpSpPr>
+      <p:grpSpPr>
+        <a:xfrm>
+          <a:off x="0" y="0"/>
+          <a:ext cx="0" cy="0"/>
+          <a:chOff x="0" y="0"/>
+          <a:chExt cx="0" cy="0"/>
+        </a:xfrm>
+      </p:grpSpPr>
+      <p:sp>
+        <p:nvSpPr>
+          <p:cNvPr id="4" name="Text Placeholder 3">
+            <a:extLst>
+              <a:ext uri="{FF2B5EF4-FFF2-40B4-BE49-F238E27FC236}">
+                <a16:creationId xmlns:a16="http://schemas.microsoft.com/office/drawing/2014/main" id="{5E600BA7-FA45-884F-9820-9E5F2CB7AA48}"/>
+              </a:ext>
+            </a:extLst>
+          </p:cNvPr>
+          <p:cNvSpPr>
+            <a:spLocks noGrp="1"/>
+          </p:cNvSpPr>
+          <p:nvPr>
+            <p:ph type="body" idx="1"/>
+          </p:nvPr>
+        </p:nvSpPr>
+        <p:spPr>
+          <a:xfrm>
+            <a:off x="415650" y="2724664"/>
+            <a:ext cx="11360700" cy="1408672"/>
+          </a:xfrm>
+        </p:spPr>
+        <p:txBody>
+          <a:bodyPr/>
+          <a:lstStyle/>
+          <a:p>
+            <a:pPr marL="76200" indent="0" algn="ctr">
+              <a:buNone/>
+            </a:pPr>
+            <a:r>
+              <a:rPr lang="en-US" sz="4800" dirty="0"/>
+              <a:t>Please Sit with </a:t>
+            </a:r>
+          </a:p>
+          <a:p>
+            <a:pPr marL="76200" indent="0" algn="ctr">
+              <a:buNone/>
+            </a:pPr>
+            <a:r>
+              <a:rPr lang="en-US" sz="4800" dirty="0"/>
+              <a:t>Your Project Teams</a:t>
+            </a:r>
+          </a:p>
+        </p:txBody>
+      </p:sp>
+    </p:spTree>
+    <p:extLst>
+      <p:ext uri="{BB962C8B-B14F-4D97-AF65-F5344CB8AC3E}">
+        <p14:creationId xmlns:p14="http://schemas.microsoft.com/office/powerpoint/2010/main" val="134665013"/>
+      </p:ext>
+    </p:extLst>
+  </p:cSld>
+  <p:clrMapOvr>
+    <a:masterClrMapping/>
+  </p:clrMapOvr>
+</p:sld>
+</file>
+
+<file path=ppt/slides/slide20.xml><?xml version="1.0" encoding="utf-8"?>
+<p:sld xmlns:a="http://schemas.openxmlformats.org/drawingml/2006/main" xmlns:r="http://schemas.openxmlformats.org/officeDocument/2006/relationships" xmlns:p="http://schemas.openxmlformats.org/presentationml/2006/main">
+  <p:cSld>
+    <p:spTree>
+      <p:nvGrpSpPr>
+        <p:cNvPr id="1" name=""/>
+        <p:cNvGrpSpPr/>
+        <p:nvPr/>
+      </p:nvGrpSpPr>
+      <p:grpSpPr>
+        <a:xfrm>
+          <a:off x="0" y="0"/>
+          <a:ext cx="0" cy="0"/>
+          <a:chOff x="0" y="0"/>
+          <a:chExt cx="0" cy="0"/>
+        </a:xfrm>
+      </p:grpSpPr>
+      <p:sp>
+        <p:nvSpPr>
+          <p:cNvPr id="4" name="Text Placeholder 3">
+            <a:extLst>
+              <a:ext uri="{FF2B5EF4-FFF2-40B4-BE49-F238E27FC236}">
+                <a16:creationId xmlns:a16="http://schemas.microsoft.com/office/drawing/2014/main" id="{5E600BA7-FA45-884F-9820-9E5F2CB7AA48}"/>
+              </a:ext>
+            </a:extLst>
+          </p:cNvPr>
+          <p:cNvSpPr>
+            <a:spLocks noGrp="1"/>
+          </p:cNvSpPr>
+          <p:nvPr>
+            <p:ph type="body" idx="1"/>
+          </p:nvPr>
+        </p:nvSpPr>
+        <p:spPr>
+          <a:xfrm>
+            <a:off x="415650" y="2452813"/>
+            <a:ext cx="11360700" cy="1408672"/>
+          </a:xfrm>
+        </p:spPr>
+        <p:txBody>
+          <a:bodyPr/>
+          <a:lstStyle/>
+          <a:p>
+            <a:pPr marL="76200" indent="0" algn="ctr">
+              <a:buNone/>
+            </a:pPr>
+            <a:r>
+              <a:rPr lang="en-US" sz="4800" dirty="0"/>
+              <a:t>Data Exploration Example:</a:t>
+            </a:r>
+          </a:p>
+          <a:p>
+            <a:pPr marL="76200" indent="0" algn="ctr">
+              <a:buNone/>
+            </a:pPr>
+            <a:r>
+              <a:rPr lang="en-US" sz="4800" dirty="0"/>
+              <a:t>Mental Health Interventions </a:t>
+            </a:r>
+          </a:p>
+          <a:p>
+            <a:pPr marL="76200" indent="0" algn="ctr">
+              <a:buNone/>
+            </a:pPr>
+            <a:r>
+              <a:rPr lang="en-US" sz="4800" dirty="0"/>
+              <a:t>to Reduce Jail Re-Incarceration</a:t>
+            </a:r>
+          </a:p>
+        </p:txBody>
+      </p:sp>
+    </p:spTree>
+    <p:extLst>
+      <p:ext uri="{BB962C8B-B14F-4D97-AF65-F5344CB8AC3E}">
+        <p14:creationId xmlns:p14="http://schemas.microsoft.com/office/powerpoint/2010/main" val="4155436006"/>
+      </p:ext>
+    </p:extLst>
+  </p:cSld>
+  <p:clrMapOvr>
+    <a:masterClrMapping/>
+  </p:clrMapOvr>
+</p:sld>
+</file>
+
+<file path=ppt/slides/slide21.xml><?xml version="1.0" encoding="utf-8"?>
+<p:sld xmlns:a="http://schemas.openxmlformats.org/drawingml/2006/main" xmlns:r="http://schemas.openxmlformats.org/officeDocument/2006/relationships" xmlns:p="http://schemas.openxmlformats.org/presentationml/2006/main">
+  <p:cSld>
+    <p:spTree>
+      <p:nvGrpSpPr>
+        <p:cNvPr id="1" name="Shape 241"/>
+        <p:cNvGrpSpPr/>
+        <p:nvPr/>
+      </p:nvGrpSpPr>
+      <p:grpSpPr>
+        <a:xfrm>
+          <a:off x="0" y="0"/>
+          <a:ext cx="0" cy="0"/>
+          <a:chOff x="0" y="0"/>
+          <a:chExt cx="0" cy="0"/>
+        </a:xfrm>
+      </p:grpSpPr>
+      <p:pic>
+        <p:nvPicPr>
+          <p:cNvPr id="242" name="Google Shape;242;p26" descr="https://lh6.googleusercontent.com/oEnlIneMEAScc4jMXTqyGYQy41dB_T0BxgBL6JnugHt3sRJldP-o38aSyyr_Pnz6qMbGYvAeroffVqyPgurMlUUtDGqCaO65V0YXtdKoDEKQ5DGBjRZAKn4IU1LthlcUmBJa6d6BuBs"/>
+          <p:cNvPicPr preferRelativeResize="0"/>
+          <p:nvPr/>
+        </p:nvPicPr>
+        <p:blipFill rotWithShape="1">
+          <a:blip r:embed="rId3">
+            <a:alphaModFix amt="41000"/>
+          </a:blip>
+          <a:srcRect t="2222" b="8872"/>
+          <a:stretch/>
+        </p:blipFill>
+        <p:spPr>
+          <a:xfrm>
+            <a:off x="1" y="1"/>
+            <a:ext cx="12192001" cy="6857999"/>
+          </a:xfrm>
+          <a:prstGeom prst="rect">
+            <a:avLst/>
+          </a:prstGeom>
+          <a:noFill/>
+          <a:ln>
+            <a:noFill/>
+          </a:ln>
+        </p:spPr>
+      </p:pic>
+      <p:sp>
+        <p:nvSpPr>
+          <p:cNvPr id="243" name="Google Shape;243;p26"/>
+          <p:cNvSpPr/>
+          <p:nvPr/>
+        </p:nvSpPr>
+        <p:spPr>
+          <a:xfrm>
+            <a:off x="737471" y="1084033"/>
+            <a:ext cx="4244000" cy="4991200"/>
+          </a:xfrm>
+          <a:prstGeom prst="rect">
+            <a:avLst/>
+          </a:prstGeom>
+          <a:solidFill>
+            <a:schemeClr val="lt1">
+              <a:alpha val="69800"/>
+            </a:schemeClr>
+          </a:solidFill>
+          <a:ln>
+            <a:noFill/>
+          </a:ln>
+        </p:spPr>
+        <p:txBody>
+          <a:bodyPr spcFirstLastPara="1" wrap="square" lIns="121900" tIns="60933" rIns="121900" bIns="60933" anchor="ctr" anchorCtr="0">
+            <a:noAutofit/>
+          </a:bodyPr>
+          <a:lstStyle/>
+          <a:p>
+            <a:pPr algn="ctr"/>
+            <a:endParaRPr sz="2400">
+              <a:solidFill>
+                <a:schemeClr val="lt1"/>
+              </a:solidFill>
+              <a:latin typeface="Calibri"/>
+              <a:ea typeface="Calibri"/>
+              <a:cs typeface="Calibri"/>
+              <a:sym typeface="Calibri"/>
+            </a:endParaRPr>
+          </a:p>
+        </p:txBody>
+      </p:sp>
+      <p:grpSp>
+        <p:nvGrpSpPr>
+          <p:cNvPr id="244" name="Google Shape;244;p26"/>
+          <p:cNvGrpSpPr/>
+          <p:nvPr/>
+        </p:nvGrpSpPr>
+        <p:grpSpPr>
+          <a:xfrm>
+            <a:off x="956020" y="1068681"/>
+            <a:ext cx="6096000" cy="4636364"/>
+            <a:chOff x="272718" y="680868"/>
+            <a:chExt cx="4572000" cy="3477273"/>
+          </a:xfrm>
+        </p:grpSpPr>
+        <p:grpSp>
+          <p:nvGrpSpPr>
+            <p:cNvPr id="245" name="Google Shape;245;p26"/>
+            <p:cNvGrpSpPr/>
+            <p:nvPr/>
+          </p:nvGrpSpPr>
+          <p:grpSpPr>
+            <a:xfrm>
+              <a:off x="272718" y="680868"/>
+              <a:ext cx="4572000" cy="671662"/>
+              <a:chOff x="436346" y="319921"/>
+              <a:chExt cx="4572000" cy="671662"/>
+            </a:xfrm>
+          </p:grpSpPr>
+          <p:sp>
+            <p:nvSpPr>
+              <p:cNvPr id="246" name="Google Shape;246;p26"/>
+              <p:cNvSpPr/>
+              <p:nvPr/>
+            </p:nvSpPr>
+            <p:spPr>
+              <a:xfrm>
+                <a:off x="436346" y="319921"/>
+                <a:ext cx="2836200" cy="480000"/>
+              </a:xfrm>
+              <a:prstGeom prst="rect">
+                <a:avLst/>
+              </a:prstGeom>
+              <a:noFill/>
+              <a:ln>
+                <a:noFill/>
+              </a:ln>
+            </p:spPr>
+            <p:txBody>
+              <a:bodyPr spcFirstLastPara="1" wrap="square" lIns="121900" tIns="60933" rIns="121900" bIns="60933" anchor="t" anchorCtr="0">
+                <a:noAutofit/>
+              </a:bodyPr>
+              <a:lstStyle/>
+              <a:p>
+                <a:pPr>
+                  <a:lnSpc>
+                    <a:spcPct val="90000"/>
+                  </a:lnSpc>
+                </a:pPr>
+                <a:r>
+                  <a:rPr lang="en" sz="3733" b="1">
+                    <a:solidFill>
+                      <a:srgbClr val="800000"/>
+                    </a:solidFill>
+                  </a:rPr>
+                  <a:t>11 MILLION</a:t>
+                </a:r>
+                <a:endParaRPr sz="1867"/>
+              </a:p>
+            </p:txBody>
+          </p:sp>
+          <p:sp>
+            <p:nvSpPr>
+              <p:cNvPr id="247" name="Google Shape;247;p26"/>
+              <p:cNvSpPr/>
+              <p:nvPr/>
+            </p:nvSpPr>
+            <p:spPr>
+              <a:xfrm>
+                <a:off x="436346" y="732983"/>
+                <a:ext cx="4572000" cy="258600"/>
+              </a:xfrm>
+              <a:prstGeom prst="rect">
+                <a:avLst/>
+              </a:prstGeom>
+              <a:noFill/>
+              <a:ln>
+                <a:noFill/>
+              </a:ln>
+            </p:spPr>
+            <p:txBody>
+              <a:bodyPr spcFirstLastPara="1" wrap="square" lIns="121900" tIns="60933" rIns="121900" bIns="60933" anchor="t" anchorCtr="0">
+                <a:noAutofit/>
+              </a:bodyPr>
+              <a:lstStyle/>
+              <a:p>
+                <a:pPr>
+                  <a:lnSpc>
+                    <a:spcPct val="90000"/>
+                  </a:lnSpc>
+                </a:pPr>
+                <a:r>
+                  <a:rPr lang="en" sz="1600">
+                    <a:solidFill>
+                      <a:schemeClr val="dk1"/>
+                    </a:solidFill>
+                  </a:rPr>
+                  <a:t>people move through 3,100 Jails</a:t>
+                </a:r>
+                <a:endParaRPr sz="1867"/>
+              </a:p>
+            </p:txBody>
+          </p:sp>
+        </p:grpSp>
+        <p:grpSp>
+          <p:nvGrpSpPr>
+            <p:cNvPr id="248" name="Google Shape;248;p26"/>
+            <p:cNvGrpSpPr/>
+            <p:nvPr/>
+          </p:nvGrpSpPr>
+          <p:grpSpPr>
+            <a:xfrm>
+              <a:off x="272718" y="1403235"/>
+              <a:ext cx="3538800" cy="664136"/>
+              <a:chOff x="436345" y="1303132"/>
+              <a:chExt cx="3538800" cy="664136"/>
+            </a:xfrm>
+          </p:grpSpPr>
+          <p:sp>
+            <p:nvSpPr>
+              <p:cNvPr id="249" name="Google Shape;249;p26"/>
+              <p:cNvSpPr/>
+              <p:nvPr/>
+            </p:nvSpPr>
+            <p:spPr>
+              <a:xfrm>
+                <a:off x="436345" y="1708668"/>
+                <a:ext cx="628800" cy="258600"/>
+              </a:xfrm>
+              <a:prstGeom prst="rect">
+                <a:avLst/>
+              </a:prstGeom>
+              <a:noFill/>
+              <a:ln>
+                <a:noFill/>
+              </a:ln>
+            </p:spPr>
+            <p:txBody>
+              <a:bodyPr spcFirstLastPara="1" wrap="square" lIns="121900" tIns="60933" rIns="121900" bIns="60933" anchor="t" anchorCtr="0">
+                <a:noAutofit/>
+              </a:bodyPr>
+              <a:lstStyle/>
+              <a:p>
+                <a:pPr>
+                  <a:lnSpc>
+                    <a:spcPct val="90000"/>
+                  </a:lnSpc>
+                </a:pPr>
+                <a:r>
+                  <a:rPr lang="en" sz="1600">
+                    <a:solidFill>
+                      <a:schemeClr val="dk1"/>
+                    </a:solidFill>
+                  </a:rPr>
+                  <a:t>in cost</a:t>
+                </a:r>
+                <a:endParaRPr sz="1867"/>
+              </a:p>
+            </p:txBody>
+          </p:sp>
+          <p:sp>
+            <p:nvSpPr>
+              <p:cNvPr id="250" name="Google Shape;250;p26"/>
+              <p:cNvSpPr/>
+              <p:nvPr/>
+            </p:nvSpPr>
+            <p:spPr>
+              <a:xfrm>
+                <a:off x="436345" y="1303132"/>
+                <a:ext cx="3538800" cy="480000"/>
+              </a:xfrm>
+              <a:prstGeom prst="rect">
+                <a:avLst/>
+              </a:prstGeom>
+              <a:noFill/>
+              <a:ln>
+                <a:noFill/>
+              </a:ln>
+            </p:spPr>
+            <p:txBody>
+              <a:bodyPr spcFirstLastPara="1" wrap="square" lIns="121900" tIns="60933" rIns="121900" bIns="60933" anchor="t" anchorCtr="0">
+                <a:noAutofit/>
+              </a:bodyPr>
+              <a:lstStyle/>
+              <a:p>
+                <a:pPr>
+                  <a:lnSpc>
+                    <a:spcPct val="90000"/>
+                  </a:lnSpc>
+                </a:pPr>
+                <a:r>
+                  <a:rPr lang="en" sz="3733" b="1">
+                    <a:solidFill>
+                      <a:srgbClr val="800000"/>
+                    </a:solidFill>
+                  </a:rPr>
+                  <a:t>$22 BILLION</a:t>
+                </a:r>
+                <a:endParaRPr sz="1867"/>
+              </a:p>
+            </p:txBody>
+          </p:sp>
+        </p:grpSp>
+        <p:grpSp>
+          <p:nvGrpSpPr>
+            <p:cNvPr id="251" name="Google Shape;251;p26"/>
+            <p:cNvGrpSpPr/>
+            <p:nvPr/>
+          </p:nvGrpSpPr>
+          <p:grpSpPr>
+            <a:xfrm>
+              <a:off x="272718" y="2080301"/>
+              <a:ext cx="3538801" cy="653196"/>
+              <a:chOff x="436343" y="2166384"/>
+              <a:chExt cx="3538801" cy="653196"/>
+            </a:xfrm>
+          </p:grpSpPr>
+          <p:sp>
+            <p:nvSpPr>
+              <p:cNvPr id="252" name="Google Shape;252;p26"/>
+              <p:cNvSpPr/>
+              <p:nvPr/>
+            </p:nvSpPr>
+            <p:spPr>
+              <a:xfrm>
+                <a:off x="436343" y="2560980"/>
+                <a:ext cx="1889100" cy="258600"/>
+              </a:xfrm>
+              <a:prstGeom prst="rect">
+                <a:avLst/>
+              </a:prstGeom>
+              <a:noFill/>
+              <a:ln>
+                <a:noFill/>
+              </a:ln>
+            </p:spPr>
+            <p:txBody>
+              <a:bodyPr spcFirstLastPara="1" wrap="square" lIns="121900" tIns="60933" rIns="121900" bIns="60933" anchor="t" anchorCtr="0">
+                <a:noAutofit/>
+              </a:bodyPr>
+              <a:lstStyle/>
+              <a:p>
+                <a:pPr>
+                  <a:lnSpc>
+                    <a:spcPct val="90000"/>
+                  </a:lnSpc>
+                </a:pPr>
+                <a:r>
+                  <a:rPr lang="en" sz="1600">
+                    <a:solidFill>
+                      <a:schemeClr val="dk1"/>
+                    </a:solidFill>
+                  </a:rPr>
+                  <a:t>suffer from mental illness</a:t>
+                </a:r>
+                <a:endParaRPr sz="1867"/>
+              </a:p>
+            </p:txBody>
+          </p:sp>
+          <p:sp>
+            <p:nvSpPr>
+              <p:cNvPr id="253" name="Google Shape;253;p26"/>
+              <p:cNvSpPr/>
+              <p:nvPr/>
+            </p:nvSpPr>
+            <p:spPr>
+              <a:xfrm>
+                <a:off x="436344" y="2166384"/>
+                <a:ext cx="3538800" cy="480000"/>
+              </a:xfrm>
+              <a:prstGeom prst="rect">
+                <a:avLst/>
+              </a:prstGeom>
+              <a:noFill/>
+              <a:ln>
+                <a:noFill/>
+              </a:ln>
+            </p:spPr>
+            <p:txBody>
+              <a:bodyPr spcFirstLastPara="1" wrap="square" lIns="121900" tIns="60933" rIns="121900" bIns="60933" anchor="t" anchorCtr="0">
+                <a:noAutofit/>
+              </a:bodyPr>
+              <a:lstStyle/>
+              <a:p>
+                <a:pPr>
+                  <a:lnSpc>
+                    <a:spcPct val="90000"/>
+                  </a:lnSpc>
+                </a:pPr>
+                <a:r>
+                  <a:rPr lang="en" sz="3733" b="1">
+                    <a:solidFill>
+                      <a:srgbClr val="800000"/>
+                    </a:solidFill>
+                  </a:rPr>
+                  <a:t>64%</a:t>
+                </a:r>
+                <a:endParaRPr sz="1867"/>
+              </a:p>
+            </p:txBody>
+          </p:sp>
+        </p:grpSp>
+        <p:grpSp>
+          <p:nvGrpSpPr>
+            <p:cNvPr id="254" name="Google Shape;254;p26"/>
+            <p:cNvGrpSpPr/>
+            <p:nvPr/>
+          </p:nvGrpSpPr>
+          <p:grpSpPr>
+            <a:xfrm>
+              <a:off x="272718" y="2737620"/>
+              <a:ext cx="3538801" cy="671662"/>
+              <a:chOff x="436343" y="2166384"/>
+              <a:chExt cx="3538801" cy="671662"/>
+            </a:xfrm>
+          </p:grpSpPr>
+          <p:sp>
+            <p:nvSpPr>
+              <p:cNvPr id="255" name="Google Shape;255;p26"/>
+              <p:cNvSpPr/>
+              <p:nvPr/>
+            </p:nvSpPr>
+            <p:spPr>
+              <a:xfrm>
+                <a:off x="436343" y="2579446"/>
+                <a:ext cx="2443200" cy="258600"/>
+              </a:xfrm>
+              <a:prstGeom prst="rect">
+                <a:avLst/>
+              </a:prstGeom>
+              <a:noFill/>
+              <a:ln>
+                <a:noFill/>
+              </a:ln>
+            </p:spPr>
+            <p:txBody>
+              <a:bodyPr spcFirstLastPara="1" wrap="square" lIns="121900" tIns="60933" rIns="121900" bIns="60933" anchor="t" anchorCtr="0">
+                <a:noAutofit/>
+              </a:bodyPr>
+              <a:lstStyle/>
+              <a:p>
+                <a:pPr>
+                  <a:lnSpc>
+                    <a:spcPct val="90000"/>
+                  </a:lnSpc>
+                </a:pPr>
+                <a:r>
+                  <a:rPr lang="en" sz="1600">
+                    <a:solidFill>
+                      <a:schemeClr val="dk1"/>
+                    </a:solidFill>
+                  </a:rPr>
+                  <a:t>have a substance abuse disorder</a:t>
+                </a:r>
+                <a:endParaRPr sz="1867"/>
+              </a:p>
+            </p:txBody>
+          </p:sp>
+          <p:sp>
+            <p:nvSpPr>
+              <p:cNvPr id="256" name="Google Shape;256;p26"/>
+              <p:cNvSpPr/>
+              <p:nvPr/>
+            </p:nvSpPr>
+            <p:spPr>
+              <a:xfrm>
+                <a:off x="436344" y="2166384"/>
+                <a:ext cx="3538800" cy="480000"/>
+              </a:xfrm>
+              <a:prstGeom prst="rect">
+                <a:avLst/>
+              </a:prstGeom>
+              <a:noFill/>
+              <a:ln>
+                <a:noFill/>
+              </a:ln>
+            </p:spPr>
+            <p:txBody>
+              <a:bodyPr spcFirstLastPara="1" wrap="square" lIns="121900" tIns="60933" rIns="121900" bIns="60933" anchor="t" anchorCtr="0">
+                <a:noAutofit/>
+              </a:bodyPr>
+              <a:lstStyle/>
+              <a:p>
+                <a:pPr>
+                  <a:lnSpc>
+                    <a:spcPct val="90000"/>
+                  </a:lnSpc>
+                </a:pPr>
+                <a:r>
+                  <a:rPr lang="en" sz="3733" b="1">
+                    <a:solidFill>
+                      <a:srgbClr val="800000"/>
+                    </a:solidFill>
+                  </a:rPr>
+                  <a:t>68%</a:t>
+                </a:r>
+                <a:endParaRPr sz="1867"/>
+              </a:p>
+            </p:txBody>
+          </p:sp>
+        </p:grpSp>
+        <p:grpSp>
+          <p:nvGrpSpPr>
+            <p:cNvPr id="257" name="Google Shape;257;p26"/>
+            <p:cNvGrpSpPr/>
+            <p:nvPr/>
+          </p:nvGrpSpPr>
+          <p:grpSpPr>
+            <a:xfrm>
+              <a:off x="272718" y="3486478"/>
+              <a:ext cx="3538801" cy="671663"/>
+              <a:chOff x="436343" y="2166384"/>
+              <a:chExt cx="3538801" cy="671663"/>
+            </a:xfrm>
+          </p:grpSpPr>
+          <p:sp>
+            <p:nvSpPr>
+              <p:cNvPr id="258" name="Google Shape;258;p26"/>
+              <p:cNvSpPr/>
+              <p:nvPr/>
+            </p:nvSpPr>
+            <p:spPr>
+              <a:xfrm>
+                <a:off x="436343" y="2579447"/>
+                <a:ext cx="2588100" cy="258600"/>
+              </a:xfrm>
+              <a:prstGeom prst="rect">
+                <a:avLst/>
+              </a:prstGeom>
+              <a:noFill/>
+              <a:ln>
+                <a:noFill/>
+              </a:ln>
+            </p:spPr>
+            <p:txBody>
+              <a:bodyPr spcFirstLastPara="1" wrap="square" lIns="121900" tIns="60933" rIns="121900" bIns="60933" anchor="t" anchorCtr="0">
+                <a:noAutofit/>
+              </a:bodyPr>
+              <a:lstStyle/>
+              <a:p>
+                <a:pPr>
+                  <a:lnSpc>
+                    <a:spcPct val="90000"/>
+                  </a:lnSpc>
+                </a:pPr>
+                <a:r>
+                  <a:rPr lang="en" sz="1600">
+                    <a:solidFill>
+                      <a:schemeClr val="dk1"/>
+                    </a:solidFill>
+                  </a:rPr>
+                  <a:t>suffer from chronic health problems</a:t>
+                </a:r>
+                <a:endParaRPr sz="1867"/>
+              </a:p>
+            </p:txBody>
+          </p:sp>
+          <p:sp>
+            <p:nvSpPr>
+              <p:cNvPr id="259" name="Google Shape;259;p26"/>
+              <p:cNvSpPr/>
+              <p:nvPr/>
+            </p:nvSpPr>
+            <p:spPr>
+              <a:xfrm>
+                <a:off x="436344" y="2166384"/>
+                <a:ext cx="3538800" cy="480000"/>
+              </a:xfrm>
+              <a:prstGeom prst="rect">
+                <a:avLst/>
+              </a:prstGeom>
+              <a:noFill/>
+              <a:ln>
+                <a:noFill/>
+              </a:ln>
+            </p:spPr>
+            <p:txBody>
+              <a:bodyPr spcFirstLastPara="1" wrap="square" lIns="121900" tIns="60933" rIns="121900" bIns="60933" anchor="t" anchorCtr="0">
+                <a:noAutofit/>
+              </a:bodyPr>
+              <a:lstStyle/>
+              <a:p>
+                <a:pPr>
+                  <a:lnSpc>
+                    <a:spcPct val="90000"/>
+                  </a:lnSpc>
+                </a:pPr>
+                <a:r>
+                  <a:rPr lang="en" sz="3733" b="1">
+                    <a:solidFill>
+                      <a:srgbClr val="800000"/>
+                    </a:solidFill>
+                  </a:rPr>
+                  <a:t>44%</a:t>
+                </a:r>
+                <a:endParaRPr sz="1867"/>
+              </a:p>
+            </p:txBody>
+          </p:sp>
+        </p:grpSp>
+      </p:grpSp>
+      <p:sp>
+        <p:nvSpPr>
+          <p:cNvPr id="260" name="Google Shape;260;p26"/>
+          <p:cNvSpPr/>
+          <p:nvPr/>
+        </p:nvSpPr>
+        <p:spPr>
+          <a:xfrm>
+            <a:off x="5182933" y="1098533"/>
+            <a:ext cx="6821600" cy="4991200"/>
+          </a:xfrm>
+          <a:prstGeom prst="rect">
+            <a:avLst/>
+          </a:prstGeom>
+          <a:solidFill>
+            <a:schemeClr val="lt1">
+              <a:alpha val="69800"/>
+            </a:schemeClr>
+          </a:solidFill>
+          <a:ln>
+            <a:noFill/>
+          </a:ln>
+        </p:spPr>
+        <p:txBody>
+          <a:bodyPr spcFirstLastPara="1" wrap="square" lIns="121900" tIns="60933" rIns="121900" bIns="60933" anchor="ctr" anchorCtr="0">
+            <a:noAutofit/>
+          </a:bodyPr>
+          <a:lstStyle/>
+          <a:p>
+            <a:pPr algn="ctr"/>
+            <a:endParaRPr sz="2400">
+              <a:solidFill>
+                <a:schemeClr val="lt1"/>
+              </a:solidFill>
+              <a:latin typeface="Calibri"/>
+              <a:ea typeface="Calibri"/>
+              <a:cs typeface="Calibri"/>
+              <a:sym typeface="Calibri"/>
+            </a:endParaRPr>
+          </a:p>
+        </p:txBody>
+      </p:sp>
+      <p:sp>
+        <p:nvSpPr>
+          <p:cNvPr id="261" name="Google Shape;261;p26"/>
+          <p:cNvSpPr/>
+          <p:nvPr/>
+        </p:nvSpPr>
+        <p:spPr>
+          <a:xfrm>
+            <a:off x="-74620" y="-91265"/>
+            <a:ext cx="9871600" cy="492400"/>
+          </a:xfrm>
+          <a:prstGeom prst="rect">
+            <a:avLst/>
+          </a:prstGeom>
+          <a:noFill/>
+          <a:ln>
+            <a:noFill/>
+          </a:ln>
+        </p:spPr>
+        <p:txBody>
+          <a:bodyPr spcFirstLastPara="1" wrap="square" lIns="121900" tIns="60933" rIns="121900" bIns="60933" anchor="t" anchorCtr="0">
+            <a:noAutofit/>
+          </a:bodyPr>
+          <a:lstStyle/>
+          <a:p>
+            <a:r>
+              <a:rPr lang="en" sz="2400" b="1">
+                <a:solidFill>
+                  <a:srgbClr val="3F3F3F"/>
+                </a:solidFill>
+                <a:latin typeface="Calibri"/>
+                <a:ea typeface="Calibri"/>
+                <a:cs typeface="Calibri"/>
+                <a:sym typeface="Calibri"/>
+              </a:rPr>
+              <a:t>Reducing number of people going to Jail  (Johnson County, KS)</a:t>
+            </a:r>
+            <a:endParaRPr sz="1867"/>
+          </a:p>
+        </p:txBody>
+      </p:sp>
+      <p:sp>
+        <p:nvSpPr>
+          <p:cNvPr id="262" name="Google Shape;262;p26"/>
+          <p:cNvSpPr/>
+          <p:nvPr/>
+        </p:nvSpPr>
+        <p:spPr>
+          <a:xfrm>
+            <a:off x="-74620" y="346561"/>
+            <a:ext cx="12746400" cy="410400"/>
+          </a:xfrm>
+          <a:prstGeom prst="rect">
+            <a:avLst/>
+          </a:prstGeom>
+          <a:noFill/>
+          <a:ln>
+            <a:noFill/>
+          </a:ln>
+        </p:spPr>
+        <p:txBody>
+          <a:bodyPr spcFirstLastPara="1" wrap="square" lIns="121900" tIns="60933" rIns="121900" bIns="60933" anchor="t" anchorCtr="0">
+            <a:noAutofit/>
+          </a:bodyPr>
+          <a:lstStyle/>
+          <a:p>
+            <a:r>
+              <a:rPr lang="en" sz="1867" b="1" i="1">
+                <a:solidFill>
+                  <a:srgbClr val="3F3F3F"/>
+                </a:solidFill>
+                <a:latin typeface="Calibri"/>
+                <a:ea typeface="Calibri"/>
+                <a:cs typeface="Calibri"/>
+                <a:sym typeface="Calibri"/>
+              </a:rPr>
+              <a:t>Reducing Incarceration through Prioritized Interventions. Bauman et. Al. ACM COMPASS 2018</a:t>
+            </a:r>
+            <a:endParaRPr sz="1867" b="1">
+              <a:solidFill>
+                <a:srgbClr val="3F3F3F"/>
+              </a:solidFill>
+              <a:latin typeface="Calibri"/>
+              <a:ea typeface="Calibri"/>
+              <a:cs typeface="Calibri"/>
+              <a:sym typeface="Calibri"/>
+            </a:endParaRPr>
+          </a:p>
+        </p:txBody>
+      </p:sp>
+      <p:sp>
+        <p:nvSpPr>
+          <p:cNvPr id="263" name="Google Shape;263;p26"/>
+          <p:cNvSpPr/>
+          <p:nvPr/>
+        </p:nvSpPr>
+        <p:spPr>
+          <a:xfrm>
+            <a:off x="5545801" y="2569833"/>
+            <a:ext cx="1316400" cy="1173600"/>
+          </a:xfrm>
+          <a:prstGeom prst="rect">
+            <a:avLst/>
+          </a:prstGeom>
+          <a:solidFill>
+            <a:schemeClr val="lt2"/>
+          </a:solidFill>
+          <a:ln w="9525" cap="flat" cmpd="sng">
+            <a:solidFill>
+              <a:srgbClr val="800000"/>
+            </a:solidFill>
+            <a:prstDash val="solid"/>
+            <a:round/>
+            <a:headEnd type="none" w="sm" len="sm"/>
+            <a:tailEnd type="none" w="sm" len="sm"/>
+          </a:ln>
+        </p:spPr>
+        <p:txBody>
+          <a:bodyPr spcFirstLastPara="1" wrap="square" lIns="121900" tIns="121900" rIns="121900" bIns="121900" anchor="ctr" anchorCtr="0">
+            <a:noAutofit/>
+          </a:bodyPr>
+          <a:lstStyle/>
+          <a:p>
+            <a:pPr algn="ctr"/>
+            <a:r>
+              <a:rPr lang="en" sz="1867">
+                <a:latin typeface="Century Gothic"/>
+                <a:ea typeface="Century Gothic"/>
+                <a:cs typeface="Century Gothic"/>
+                <a:sym typeface="Century Gothic"/>
+              </a:rPr>
+              <a:t>UNMET</a:t>
+            </a:r>
+            <a:endParaRPr sz="1867">
+              <a:latin typeface="Century Gothic"/>
+              <a:ea typeface="Century Gothic"/>
+              <a:cs typeface="Century Gothic"/>
+              <a:sym typeface="Century Gothic"/>
+            </a:endParaRPr>
+          </a:p>
+          <a:p>
+            <a:pPr algn="ctr"/>
+            <a:r>
+              <a:rPr lang="en" sz="1867">
+                <a:latin typeface="Century Gothic"/>
+                <a:ea typeface="Century Gothic"/>
+                <a:cs typeface="Century Gothic"/>
+                <a:sym typeface="Century Gothic"/>
+              </a:rPr>
+              <a:t>NEEDS</a:t>
+            </a:r>
+            <a:endParaRPr sz="1867">
+              <a:latin typeface="Century Gothic"/>
+              <a:ea typeface="Century Gothic"/>
+              <a:cs typeface="Century Gothic"/>
+              <a:sym typeface="Century Gothic"/>
+            </a:endParaRPr>
+          </a:p>
+        </p:txBody>
+      </p:sp>
+      <p:sp>
+        <p:nvSpPr>
+          <p:cNvPr id="264" name="Google Shape;264;p26"/>
+          <p:cNvSpPr/>
+          <p:nvPr/>
+        </p:nvSpPr>
+        <p:spPr>
+          <a:xfrm>
+            <a:off x="7935527" y="2569833"/>
+            <a:ext cx="1316400" cy="1173600"/>
+          </a:xfrm>
+          <a:prstGeom prst="rect">
+            <a:avLst/>
+          </a:prstGeom>
+          <a:solidFill>
+            <a:schemeClr val="lt2"/>
+          </a:solidFill>
+          <a:ln w="9525" cap="flat" cmpd="sng">
+            <a:solidFill>
+              <a:srgbClr val="800000"/>
+            </a:solidFill>
+            <a:prstDash val="solid"/>
+            <a:round/>
+            <a:headEnd type="none" w="sm" len="sm"/>
+            <a:tailEnd type="none" w="sm" len="sm"/>
+          </a:ln>
+        </p:spPr>
+        <p:txBody>
+          <a:bodyPr spcFirstLastPara="1" wrap="square" lIns="121900" tIns="121900" rIns="121900" bIns="121900" anchor="ctr" anchorCtr="0">
+            <a:noAutofit/>
+          </a:bodyPr>
+          <a:lstStyle/>
+          <a:p>
+            <a:pPr algn="ctr"/>
+            <a:r>
+              <a:rPr lang="en" sz="1867">
+                <a:latin typeface="Century Gothic"/>
+                <a:ea typeface="Century Gothic"/>
+                <a:cs typeface="Century Gothic"/>
+                <a:sym typeface="Century Gothic"/>
+              </a:rPr>
+              <a:t>ARREST</a:t>
+            </a:r>
+            <a:endParaRPr sz="1867">
+              <a:latin typeface="Century Gothic"/>
+              <a:ea typeface="Century Gothic"/>
+              <a:cs typeface="Century Gothic"/>
+              <a:sym typeface="Century Gothic"/>
+            </a:endParaRPr>
+          </a:p>
+        </p:txBody>
+      </p:sp>
+      <p:sp>
+        <p:nvSpPr>
+          <p:cNvPr id="265" name="Google Shape;265;p26"/>
+          <p:cNvSpPr/>
+          <p:nvPr/>
+        </p:nvSpPr>
+        <p:spPr>
+          <a:xfrm>
+            <a:off x="10325252" y="2569833"/>
+            <a:ext cx="1316400" cy="1173600"/>
+          </a:xfrm>
+          <a:prstGeom prst="rect">
+            <a:avLst/>
+          </a:prstGeom>
+          <a:solidFill>
+            <a:schemeClr val="lt2"/>
+          </a:solidFill>
+          <a:ln w="9525" cap="flat" cmpd="sng">
+            <a:solidFill>
+              <a:srgbClr val="800000"/>
+            </a:solidFill>
+            <a:prstDash val="solid"/>
+            <a:round/>
+            <a:headEnd type="none" w="sm" len="sm"/>
+            <a:tailEnd type="none" w="sm" len="sm"/>
+          </a:ln>
+        </p:spPr>
+        <p:txBody>
+          <a:bodyPr spcFirstLastPara="1" wrap="square" lIns="121900" tIns="121900" rIns="121900" bIns="121900" anchor="ctr" anchorCtr="0">
+            <a:noAutofit/>
+          </a:bodyPr>
+          <a:lstStyle/>
+          <a:p>
+            <a:pPr algn="ctr"/>
+            <a:r>
+              <a:rPr lang="en" sz="1867">
+                <a:latin typeface="Century Gothic"/>
+                <a:ea typeface="Century Gothic"/>
+                <a:cs typeface="Century Gothic"/>
+                <a:sym typeface="Century Gothic"/>
+              </a:rPr>
+              <a:t>JAIL</a:t>
+            </a:r>
+            <a:endParaRPr sz="1867">
+              <a:latin typeface="Century Gothic"/>
+              <a:ea typeface="Century Gothic"/>
+              <a:cs typeface="Century Gothic"/>
+              <a:sym typeface="Century Gothic"/>
+            </a:endParaRPr>
+          </a:p>
+        </p:txBody>
+      </p:sp>
+      <p:cxnSp>
+        <p:nvCxnSpPr>
+          <p:cNvPr id="266" name="Google Shape;266;p26"/>
+          <p:cNvCxnSpPr>
+            <a:stCxn id="263" idx="3"/>
+            <a:endCxn id="264" idx="1"/>
+          </p:cNvCxnSpPr>
+          <p:nvPr/>
+        </p:nvCxnSpPr>
+        <p:spPr>
+          <a:xfrm>
+            <a:off x="6862201" y="3156633"/>
+            <a:ext cx="1073200" cy="0"/>
+          </a:xfrm>
+          <a:prstGeom prst="straightConnector1">
+            <a:avLst/>
+          </a:prstGeom>
+          <a:noFill/>
+          <a:ln w="38100" cap="flat" cmpd="sng">
+            <a:solidFill>
+              <a:srgbClr val="000000"/>
+            </a:solidFill>
+            <a:prstDash val="solid"/>
+            <a:round/>
+            <a:headEnd type="none" w="med" len="med"/>
+            <a:tailEnd type="triangle" w="med" len="med"/>
+          </a:ln>
+        </p:spPr>
+      </p:cxnSp>
+      <p:cxnSp>
+        <p:nvCxnSpPr>
+          <p:cNvPr id="267" name="Google Shape;267;p26"/>
+          <p:cNvCxnSpPr>
+            <a:stCxn id="264" idx="3"/>
+            <a:endCxn id="265" idx="1"/>
+          </p:cNvCxnSpPr>
+          <p:nvPr/>
+        </p:nvCxnSpPr>
+        <p:spPr>
+          <a:xfrm>
+            <a:off x="9251927" y="3156633"/>
+            <a:ext cx="1073200" cy="0"/>
+          </a:xfrm>
+          <a:prstGeom prst="straightConnector1">
+            <a:avLst/>
+          </a:prstGeom>
+          <a:noFill/>
+          <a:ln w="38100" cap="flat" cmpd="sng">
+            <a:solidFill>
+              <a:srgbClr val="000000"/>
+            </a:solidFill>
+            <a:prstDash val="solid"/>
+            <a:round/>
+            <a:headEnd type="none" w="med" len="med"/>
+            <a:tailEnd type="triangle" w="med" len="med"/>
+          </a:ln>
+        </p:spPr>
+      </p:cxnSp>
+      <p:cxnSp>
+        <p:nvCxnSpPr>
+          <p:cNvPr id="268" name="Google Shape;268;p26"/>
+          <p:cNvCxnSpPr>
+            <a:stCxn id="265" idx="2"/>
+            <a:endCxn id="263" idx="2"/>
+          </p:cNvCxnSpPr>
+          <p:nvPr/>
+        </p:nvCxnSpPr>
+        <p:spPr>
+          <a:xfrm rot="5400000">
+            <a:off x="8593252" y="1354033"/>
+            <a:ext cx="800" cy="4779600"/>
+          </a:xfrm>
+          <a:prstGeom prst="curvedConnector3">
+            <a:avLst>
+              <a:gd name="adj1" fmla="val 95704167"/>
+            </a:avLst>
+          </a:prstGeom>
+          <a:noFill/>
+          <a:ln w="38100" cap="flat" cmpd="sng">
+            <a:solidFill>
+              <a:srgbClr val="000000"/>
+            </a:solidFill>
+            <a:prstDash val="solid"/>
+            <a:round/>
+            <a:headEnd type="none" w="med" len="med"/>
+            <a:tailEnd type="triangle" w="med" len="med"/>
+          </a:ln>
+        </p:spPr>
+      </p:cxnSp>
+      <p:sp>
+        <p:nvSpPr>
+          <p:cNvPr id="269" name="Google Shape;269;p26"/>
+          <p:cNvSpPr txBox="1"/>
+          <p:nvPr/>
+        </p:nvSpPr>
+        <p:spPr>
+          <a:xfrm>
+            <a:off x="7257865" y="4533767"/>
+            <a:ext cx="2618800" cy="573600"/>
+          </a:xfrm>
+          <a:prstGeom prst="rect">
+            <a:avLst/>
+          </a:prstGeom>
+          <a:noFill/>
+          <a:ln>
+            <a:noFill/>
+          </a:ln>
+        </p:spPr>
+        <p:txBody>
+          <a:bodyPr spcFirstLastPara="1" wrap="square" lIns="121900" tIns="121900" rIns="121900" bIns="121900" anchor="t" anchorCtr="0">
+            <a:noAutofit/>
+          </a:bodyPr>
+          <a:lstStyle/>
+          <a:p>
+            <a:pPr algn="ctr"/>
+            <a:r>
+              <a:rPr lang="en" sz="1867">
+                <a:latin typeface="Century Gothic"/>
+                <a:ea typeface="Century Gothic"/>
+                <a:cs typeface="Century Gothic"/>
+                <a:sym typeface="Century Gothic"/>
+              </a:rPr>
+              <a:t>worsening or failing to improve</a:t>
+            </a:r>
+            <a:endParaRPr sz="1867">
+              <a:latin typeface="Century Gothic"/>
+              <a:ea typeface="Century Gothic"/>
+              <a:cs typeface="Century Gothic"/>
+              <a:sym typeface="Century Gothic"/>
+            </a:endParaRPr>
+          </a:p>
+        </p:txBody>
+      </p:sp>
+      <p:sp>
+        <p:nvSpPr>
+          <p:cNvPr id="270" name="Google Shape;270;p26"/>
+          <p:cNvSpPr/>
+          <p:nvPr/>
+        </p:nvSpPr>
+        <p:spPr>
+          <a:xfrm>
+            <a:off x="5868733" y="1357284"/>
+            <a:ext cx="5450000" cy="640000"/>
+          </a:xfrm>
+          <a:prstGeom prst="rect">
+            <a:avLst/>
+          </a:prstGeom>
+          <a:noFill/>
+          <a:ln>
+            <a:noFill/>
+          </a:ln>
+        </p:spPr>
+        <p:txBody>
+          <a:bodyPr spcFirstLastPara="1" wrap="square" lIns="121900" tIns="60933" rIns="121900" bIns="60933" anchor="t" anchorCtr="0">
+            <a:noAutofit/>
+          </a:bodyPr>
+          <a:lstStyle/>
+          <a:p>
+            <a:pPr algn="ctr">
+              <a:lnSpc>
+                <a:spcPct val="90000"/>
+              </a:lnSpc>
+            </a:pPr>
+            <a:r>
+              <a:rPr lang="en" sz="3733">
+                <a:solidFill>
+                  <a:srgbClr val="800000"/>
+                </a:solidFill>
+              </a:rPr>
+              <a:t>Cycle of Incarceration</a:t>
+            </a:r>
+            <a:endParaRPr sz="1867"/>
+          </a:p>
+        </p:txBody>
+      </p:sp>
+    </p:spTree>
+  </p:cSld>
+  <p:clrMapOvr>
+    <a:masterClrMapping/>
+  </p:clrMapOvr>
+</p:sld>
+</file>
+
+<file path=ppt/slides/slide22.xml><?xml version="1.0" encoding="utf-8"?>
 <p:sld xmlns:a="http://schemas.openxmlformats.org/drawingml/2006/main" xmlns:r="http://schemas.openxmlformats.org/officeDocument/2006/relationships" xmlns:p="http://schemas.openxmlformats.org/presentationml/2006/main">
   <p:cSld>
     <p:spTree>
@@ -12382,10 +14600,6 @@
               <a:rPr lang="en-US" dirty="0" err="1"/>
               <a:t>Github</a:t>
             </a:r>
-            <a:r>
-              <a:rPr lang="en-US" dirty="0"/>
-              <a:t> + SQL</a:t>
-            </a:r>
             <a:br>
               <a:rPr lang="en-US" dirty="0"/>
             </a:br>
@@ -12458,7 +14672,7 @@
 </p:sld>
 </file>
 
-<file path=ppt/slides/slide13.xml><?xml version="1.0" encoding="utf-8"?>
+<file path=ppt/slides/slide23.xml><?xml version="1.0" encoding="utf-8"?>
 <p:sld xmlns:a="http://schemas.openxmlformats.org/drawingml/2006/main" xmlns:r="http://schemas.openxmlformats.org/officeDocument/2006/relationships" xmlns:p="http://schemas.openxmlformats.org/presentationml/2006/main">
   <p:cSld>
     <p:spTree>
@@ -12506,6 +14720,359 @@
             </a:pPr>
             <a:r>
               <a:rPr lang="en-US" sz="4800" dirty="0"/>
+              <a:t>Project Work: Data Exploration</a:t>
+            </a:r>
+          </a:p>
+        </p:txBody>
+      </p:sp>
+    </p:spTree>
+    <p:extLst>
+      <p:ext uri="{BB962C8B-B14F-4D97-AF65-F5344CB8AC3E}">
+        <p14:creationId xmlns:p14="http://schemas.microsoft.com/office/powerpoint/2010/main" val="1828200330"/>
+      </p:ext>
+    </p:extLst>
+  </p:cSld>
+  <p:clrMapOvr>
+    <a:masterClrMapping/>
+  </p:clrMapOvr>
+</p:sld>
+</file>
+
+<file path=ppt/slides/slide3.xml><?xml version="1.0" encoding="utf-8"?>
+<p:sld xmlns:a="http://schemas.openxmlformats.org/drawingml/2006/main" xmlns:r="http://schemas.openxmlformats.org/officeDocument/2006/relationships" xmlns:p="http://schemas.openxmlformats.org/presentationml/2006/main">
+  <p:cSld>
+    <p:spTree>
+      <p:nvGrpSpPr>
+        <p:cNvPr id="1" name=""/>
+        <p:cNvGrpSpPr/>
+        <p:nvPr/>
+      </p:nvGrpSpPr>
+      <p:grpSpPr>
+        <a:xfrm>
+          <a:off x="0" y="0"/>
+          <a:ext cx="0" cy="0"/>
+          <a:chOff x="0" y="0"/>
+          <a:chExt cx="0" cy="0"/>
+        </a:xfrm>
+      </p:grpSpPr>
+      <p:sp>
+        <p:nvSpPr>
+          <p:cNvPr id="3" name="Title 2">
+            <a:extLst>
+              <a:ext uri="{FF2B5EF4-FFF2-40B4-BE49-F238E27FC236}">
+                <a16:creationId xmlns:a16="http://schemas.microsoft.com/office/drawing/2014/main" id="{9323871C-7CA8-1448-8FFC-1AE6E1838941}"/>
+              </a:ext>
+            </a:extLst>
+          </p:cNvPr>
+          <p:cNvSpPr>
+            <a:spLocks noGrp="1"/>
+          </p:cNvSpPr>
+          <p:nvPr>
+            <p:ph type="title"/>
+          </p:nvPr>
+        </p:nvSpPr>
+        <p:spPr/>
+        <p:txBody>
+          <a:bodyPr/>
+          <a:lstStyle/>
+          <a:p>
+            <a:r>
+              <a:rPr lang="en-US" dirty="0"/>
+              <a:t>Things to remember</a:t>
+            </a:r>
+          </a:p>
+        </p:txBody>
+      </p:sp>
+      <p:sp>
+        <p:nvSpPr>
+          <p:cNvPr id="4" name="Text Placeholder 3">
+            <a:extLst>
+              <a:ext uri="{FF2B5EF4-FFF2-40B4-BE49-F238E27FC236}">
+                <a16:creationId xmlns:a16="http://schemas.microsoft.com/office/drawing/2014/main" id="{5E600BA7-FA45-884F-9820-9E5F2CB7AA48}"/>
+              </a:ext>
+            </a:extLst>
+          </p:cNvPr>
+          <p:cNvSpPr>
+            <a:spLocks noGrp="1"/>
+          </p:cNvSpPr>
+          <p:nvPr>
+            <p:ph type="body" idx="1"/>
+          </p:nvPr>
+        </p:nvSpPr>
+        <p:spPr/>
+        <p:txBody>
+          <a:bodyPr/>
+          <a:lstStyle/>
+          <a:p>
+            <a:r>
+              <a:rPr lang="en-US" b="1" dirty="0"/>
+              <a:t>Let us know if you can’t access your project data or </a:t>
+            </a:r>
+            <a:r>
+              <a:rPr lang="en-US" b="1" dirty="0" err="1"/>
+              <a:t>github</a:t>
+            </a:r>
+            <a:r>
+              <a:rPr lang="en-US" b="1" dirty="0"/>
+              <a:t> repo</a:t>
+            </a:r>
+            <a:br>
+              <a:rPr lang="en-US" b="1" dirty="0"/>
+            </a:br>
+            <a:endParaRPr lang="en-US" b="1" dirty="0"/>
+          </a:p>
+          <a:p>
+            <a:r>
+              <a:rPr lang="en-US" dirty="0"/>
+              <a:t>Wednesday session tomorrow: </a:t>
+            </a:r>
+            <a:r>
+              <a:rPr lang="en-US" dirty="0" err="1"/>
+              <a:t>Github</a:t>
+            </a:r>
+            <a:br>
+              <a:rPr lang="en-US" dirty="0"/>
+            </a:br>
+            <a:endParaRPr lang="en-US" dirty="0"/>
+          </a:p>
+          <a:p>
+            <a:pPr>
+              <a:lnSpc>
+                <a:spcPct val="100000"/>
+              </a:lnSpc>
+              <a:spcBef>
+                <a:spcPts val="500"/>
+              </a:spcBef>
+            </a:pPr>
+            <a:r>
+              <a:rPr lang="en-US" dirty="0"/>
+              <a:t>Readings for Thursday</a:t>
+            </a:r>
+            <a:br>
+              <a:rPr lang="en-US" dirty="0"/>
+            </a:br>
+            <a:endParaRPr lang="en-US" dirty="0"/>
+          </a:p>
+          <a:p>
+            <a:r>
+              <a:rPr lang="en-US" dirty="0"/>
+              <a:t>Make sure to read </a:t>
+            </a:r>
+            <a:r>
+              <a:rPr lang="en-US" b="1" dirty="0">
+                <a:solidFill>
+                  <a:srgbClr val="C00000"/>
+                </a:solidFill>
+              </a:rPr>
+              <a:t>project proposal</a:t>
+            </a:r>
+            <a:r>
+              <a:rPr lang="en-US" b="1" dirty="0"/>
+              <a:t> </a:t>
+            </a:r>
+            <a:r>
+              <a:rPr lang="en-US" dirty="0"/>
+              <a:t>assignment on canvas (due </a:t>
+            </a:r>
+            <a:r>
+              <a:rPr lang="en-US" b="1" dirty="0">
+                <a:solidFill>
+                  <a:srgbClr val="C00000"/>
+                </a:solidFill>
+              </a:rPr>
+              <a:t>next Friday</a:t>
+            </a:r>
+            <a:r>
+              <a:rPr lang="en-US" dirty="0"/>
+              <a:t>)</a:t>
+            </a:r>
+          </a:p>
+        </p:txBody>
+      </p:sp>
+    </p:spTree>
+    <p:extLst>
+      <p:ext uri="{BB962C8B-B14F-4D97-AF65-F5344CB8AC3E}">
+        <p14:creationId xmlns:p14="http://schemas.microsoft.com/office/powerpoint/2010/main" val="1926041242"/>
+      </p:ext>
+    </p:extLst>
+  </p:cSld>
+  <p:clrMapOvr>
+    <a:masterClrMapping/>
+  </p:clrMapOvr>
+</p:sld>
+</file>
+
+<file path=ppt/slides/slide4.xml><?xml version="1.0" encoding="utf-8"?>
+<p:sld xmlns:a="http://schemas.openxmlformats.org/drawingml/2006/main" xmlns:r="http://schemas.openxmlformats.org/officeDocument/2006/relationships" xmlns:p="http://schemas.openxmlformats.org/presentationml/2006/main">
+  <p:cSld>
+    <p:spTree>
+      <p:nvGrpSpPr>
+        <p:cNvPr id="1" name=""/>
+        <p:cNvGrpSpPr/>
+        <p:nvPr/>
+      </p:nvGrpSpPr>
+      <p:grpSpPr>
+        <a:xfrm>
+          <a:off x="0" y="0"/>
+          <a:ext cx="0" cy="0"/>
+          <a:chOff x="0" y="0"/>
+          <a:chExt cx="0" cy="0"/>
+        </a:xfrm>
+      </p:grpSpPr>
+      <p:sp>
+        <p:nvSpPr>
+          <p:cNvPr id="3" name="Title 2">
+            <a:extLst>
+              <a:ext uri="{FF2B5EF4-FFF2-40B4-BE49-F238E27FC236}">
+                <a16:creationId xmlns:a16="http://schemas.microsoft.com/office/drawing/2014/main" id="{9323871C-7CA8-1448-8FFC-1AE6E1838941}"/>
+              </a:ext>
+            </a:extLst>
+          </p:cNvPr>
+          <p:cNvSpPr>
+            <a:spLocks noGrp="1"/>
+          </p:cNvSpPr>
+          <p:nvPr>
+            <p:ph type="title"/>
+          </p:nvPr>
+        </p:nvSpPr>
+        <p:spPr/>
+        <p:txBody>
+          <a:bodyPr/>
+          <a:lstStyle/>
+          <a:p>
+            <a:r>
+              <a:rPr lang="en-US" dirty="0"/>
+              <a:t>Plan for today</a:t>
+            </a:r>
+          </a:p>
+        </p:txBody>
+      </p:sp>
+      <p:sp>
+        <p:nvSpPr>
+          <p:cNvPr id="4" name="Text Placeholder 3">
+            <a:extLst>
+              <a:ext uri="{FF2B5EF4-FFF2-40B4-BE49-F238E27FC236}">
+                <a16:creationId xmlns:a16="http://schemas.microsoft.com/office/drawing/2014/main" id="{5E600BA7-FA45-884F-9820-9E5F2CB7AA48}"/>
+              </a:ext>
+            </a:extLst>
+          </p:cNvPr>
+          <p:cNvSpPr>
+            <a:spLocks noGrp="1"/>
+          </p:cNvSpPr>
+          <p:nvPr>
+            <p:ph type="body" idx="1"/>
+          </p:nvPr>
+        </p:nvSpPr>
+        <p:spPr/>
+        <p:txBody>
+          <a:bodyPr/>
+          <a:lstStyle/>
+          <a:p>
+            <a:r>
+              <a:rPr lang="en-US" dirty="0"/>
+              <a:t>Working with your team</a:t>
+            </a:r>
+            <a:br>
+              <a:rPr lang="en-US" dirty="0"/>
+            </a:br>
+            <a:endParaRPr lang="en-US" dirty="0"/>
+          </a:p>
+          <a:p>
+            <a:r>
+              <a:rPr lang="en-US" dirty="0"/>
+              <a:t>Team meeting: planning for working together (~10 minutes)</a:t>
+            </a:r>
+            <a:br>
+              <a:rPr lang="en-US" dirty="0"/>
+            </a:br>
+            <a:endParaRPr lang="en-US" dirty="0"/>
+          </a:p>
+          <a:p>
+            <a:r>
+              <a:rPr lang="en-US" dirty="0"/>
+              <a:t>Data exploration overview and helpful tips</a:t>
+            </a:r>
+            <a:br>
+              <a:rPr lang="en-US" b="1" dirty="0"/>
+            </a:br>
+            <a:endParaRPr lang="en-US" b="1" dirty="0"/>
+          </a:p>
+          <a:p>
+            <a:r>
+              <a:rPr lang="en-US" dirty="0"/>
+              <a:t>Time to work on data exploration with your group</a:t>
+            </a:r>
+            <a:br>
+              <a:rPr lang="en-US" dirty="0"/>
+            </a:br>
+            <a:r>
+              <a:rPr lang="en-US" dirty="0"/>
+              <a:t>(~30 minutes at the end of class)</a:t>
+            </a:r>
+          </a:p>
+        </p:txBody>
+      </p:sp>
+    </p:spTree>
+    <p:extLst>
+      <p:ext uri="{BB962C8B-B14F-4D97-AF65-F5344CB8AC3E}">
+        <p14:creationId xmlns:p14="http://schemas.microsoft.com/office/powerpoint/2010/main" val="1285932549"/>
+      </p:ext>
+    </p:extLst>
+  </p:cSld>
+  <p:clrMapOvr>
+    <a:masterClrMapping/>
+  </p:clrMapOvr>
+</p:sld>
+</file>
+
+<file path=ppt/slides/slide5.xml><?xml version="1.0" encoding="utf-8"?>
+<p:sld xmlns:a="http://schemas.openxmlformats.org/drawingml/2006/main" xmlns:r="http://schemas.openxmlformats.org/officeDocument/2006/relationships" xmlns:p="http://schemas.openxmlformats.org/presentationml/2006/main">
+  <p:cSld>
+    <p:spTree>
+      <p:nvGrpSpPr>
+        <p:cNvPr id="1" name=""/>
+        <p:cNvGrpSpPr/>
+        <p:nvPr/>
+      </p:nvGrpSpPr>
+      <p:grpSpPr>
+        <a:xfrm>
+          <a:off x="0" y="0"/>
+          <a:ext cx="0" cy="0"/>
+          <a:chOff x="0" y="0"/>
+          <a:chExt cx="0" cy="0"/>
+        </a:xfrm>
+      </p:grpSpPr>
+      <p:sp>
+        <p:nvSpPr>
+          <p:cNvPr id="4" name="Text Placeholder 3">
+            <a:extLst>
+              <a:ext uri="{FF2B5EF4-FFF2-40B4-BE49-F238E27FC236}">
+                <a16:creationId xmlns:a16="http://schemas.microsoft.com/office/drawing/2014/main" id="{5E600BA7-FA45-884F-9820-9E5F2CB7AA48}"/>
+              </a:ext>
+            </a:extLst>
+          </p:cNvPr>
+          <p:cNvSpPr>
+            <a:spLocks noGrp="1"/>
+          </p:cNvSpPr>
+          <p:nvPr>
+            <p:ph type="body" idx="1"/>
+          </p:nvPr>
+        </p:nvSpPr>
+        <p:spPr>
+          <a:xfrm>
+            <a:off x="415650" y="2724664"/>
+            <a:ext cx="11360700" cy="1408672"/>
+          </a:xfrm>
+        </p:spPr>
+        <p:txBody>
+          <a:bodyPr/>
+          <a:lstStyle/>
+          <a:p>
+            <a:pPr marL="76200" indent="0" algn="ctr">
+              <a:buNone/>
+            </a:pPr>
+            <a:r>
+              <a:rPr lang="en-US" sz="4800" dirty="0"/>
               <a:t>Working With Your Team</a:t>
             </a:r>
           </a:p>
@@ -12524,7 +15091,7 @@
 </p:sld>
 </file>
 
-<file path=ppt/slides/slide14.xml><?xml version="1.0" encoding="utf-8"?>
+<file path=ppt/slides/slide6.xml><?xml version="1.0" encoding="utf-8"?>
 <p:sld xmlns:a="http://schemas.openxmlformats.org/drawingml/2006/main" xmlns:r="http://schemas.openxmlformats.org/officeDocument/2006/relationships" xmlns:p="http://schemas.openxmlformats.org/presentationml/2006/main">
   <p:cSld>
     <p:spTree>
@@ -12682,7 +15249,7 @@
 </p:sld>
 </file>
 
-<file path=ppt/slides/slide15.xml><?xml version="1.0" encoding="utf-8"?>
+<file path=ppt/slides/slide7.xml><?xml version="1.0" encoding="utf-8"?>
 <p:sld xmlns:a="http://schemas.openxmlformats.org/drawingml/2006/main" xmlns:r="http://schemas.openxmlformats.org/officeDocument/2006/relationships" xmlns:p="http://schemas.openxmlformats.org/presentationml/2006/main">
   <p:cSld>
     <p:spTree>
@@ -12819,7 +15386,7 @@
 </p:sld>
 </file>
 
-<file path=ppt/slides/slide16.xml><?xml version="1.0" encoding="utf-8"?>
+<file path=ppt/slides/slide8.xml><?xml version="1.0" encoding="utf-8"?>
 <p:sld xmlns:a="http://schemas.openxmlformats.org/drawingml/2006/main" xmlns:r="http://schemas.openxmlformats.org/officeDocument/2006/relationships" xmlns:p="http://schemas.openxmlformats.org/presentationml/2006/main">
   <p:cSld>
     <p:spTree>
@@ -12933,7 +15500,7 @@
 </p:sld>
 </file>
 
-<file path=ppt/slides/slide17.xml><?xml version="1.0" encoding="utf-8"?>
+<file path=ppt/slides/slide9.xml><?xml version="1.0" encoding="utf-8"?>
 <p:sld xmlns:a="http://schemas.openxmlformats.org/drawingml/2006/main" xmlns:r="http://schemas.openxmlformats.org/officeDocument/2006/relationships" xmlns:p="http://schemas.openxmlformats.org/presentationml/2006/main">
   <p:cSld>
     <p:spTree>
@@ -12984,128 +15551,13 @@
               <a:t>Project Team Meeting / Coordination</a:t>
             </a:r>
           </a:p>
-        </p:txBody>
-      </p:sp>
-    </p:spTree>
-    <p:extLst>
-      <p:ext uri="{BB962C8B-B14F-4D97-AF65-F5344CB8AC3E}">
-        <p14:creationId xmlns:p14="http://schemas.microsoft.com/office/powerpoint/2010/main" val="134665013"/>
-      </p:ext>
-    </p:extLst>
-  </p:cSld>
-  <p:clrMapOvr>
-    <a:masterClrMapping/>
-  </p:clrMapOvr>
-</p:sld>
-</file>
-
-<file path=ppt/slides/slide18.xml><?xml version="1.0" encoding="utf-8"?>
-<p:sld xmlns:a="http://schemas.openxmlformats.org/drawingml/2006/main" xmlns:r="http://schemas.openxmlformats.org/officeDocument/2006/relationships" xmlns:p="http://schemas.openxmlformats.org/presentationml/2006/main">
-  <p:cSld>
-    <p:spTree>
-      <p:nvGrpSpPr>
-        <p:cNvPr id="1" name=""/>
-        <p:cNvGrpSpPr/>
-        <p:nvPr/>
-      </p:nvGrpSpPr>
-      <p:grpSpPr>
-        <a:xfrm>
-          <a:off x="0" y="0"/>
-          <a:ext cx="0" cy="0"/>
-          <a:chOff x="0" y="0"/>
-          <a:chExt cx="0" cy="0"/>
-        </a:xfrm>
-      </p:grpSpPr>
-      <p:sp>
-        <p:nvSpPr>
-          <p:cNvPr id="2" name="Title 1">
-            <a:extLst>
-              <a:ext uri="{FF2B5EF4-FFF2-40B4-BE49-F238E27FC236}">
-                <a16:creationId xmlns:a16="http://schemas.microsoft.com/office/drawing/2014/main" id="{C433C44B-9CD1-E54C-BEDE-3018CFE1A62F}"/>
-              </a:ext>
-            </a:extLst>
-          </p:cNvPr>
-          <p:cNvSpPr>
-            <a:spLocks noGrp="1"/>
-          </p:cNvSpPr>
-          <p:nvPr>
-            <p:ph type="title"/>
-          </p:nvPr>
-        </p:nvSpPr>
-        <p:spPr/>
-        <p:txBody>
-          <a:bodyPr/>
-          <a:lstStyle/>
           <a:p>
-            <a:r>
-              <a:rPr lang="en-US" dirty="0"/>
-              <a:t>What do we want you to use this time for?</a:t>
-            </a:r>
-          </a:p>
-        </p:txBody>
-      </p:sp>
-      <p:sp>
-        <p:nvSpPr>
-          <p:cNvPr id="3" name="Text Placeholder 2">
-            <a:extLst>
-              <a:ext uri="{FF2B5EF4-FFF2-40B4-BE49-F238E27FC236}">
-                <a16:creationId xmlns:a16="http://schemas.microsoft.com/office/drawing/2014/main" id="{306939D4-1B3B-C04C-AFE6-D7C738B5CC7F}"/>
-              </a:ext>
-            </a:extLst>
-          </p:cNvPr>
-          <p:cNvSpPr>
-            <a:spLocks noGrp="1"/>
-          </p:cNvSpPr>
-          <p:nvPr>
-            <p:ph type="body" idx="1"/>
-          </p:nvPr>
-        </p:nvSpPr>
-        <p:spPr/>
-        <p:txBody>
-          <a:bodyPr/>
-          <a:lstStyle/>
-          <a:p>
-            <a:pPr>
-              <a:lnSpc>
-                <a:spcPct val="150000"/>
-              </a:lnSpc>
+            <a:pPr marL="76200" indent="0" algn="ctr">
+              <a:buNone/>
             </a:pPr>
             <a:r>
-              <a:rPr lang="en-US" sz="2800" dirty="0"/>
-              <a:t>Get to know each other</a:t>
-            </a:r>
-          </a:p>
-          <a:p>
-            <a:pPr>
-              <a:lnSpc>
-                <a:spcPct val="150000"/>
-              </a:lnSpc>
-            </a:pPr>
-            <a:r>
-              <a:rPr lang="en-US" sz="2800" dirty="0"/>
-              <a:t>Discuss how you’re going to work together</a:t>
-            </a:r>
-          </a:p>
-          <a:p>
-            <a:pPr>
-              <a:lnSpc>
-                <a:spcPct val="150000"/>
-              </a:lnSpc>
-            </a:pPr>
-            <a:r>
-              <a:rPr lang="en-US" sz="2800" dirty="0"/>
-              <a:t>Schedule times to work on the project proposal over the next week and a half</a:t>
-            </a:r>
-          </a:p>
-          <a:p>
-            <a:pPr>
-              <a:lnSpc>
-                <a:spcPct val="150000"/>
-              </a:lnSpc>
-            </a:pPr>
-            <a:r>
-              <a:rPr lang="en-US" sz="2800" dirty="0"/>
-              <a:t>Discuss project direction and ideas</a:t>
+              <a:rPr lang="en-US" sz="4800" dirty="0"/>
+              <a:t>(10 minutes)</a:t>
             </a:r>
           </a:p>
         </p:txBody>
@@ -13113,964 +15565,7 @@
     </p:spTree>
     <p:extLst>
       <p:ext uri="{BB962C8B-B14F-4D97-AF65-F5344CB8AC3E}">
-        <p14:creationId xmlns:p14="http://schemas.microsoft.com/office/powerpoint/2010/main" val="3388408751"/>
-      </p:ext>
-    </p:extLst>
-  </p:cSld>
-  <p:clrMapOvr>
-    <a:masterClrMapping/>
-  </p:clrMapOvr>
-</p:sld>
-</file>
-
-<file path=ppt/slides/slide2.xml><?xml version="1.0" encoding="utf-8"?>
-<p:sld xmlns:a="http://schemas.openxmlformats.org/drawingml/2006/main" xmlns:r="http://schemas.openxmlformats.org/officeDocument/2006/relationships" xmlns:p="http://schemas.openxmlformats.org/presentationml/2006/main">
-  <p:cSld>
-    <p:spTree>
-      <p:nvGrpSpPr>
-        <p:cNvPr id="1" name=""/>
-        <p:cNvGrpSpPr/>
-        <p:nvPr/>
-      </p:nvGrpSpPr>
-      <p:grpSpPr>
-        <a:xfrm>
-          <a:off x="0" y="0"/>
-          <a:ext cx="0" cy="0"/>
-          <a:chOff x="0" y="0"/>
-          <a:chExt cx="0" cy="0"/>
-        </a:xfrm>
-      </p:grpSpPr>
-      <p:sp>
-        <p:nvSpPr>
-          <p:cNvPr id="3" name="Title 2">
-            <a:extLst>
-              <a:ext uri="{FF2B5EF4-FFF2-40B4-BE49-F238E27FC236}">
-                <a16:creationId xmlns:a16="http://schemas.microsoft.com/office/drawing/2014/main" id="{9323871C-7CA8-1448-8FFC-1AE6E1838941}"/>
-              </a:ext>
-            </a:extLst>
-          </p:cNvPr>
-          <p:cNvSpPr>
-            <a:spLocks noGrp="1"/>
-          </p:cNvSpPr>
-          <p:nvPr>
-            <p:ph type="title"/>
-          </p:nvPr>
-        </p:nvSpPr>
-        <p:spPr/>
-        <p:txBody>
-          <a:bodyPr/>
-          <a:lstStyle/>
-          <a:p>
-            <a:r>
-              <a:rPr lang="en-US" dirty="0"/>
-              <a:t>Things to remember</a:t>
-            </a:r>
-          </a:p>
-        </p:txBody>
-      </p:sp>
-      <p:sp>
-        <p:nvSpPr>
-          <p:cNvPr id="4" name="Text Placeholder 3">
-            <a:extLst>
-              <a:ext uri="{FF2B5EF4-FFF2-40B4-BE49-F238E27FC236}">
-                <a16:creationId xmlns:a16="http://schemas.microsoft.com/office/drawing/2014/main" id="{5E600BA7-FA45-884F-9820-9E5F2CB7AA48}"/>
-              </a:ext>
-            </a:extLst>
-          </p:cNvPr>
-          <p:cNvSpPr>
-            <a:spLocks noGrp="1"/>
-          </p:cNvSpPr>
-          <p:nvPr>
-            <p:ph type="body" idx="1"/>
-          </p:nvPr>
-        </p:nvSpPr>
-        <p:spPr/>
-        <p:txBody>
-          <a:bodyPr/>
-          <a:lstStyle/>
-          <a:p>
-            <a:r>
-              <a:rPr lang="en-US" b="1" dirty="0"/>
-              <a:t>Let us know if you can’t access your project data or </a:t>
-            </a:r>
-            <a:r>
-              <a:rPr lang="en-US" b="1" dirty="0" err="1"/>
-              <a:t>github</a:t>
-            </a:r>
-            <a:r>
-              <a:rPr lang="en-US" b="1" dirty="0"/>
-              <a:t> repo</a:t>
-            </a:r>
-            <a:br>
-              <a:rPr lang="en-US" b="1" dirty="0"/>
-            </a:br>
-            <a:endParaRPr lang="en-US" b="1" dirty="0"/>
-          </a:p>
-          <a:p>
-            <a:r>
-              <a:rPr lang="en-US" dirty="0"/>
-              <a:t>Wednesday session tomorrow: </a:t>
-            </a:r>
-            <a:r>
-              <a:rPr lang="en-US" dirty="0" err="1"/>
-              <a:t>Github</a:t>
-            </a:r>
-            <a:r>
-              <a:rPr lang="en-US" dirty="0"/>
-              <a:t> + SQL</a:t>
-            </a:r>
-            <a:br>
-              <a:rPr lang="en-US" dirty="0"/>
-            </a:br>
-            <a:endParaRPr lang="en-US" dirty="0"/>
-          </a:p>
-          <a:p>
-            <a:pPr>
-              <a:lnSpc>
-                <a:spcPct val="100000"/>
-              </a:lnSpc>
-              <a:spcBef>
-                <a:spcPts val="500"/>
-              </a:spcBef>
-            </a:pPr>
-            <a:r>
-              <a:rPr lang="en-US" dirty="0"/>
-              <a:t>Readings for Thursday</a:t>
-            </a:r>
-            <a:br>
-              <a:rPr lang="en-US" dirty="0"/>
-            </a:br>
-            <a:endParaRPr lang="en-US" dirty="0"/>
-          </a:p>
-          <a:p>
-            <a:r>
-              <a:rPr lang="en-US" dirty="0"/>
-              <a:t>Make sure to read </a:t>
-            </a:r>
-            <a:r>
-              <a:rPr lang="en-US" b="1" dirty="0">
-                <a:solidFill>
-                  <a:srgbClr val="C00000"/>
-                </a:solidFill>
-              </a:rPr>
-              <a:t>project proposal</a:t>
-            </a:r>
-            <a:r>
-              <a:rPr lang="en-US" b="1" dirty="0"/>
-              <a:t> </a:t>
-            </a:r>
-            <a:r>
-              <a:rPr lang="en-US" dirty="0"/>
-              <a:t>assignment on canvas (due </a:t>
-            </a:r>
-            <a:r>
-              <a:rPr lang="en-US" b="1" dirty="0">
-                <a:solidFill>
-                  <a:srgbClr val="C00000"/>
-                </a:solidFill>
-              </a:rPr>
-              <a:t>next Friday</a:t>
-            </a:r>
-            <a:r>
-              <a:rPr lang="en-US" dirty="0"/>
-              <a:t>)</a:t>
-            </a:r>
-          </a:p>
-        </p:txBody>
-      </p:sp>
-    </p:spTree>
-    <p:extLst>
-      <p:ext uri="{BB962C8B-B14F-4D97-AF65-F5344CB8AC3E}">
-        <p14:creationId xmlns:p14="http://schemas.microsoft.com/office/powerpoint/2010/main" val="1926041242"/>
-      </p:ext>
-    </p:extLst>
-  </p:cSld>
-  <p:clrMapOvr>
-    <a:masterClrMapping/>
-  </p:clrMapOvr>
-</p:sld>
-</file>
-
-<file path=ppt/slides/slide3.xml><?xml version="1.0" encoding="utf-8"?>
-<p:sld xmlns:a="http://schemas.openxmlformats.org/drawingml/2006/main" xmlns:r="http://schemas.openxmlformats.org/officeDocument/2006/relationships" xmlns:p="http://schemas.openxmlformats.org/presentationml/2006/main">
-  <p:cSld>
-    <p:spTree>
-      <p:nvGrpSpPr>
-        <p:cNvPr id="1" name=""/>
-        <p:cNvGrpSpPr/>
-        <p:nvPr/>
-      </p:nvGrpSpPr>
-      <p:grpSpPr>
-        <a:xfrm>
-          <a:off x="0" y="0"/>
-          <a:ext cx="0" cy="0"/>
-          <a:chOff x="0" y="0"/>
-          <a:chExt cx="0" cy="0"/>
-        </a:xfrm>
-      </p:grpSpPr>
-      <p:sp>
-        <p:nvSpPr>
-          <p:cNvPr id="3" name="Title 2">
-            <a:extLst>
-              <a:ext uri="{FF2B5EF4-FFF2-40B4-BE49-F238E27FC236}">
-                <a16:creationId xmlns:a16="http://schemas.microsoft.com/office/drawing/2014/main" id="{9323871C-7CA8-1448-8FFC-1AE6E1838941}"/>
-              </a:ext>
-            </a:extLst>
-          </p:cNvPr>
-          <p:cNvSpPr>
-            <a:spLocks noGrp="1"/>
-          </p:cNvSpPr>
-          <p:nvPr>
-            <p:ph type="title"/>
-          </p:nvPr>
-        </p:nvSpPr>
-        <p:spPr/>
-        <p:txBody>
-          <a:bodyPr/>
-          <a:lstStyle/>
-          <a:p>
-            <a:r>
-              <a:rPr lang="en-US" dirty="0"/>
-              <a:t>Plan for today</a:t>
-            </a:r>
-          </a:p>
-        </p:txBody>
-      </p:sp>
-      <p:sp>
-        <p:nvSpPr>
-          <p:cNvPr id="4" name="Text Placeholder 3">
-            <a:extLst>
-              <a:ext uri="{FF2B5EF4-FFF2-40B4-BE49-F238E27FC236}">
-                <a16:creationId xmlns:a16="http://schemas.microsoft.com/office/drawing/2014/main" id="{5E600BA7-FA45-884F-9820-9E5F2CB7AA48}"/>
-              </a:ext>
-            </a:extLst>
-          </p:cNvPr>
-          <p:cNvSpPr>
-            <a:spLocks noGrp="1"/>
-          </p:cNvSpPr>
-          <p:nvPr>
-            <p:ph type="body" idx="1"/>
-          </p:nvPr>
-        </p:nvSpPr>
-        <p:spPr/>
-        <p:txBody>
-          <a:bodyPr/>
-          <a:lstStyle/>
-          <a:p>
-            <a:r>
-              <a:rPr lang="en-US" dirty="0"/>
-              <a:t>Data exploration overview and helpful tips</a:t>
-            </a:r>
-            <a:br>
-              <a:rPr lang="en-US" b="1" dirty="0"/>
-            </a:br>
-            <a:endParaRPr lang="en-US" b="1" dirty="0"/>
-          </a:p>
-          <a:p>
-            <a:r>
-              <a:rPr lang="en-US" dirty="0"/>
-              <a:t>Time to meet and coordinate with your groups </a:t>
-            </a:r>
-            <a:br>
-              <a:rPr lang="en-US" dirty="0"/>
-            </a:br>
-            <a:r>
-              <a:rPr lang="en-US" dirty="0"/>
-              <a:t>(~30 minutes at the end of class)</a:t>
-            </a:r>
-          </a:p>
-        </p:txBody>
-      </p:sp>
-    </p:spTree>
-    <p:extLst>
-      <p:ext uri="{BB962C8B-B14F-4D97-AF65-F5344CB8AC3E}">
-        <p14:creationId xmlns:p14="http://schemas.microsoft.com/office/powerpoint/2010/main" val="1285932549"/>
-      </p:ext>
-    </p:extLst>
-  </p:cSld>
-  <p:clrMapOvr>
-    <a:masterClrMapping/>
-  </p:clrMapOvr>
-</p:sld>
-</file>
-
-<file path=ppt/slides/slide4.xml><?xml version="1.0" encoding="utf-8"?>
-<p:sld xmlns:a="http://schemas.openxmlformats.org/drawingml/2006/main" xmlns:r="http://schemas.openxmlformats.org/officeDocument/2006/relationships" xmlns:p="http://schemas.openxmlformats.org/presentationml/2006/main">
-  <p:cSld>
-    <p:spTree>
-      <p:nvGrpSpPr>
-        <p:cNvPr id="1" name=""/>
-        <p:cNvGrpSpPr/>
-        <p:nvPr/>
-      </p:nvGrpSpPr>
-      <p:grpSpPr>
-        <a:xfrm>
-          <a:off x="0" y="0"/>
-          <a:ext cx="0" cy="0"/>
-          <a:chOff x="0" y="0"/>
-          <a:chExt cx="0" cy="0"/>
-        </a:xfrm>
-      </p:grpSpPr>
-      <p:sp>
-        <p:nvSpPr>
-          <p:cNvPr id="2" name="Title 1">
-            <a:extLst>
-              <a:ext uri="{FF2B5EF4-FFF2-40B4-BE49-F238E27FC236}">
-                <a16:creationId xmlns:a16="http://schemas.microsoft.com/office/drawing/2014/main" id="{94CF2A94-A63F-6149-AA28-2E35B60E3D3E}"/>
-              </a:ext>
-            </a:extLst>
-          </p:cNvPr>
-          <p:cNvSpPr>
-            <a:spLocks noGrp="1"/>
-          </p:cNvSpPr>
-          <p:nvPr>
-            <p:ph type="title"/>
-          </p:nvPr>
-        </p:nvSpPr>
-        <p:spPr/>
-        <p:txBody>
-          <a:bodyPr/>
-          <a:lstStyle/>
-          <a:p>
-            <a:endParaRPr lang="en-US"/>
-          </a:p>
-        </p:txBody>
-      </p:sp>
-      <p:graphicFrame>
-        <p:nvGraphicFramePr>
-          <p:cNvPr id="3" name="Diagram 2">
-            <a:extLst>
-              <a:ext uri="{FF2B5EF4-FFF2-40B4-BE49-F238E27FC236}">
-                <a16:creationId xmlns:a16="http://schemas.microsoft.com/office/drawing/2014/main" id="{8E902576-68A9-6E48-B0FE-5B1889953DC8}"/>
-              </a:ext>
-            </a:extLst>
-          </p:cNvPr>
-          <p:cNvGraphicFramePr/>
-          <p:nvPr>
-            <p:extLst>
-              <p:ext uri="{D42A27DB-BD31-4B8C-83A1-F6EECF244321}">
-                <p14:modId xmlns:p14="http://schemas.microsoft.com/office/powerpoint/2010/main" val="1737878827"/>
-              </p:ext>
-            </p:extLst>
-          </p:nvPr>
-        </p:nvGraphicFramePr>
-        <p:xfrm>
-          <a:off x="180467" y="0"/>
-          <a:ext cx="11776400" cy="6858000"/>
-        </p:xfrm>
-        <a:graphic>
-          <a:graphicData uri="http://schemas.openxmlformats.org/drawingml/2006/diagram">
-            <dgm:relIds xmlns:dgm="http://schemas.openxmlformats.org/drawingml/2006/diagram" xmlns:r="http://schemas.openxmlformats.org/officeDocument/2006/relationships" r:dm="rId2" r:lo="rId3" r:qs="rId4" r:cs="rId5"/>
-          </a:graphicData>
-        </a:graphic>
-      </p:graphicFrame>
-      <p:sp>
-        <p:nvSpPr>
-          <p:cNvPr id="4" name="Rectangle 3">
-            <a:extLst>
-              <a:ext uri="{FF2B5EF4-FFF2-40B4-BE49-F238E27FC236}">
-                <a16:creationId xmlns:a16="http://schemas.microsoft.com/office/drawing/2014/main" id="{E2C99BF2-C81A-5246-89D3-E49BCDCAD699}"/>
-              </a:ext>
-            </a:extLst>
-          </p:cNvPr>
-          <p:cNvSpPr/>
-          <p:nvPr/>
-        </p:nvSpPr>
-        <p:spPr>
-          <a:xfrm>
-            <a:off x="6377498" y="274320"/>
-            <a:ext cx="2534195" cy="1789611"/>
-          </a:xfrm>
-          <a:prstGeom prst="rect">
-            <a:avLst/>
-          </a:prstGeom>
-          <a:noFill/>
-          <a:ln w="76200">
-            <a:solidFill>
-              <a:srgbClr val="C00000"/>
-            </a:solidFill>
-          </a:ln>
-        </p:spPr>
-        <p:style>
-          <a:lnRef idx="2">
-            <a:schemeClr val="accent1">
-              <a:shade val="50000"/>
-            </a:schemeClr>
-          </a:lnRef>
-          <a:fillRef idx="1">
-            <a:schemeClr val="accent1"/>
-          </a:fillRef>
-          <a:effectRef idx="0">
-            <a:schemeClr val="accent1"/>
-          </a:effectRef>
-          <a:fontRef idx="minor">
-            <a:schemeClr val="lt1"/>
-          </a:fontRef>
-        </p:style>
-        <p:txBody>
-          <a:bodyPr rtlCol="0" anchor="ctr"/>
-          <a:lstStyle/>
-          <a:p>
-            <a:pPr algn="ctr"/>
-            <a:endParaRPr lang="en-US"/>
-          </a:p>
-        </p:txBody>
-      </p:sp>
-    </p:spTree>
-    <p:extLst>
-      <p:ext uri="{BB962C8B-B14F-4D97-AF65-F5344CB8AC3E}">
-        <p14:creationId xmlns:p14="http://schemas.microsoft.com/office/powerpoint/2010/main" val="2624855364"/>
-      </p:ext>
-    </p:extLst>
-  </p:cSld>
-  <p:clrMapOvr>
-    <a:masterClrMapping/>
-  </p:clrMapOvr>
-</p:sld>
-</file>
-
-<file path=ppt/slides/slide5.xml><?xml version="1.0" encoding="utf-8"?>
-<p:sld xmlns:a="http://schemas.openxmlformats.org/drawingml/2006/main" xmlns:r="http://schemas.openxmlformats.org/officeDocument/2006/relationships" xmlns:p="http://schemas.openxmlformats.org/presentationml/2006/main">
-  <p:cSld>
-    <p:spTree>
-      <p:nvGrpSpPr>
-        <p:cNvPr id="1" name=""/>
-        <p:cNvGrpSpPr/>
-        <p:nvPr/>
-      </p:nvGrpSpPr>
-      <p:grpSpPr>
-        <a:xfrm>
-          <a:off x="0" y="0"/>
-          <a:ext cx="0" cy="0"/>
-          <a:chOff x="0" y="0"/>
-          <a:chExt cx="0" cy="0"/>
-        </a:xfrm>
-      </p:grpSpPr>
-      <p:sp>
-        <p:nvSpPr>
-          <p:cNvPr id="2" name="Title 1">
-            <a:extLst>
-              <a:ext uri="{FF2B5EF4-FFF2-40B4-BE49-F238E27FC236}">
-                <a16:creationId xmlns:a16="http://schemas.microsoft.com/office/drawing/2014/main" id="{21359BA9-BA2B-D148-89DA-A99081B1FF81}"/>
-              </a:ext>
-            </a:extLst>
-          </p:cNvPr>
-          <p:cNvSpPr>
-            <a:spLocks noGrp="1"/>
-          </p:cNvSpPr>
-          <p:nvPr>
-            <p:ph type="title"/>
-          </p:nvPr>
-        </p:nvSpPr>
-        <p:spPr/>
-        <p:txBody>
-          <a:bodyPr/>
-          <a:lstStyle/>
-          <a:p>
-            <a:r>
-              <a:rPr lang="en-US" dirty="0"/>
-              <a:t>Why is data exploration important?</a:t>
-            </a:r>
-          </a:p>
-        </p:txBody>
-      </p:sp>
-      <p:sp>
-        <p:nvSpPr>
-          <p:cNvPr id="3" name="Text Placeholder 2">
-            <a:extLst>
-              <a:ext uri="{FF2B5EF4-FFF2-40B4-BE49-F238E27FC236}">
-                <a16:creationId xmlns:a16="http://schemas.microsoft.com/office/drawing/2014/main" id="{DDA03E0F-5F3D-5B4D-8232-BF72B84A198E}"/>
-              </a:ext>
-            </a:extLst>
-          </p:cNvPr>
-          <p:cNvSpPr>
-            <a:spLocks noGrp="1"/>
-          </p:cNvSpPr>
-          <p:nvPr>
-            <p:ph type="body" idx="1"/>
-          </p:nvPr>
-        </p:nvSpPr>
-        <p:spPr/>
-        <p:txBody>
-          <a:bodyPr/>
-          <a:lstStyle/>
-          <a:p>
-            <a:pPr marL="533400" indent="-457200">
-              <a:buFont typeface="+mj-lt"/>
-              <a:buAutoNum type="arabicPeriod"/>
-            </a:pPr>
-            <a:r>
-              <a:rPr lang="en-US" dirty="0"/>
-              <a:t>Sanity Check the data you were given</a:t>
-            </a:r>
-          </a:p>
-          <a:p>
-            <a:pPr marL="533400" indent="-457200">
-              <a:buFont typeface="+mj-lt"/>
-              <a:buAutoNum type="arabicPeriod"/>
-            </a:pPr>
-            <a:r>
-              <a:rPr lang="en-US" dirty="0"/>
-              <a:t>Understanding the problem and domain </a:t>
-            </a:r>
-          </a:p>
-          <a:p>
-            <a:pPr marL="533400" indent="-457200">
-              <a:buFont typeface="+mj-lt"/>
-              <a:buAutoNum type="arabicPeriod"/>
-            </a:pPr>
-            <a:r>
-              <a:rPr lang="en-US" dirty="0"/>
-              <a:t>Problem Formulation </a:t>
-            </a:r>
-          </a:p>
-          <a:p>
-            <a:pPr marL="533400" indent="-457200">
-              <a:buFont typeface="+mj-lt"/>
-              <a:buAutoNum type="arabicPeriod"/>
-            </a:pPr>
-            <a:r>
-              <a:rPr lang="en-US" dirty="0"/>
-              <a:t>Debugging </a:t>
-            </a:r>
-          </a:p>
-          <a:p>
-            <a:pPr marL="533400" indent="-457200">
-              <a:buFont typeface="+mj-lt"/>
-              <a:buAutoNum type="arabicPeriod"/>
-            </a:pPr>
-            <a:r>
-              <a:rPr lang="en-US" dirty="0"/>
-              <a:t>Feature Generation/Selection </a:t>
-            </a:r>
-          </a:p>
-          <a:p>
-            <a:pPr marL="533400" indent="-457200">
-              <a:buFont typeface="+mj-lt"/>
-              <a:buAutoNum type="arabicPeriod"/>
-            </a:pPr>
-            <a:r>
-              <a:rPr lang="en-US" dirty="0"/>
-              <a:t>Interpretation of results </a:t>
-            </a:r>
-          </a:p>
-          <a:p>
-            <a:pPr marL="76200" indent="0">
-              <a:buNone/>
-            </a:pPr>
-            <a:endParaRPr lang="en-US" dirty="0"/>
-          </a:p>
-        </p:txBody>
-      </p:sp>
-    </p:spTree>
-    <p:extLst>
-      <p:ext uri="{BB962C8B-B14F-4D97-AF65-F5344CB8AC3E}">
-        <p14:creationId xmlns:p14="http://schemas.microsoft.com/office/powerpoint/2010/main" val="1721185332"/>
-      </p:ext>
-    </p:extLst>
-  </p:cSld>
-  <p:clrMapOvr>
-    <a:masterClrMapping/>
-  </p:clrMapOvr>
-</p:sld>
-</file>
-
-<file path=ppt/slides/slide6.xml><?xml version="1.0" encoding="utf-8"?>
-<p:sld xmlns:a="http://schemas.openxmlformats.org/drawingml/2006/main" xmlns:r="http://schemas.openxmlformats.org/officeDocument/2006/relationships" xmlns:p="http://schemas.openxmlformats.org/presentationml/2006/main">
-  <p:cSld>
-    <p:spTree>
-      <p:nvGrpSpPr>
-        <p:cNvPr id="1" name=""/>
-        <p:cNvGrpSpPr/>
-        <p:nvPr/>
-      </p:nvGrpSpPr>
-      <p:grpSpPr>
-        <a:xfrm>
-          <a:off x="0" y="0"/>
-          <a:ext cx="0" cy="0"/>
-          <a:chOff x="0" y="0"/>
-          <a:chExt cx="0" cy="0"/>
-        </a:xfrm>
-      </p:grpSpPr>
-      <p:sp>
-        <p:nvSpPr>
-          <p:cNvPr id="8194" name="Rectangle 2"/>
-          <p:cNvSpPr>
-            <a:spLocks noGrp="1" noChangeArrowheads="1"/>
-          </p:cNvSpPr>
-          <p:nvPr>
-            <p:ph type="title"/>
-          </p:nvPr>
-        </p:nvSpPr>
-        <p:spPr/>
-        <p:txBody>
-          <a:bodyPr/>
-          <a:lstStyle/>
-          <a:p>
-            <a:r>
-              <a:rPr lang="en-US" altLang="en-US" dirty="0"/>
-              <a:t> Some tips for exploring your project data</a:t>
-            </a:r>
-          </a:p>
-        </p:txBody>
-      </p:sp>
-      <p:sp>
-        <p:nvSpPr>
-          <p:cNvPr id="8195" name="Rectangle 3"/>
-          <p:cNvSpPr>
-            <a:spLocks noGrp="1" noChangeArrowheads="1"/>
-          </p:cNvSpPr>
-          <p:nvPr>
-            <p:ph type="body" idx="1"/>
-          </p:nvPr>
-        </p:nvSpPr>
-        <p:spPr>
-          <a:xfrm>
-            <a:off x="121458" y="1536633"/>
-            <a:ext cx="11948984" cy="4876524"/>
-          </a:xfrm>
-        </p:spPr>
-        <p:txBody>
-          <a:bodyPr/>
-          <a:lstStyle/>
-          <a:p>
-            <a:pPr>
-              <a:lnSpc>
-                <a:spcPct val="120000"/>
-              </a:lnSpc>
-            </a:pPr>
-            <a:r>
-              <a:rPr lang="en-US" b="1" dirty="0"/>
-              <a:t>Tables</a:t>
-            </a:r>
-            <a:r>
-              <a:rPr lang="en-US" dirty="0"/>
-              <a:t>: identify the database tables that are most relevant to your problem</a:t>
-            </a:r>
-          </a:p>
-          <a:p>
-            <a:pPr>
-              <a:lnSpc>
-                <a:spcPct val="120000"/>
-              </a:lnSpc>
-            </a:pPr>
-            <a:r>
-              <a:rPr lang="en-US" b="1" dirty="0"/>
-              <a:t>Entities</a:t>
-            </a:r>
-            <a:r>
-              <a:rPr lang="en-US" dirty="0"/>
-              <a:t>: How can you identify the primary entities from your project? What are some basic/relevant characteristics about them? How have those changed over time?</a:t>
-            </a:r>
-          </a:p>
-          <a:p>
-            <a:pPr>
-              <a:lnSpc>
-                <a:spcPct val="120000"/>
-              </a:lnSpc>
-            </a:pPr>
-            <a:r>
-              <a:rPr lang="en-US" b="1" dirty="0"/>
-              <a:t>Fields</a:t>
-            </a:r>
-            <a:r>
-              <a:rPr lang="en-US" dirty="0"/>
-              <a:t>: Most projects have a lot of different data fields, but don’t feel like your initial exploration needs to understand everything</a:t>
-            </a:r>
-          </a:p>
-          <a:p>
-            <a:pPr>
-              <a:lnSpc>
-                <a:spcPct val="120000"/>
-              </a:lnSpc>
-            </a:pPr>
-            <a:r>
-              <a:rPr lang="en-US" b="1" dirty="0"/>
-              <a:t>Label</a:t>
-            </a:r>
-            <a:r>
-              <a:rPr lang="en-US" dirty="0"/>
-              <a:t>: Think about how you might define your label? What can you say about its distribution and how it’s changed over time?</a:t>
-            </a:r>
-          </a:p>
-          <a:p>
-            <a:pPr>
-              <a:lnSpc>
-                <a:spcPct val="120000"/>
-              </a:lnSpc>
-            </a:pPr>
-            <a:r>
-              <a:rPr lang="en-US" dirty="0">
-                <a:effectLst/>
-              </a:rPr>
-              <a:t>Based on what you know of the context, what information would you expect to be important in modeling? Is this available? How well does it correlate with your label?</a:t>
-            </a:r>
-          </a:p>
-        </p:txBody>
-      </p:sp>
-    </p:spTree>
-    <p:extLst>
-      <p:ext uri="{BB962C8B-B14F-4D97-AF65-F5344CB8AC3E}">
-        <p14:creationId xmlns:p14="http://schemas.microsoft.com/office/powerpoint/2010/main" val="367351454"/>
-      </p:ext>
-    </p:extLst>
-  </p:cSld>
-  <p:clrMapOvr>
-    <a:masterClrMapping/>
-  </p:clrMapOvr>
-</p:sld>
-</file>
-
-<file path=ppt/slides/slide7.xml><?xml version="1.0" encoding="utf-8"?>
-<p:sld xmlns:a="http://schemas.openxmlformats.org/drawingml/2006/main" xmlns:r="http://schemas.openxmlformats.org/officeDocument/2006/relationships" xmlns:p="http://schemas.openxmlformats.org/presentationml/2006/main">
-  <p:cSld>
-    <p:spTree>
-      <p:nvGrpSpPr>
-        <p:cNvPr id="1" name=""/>
-        <p:cNvGrpSpPr/>
-        <p:nvPr/>
-      </p:nvGrpSpPr>
-      <p:grpSpPr>
-        <a:xfrm>
-          <a:off x="0" y="0"/>
-          <a:ext cx="0" cy="0"/>
-          <a:chOff x="0" y="0"/>
-          <a:chExt cx="0" cy="0"/>
-        </a:xfrm>
-      </p:grpSpPr>
-      <p:sp>
-        <p:nvSpPr>
-          <p:cNvPr id="2" name="Title 1">
-            <a:extLst>
-              <a:ext uri="{FF2B5EF4-FFF2-40B4-BE49-F238E27FC236}">
-                <a16:creationId xmlns:a16="http://schemas.microsoft.com/office/drawing/2014/main" id="{C8E60A25-02BD-674B-9661-DF031B0CB52C}"/>
-              </a:ext>
-            </a:extLst>
-          </p:cNvPr>
-          <p:cNvSpPr>
-            <a:spLocks noGrp="1"/>
-          </p:cNvSpPr>
-          <p:nvPr>
-            <p:ph type="title"/>
-          </p:nvPr>
-        </p:nvSpPr>
-        <p:spPr/>
-        <p:txBody>
-          <a:bodyPr/>
-          <a:lstStyle/>
-          <a:p>
-            <a:r>
-              <a:rPr lang="en-US" dirty="0"/>
-              <a:t>Typical data exploration tasks</a:t>
-            </a:r>
-          </a:p>
-        </p:txBody>
-      </p:sp>
-      <p:sp>
-        <p:nvSpPr>
-          <p:cNvPr id="3" name="Text Placeholder 2">
-            <a:extLst>
-              <a:ext uri="{FF2B5EF4-FFF2-40B4-BE49-F238E27FC236}">
-                <a16:creationId xmlns:a16="http://schemas.microsoft.com/office/drawing/2014/main" id="{B47464FC-F480-BD4E-8C73-EA0095EB65C0}"/>
-              </a:ext>
-            </a:extLst>
-          </p:cNvPr>
-          <p:cNvSpPr>
-            <a:spLocks noGrp="1"/>
-          </p:cNvSpPr>
-          <p:nvPr>
-            <p:ph type="body" idx="1"/>
-          </p:nvPr>
-        </p:nvSpPr>
-        <p:spPr/>
-        <p:txBody>
-          <a:bodyPr/>
-          <a:lstStyle/>
-          <a:p>
-            <a:r>
-              <a:rPr lang="en-US" dirty="0"/>
-              <a:t>Distributions of different variables </a:t>
-            </a:r>
-          </a:p>
-          <a:p>
-            <a:r>
-              <a:rPr lang="en-US" dirty="0"/>
-              <a:t>Correlations between variables – correlation matrix and turn it into a heatmap </a:t>
-            </a:r>
-          </a:p>
-          <a:p>
-            <a:r>
-              <a:rPr lang="en-US" dirty="0"/>
-              <a:t>Changes and trends over time – how does the data and the entities in the data change over time?</a:t>
-            </a:r>
-          </a:p>
-          <a:p>
-            <a:r>
-              <a:rPr lang="en-US" dirty="0"/>
-              <a:t>Missing values – are there lots of missing values? Is there any pattern there? How/why are they missing? </a:t>
-            </a:r>
-          </a:p>
-          <a:p>
-            <a:r>
-              <a:rPr lang="en-US" dirty="0"/>
-              <a:t>Outliers – this can be done using clustering but also by plotting distributions.</a:t>
-            </a:r>
-          </a:p>
-          <a:p>
-            <a:r>
-              <a:rPr lang="en-US" dirty="0"/>
-              <a:t>Labels/Outcomes – distribution and patterns</a:t>
-            </a:r>
-          </a:p>
-          <a:p>
-            <a:r>
-              <a:rPr lang="en-US" dirty="0"/>
-              <a:t>Cross-tabs (if you’re looking at multiple classes/labels), describing how the positive and negative classes are different without doing any machine learning.</a:t>
-            </a:r>
-          </a:p>
-        </p:txBody>
-      </p:sp>
-    </p:spTree>
-    <p:extLst>
-      <p:ext uri="{BB962C8B-B14F-4D97-AF65-F5344CB8AC3E}">
-        <p14:creationId xmlns:p14="http://schemas.microsoft.com/office/powerpoint/2010/main" val="4069897732"/>
-      </p:ext>
-    </p:extLst>
-  </p:cSld>
-  <p:clrMapOvr>
-    <a:masterClrMapping/>
-  </p:clrMapOvr>
-</p:sld>
-</file>
-
-<file path=ppt/slides/slide8.xml><?xml version="1.0" encoding="utf-8"?>
-<p:sld xmlns:a="http://schemas.openxmlformats.org/drawingml/2006/main" xmlns:r="http://schemas.openxmlformats.org/officeDocument/2006/relationships" xmlns:p="http://schemas.openxmlformats.org/presentationml/2006/main">
-  <p:cSld>
-    <p:spTree>
-      <p:nvGrpSpPr>
-        <p:cNvPr id="1" name=""/>
-        <p:cNvGrpSpPr/>
-        <p:nvPr/>
-      </p:nvGrpSpPr>
-      <p:grpSpPr>
-        <a:xfrm>
-          <a:off x="0" y="0"/>
-          <a:ext cx="0" cy="0"/>
-          <a:chOff x="0" y="0"/>
-          <a:chExt cx="0" cy="0"/>
-        </a:xfrm>
-      </p:grpSpPr>
-      <p:pic>
-        <p:nvPicPr>
-          <p:cNvPr id="9" name="Picture 8">
-            <a:extLst>
-              <a:ext uri="{FF2B5EF4-FFF2-40B4-BE49-F238E27FC236}">
-                <a16:creationId xmlns:a16="http://schemas.microsoft.com/office/drawing/2014/main" id="{3DF3CE1F-439A-864A-85F9-7ECA76CADBF5}"/>
-              </a:ext>
-            </a:extLst>
-          </p:cNvPr>
-          <p:cNvPicPr>
-            <a:picLocks noChangeAspect="1"/>
-          </p:cNvPicPr>
-          <p:nvPr/>
-        </p:nvPicPr>
-        <p:blipFill>
-          <a:blip r:embed="rId2"/>
-          <a:stretch>
-            <a:fillRect/>
-          </a:stretch>
-        </p:blipFill>
-        <p:spPr>
-          <a:xfrm>
-            <a:off x="2253318" y="80445"/>
-            <a:ext cx="7685364" cy="6697109"/>
-          </a:xfrm>
-          <a:prstGeom prst="rect">
-            <a:avLst/>
-          </a:prstGeom>
-        </p:spPr>
-      </p:pic>
-    </p:spTree>
-    <p:extLst>
-      <p:ext uri="{BB962C8B-B14F-4D97-AF65-F5344CB8AC3E}">
-        <p14:creationId xmlns:p14="http://schemas.microsoft.com/office/powerpoint/2010/main" val="1278687259"/>
-      </p:ext>
-    </p:extLst>
-  </p:cSld>
-  <p:clrMapOvr>
-    <a:masterClrMapping/>
-  </p:clrMapOvr>
-</p:sld>
-</file>
-
-<file path=ppt/slides/slide9.xml><?xml version="1.0" encoding="utf-8"?>
-<p:sld xmlns:a="http://schemas.openxmlformats.org/drawingml/2006/main" xmlns:r="http://schemas.openxmlformats.org/officeDocument/2006/relationships" xmlns:p="http://schemas.openxmlformats.org/presentationml/2006/main">
-  <p:cSld>
-    <p:spTree>
-      <p:nvGrpSpPr>
-        <p:cNvPr id="1" name=""/>
-        <p:cNvGrpSpPr/>
-        <p:nvPr/>
-      </p:nvGrpSpPr>
-      <p:grpSpPr>
-        <a:xfrm>
-          <a:off x="0" y="0"/>
-          <a:ext cx="0" cy="0"/>
-          <a:chOff x="0" y="0"/>
-          <a:chExt cx="0" cy="0"/>
-        </a:xfrm>
-      </p:grpSpPr>
-      <p:pic>
-        <p:nvPicPr>
-          <p:cNvPr id="1025" name="Picture 1" descr="page7image820992">
-            <a:extLst>
-              <a:ext uri="{FF2B5EF4-FFF2-40B4-BE49-F238E27FC236}">
-                <a16:creationId xmlns:a16="http://schemas.microsoft.com/office/drawing/2014/main" id="{C81F5E0F-0DF3-8A42-BCBD-633CA220A6F5}"/>
-              </a:ext>
-            </a:extLst>
-          </p:cNvPr>
-          <p:cNvPicPr>
-            <a:picLocks noChangeAspect="1" noChangeArrowheads="1"/>
-          </p:cNvPicPr>
-          <p:nvPr/>
-        </p:nvPicPr>
-        <p:blipFill>
-          <a:blip r:embed="rId2">
-            <a:extLst>
-              <a:ext uri="{28A0092B-C50C-407E-A947-70E740481C1C}">
-                <a14:useLocalDpi xmlns:a14="http://schemas.microsoft.com/office/drawing/2010/main" val="0"/>
-              </a:ext>
-            </a:extLst>
-          </a:blip>
-          <a:srcRect/>
-          <a:stretch>
-            <a:fillRect/>
-          </a:stretch>
-        </p:blipFill>
-        <p:spPr bwMode="auto">
-          <a:xfrm>
-            <a:off x="0" y="0"/>
-            <a:ext cx="12192000" cy="6858000"/>
-          </a:xfrm>
-          <a:prstGeom prst="rect">
-            <a:avLst/>
-          </a:prstGeom>
-          <a:noFill/>
-          <a:extLst>
-            <a:ext uri="{909E8E84-426E-40DD-AFC4-6F175D3DCCD1}">
-              <a14:hiddenFill xmlns:a14="http://schemas.microsoft.com/office/drawing/2010/main">
-                <a:solidFill>
-                  <a:srgbClr val="FFFFFF"/>
-                </a:solidFill>
-              </a14:hiddenFill>
-            </a:ext>
-          </a:extLst>
-        </p:spPr>
-      </p:pic>
-    </p:spTree>
-    <p:extLst>
-      <p:ext uri="{BB962C8B-B14F-4D97-AF65-F5344CB8AC3E}">
-        <p14:creationId xmlns:p14="http://schemas.microsoft.com/office/powerpoint/2010/main" val="2029549567"/>
+        <p14:creationId xmlns:p14="http://schemas.microsoft.com/office/powerpoint/2010/main" val="3471448103"/>
       </p:ext>
     </p:extLst>
   </p:cSld>

--- a/03 - Data Exploration, Analytical Formulation, and Baselines/data-exploration.pptx
+++ b/03 - Data Exploration, Analytical Formulation, and Baselines/data-exploration.pptx
@@ -5,7 +5,7 @@
     <p:sldMasterId id="2147483648" r:id="rId1"/>
   </p:sldMasterIdLst>
   <p:notesMasterIdLst>
-    <p:notesMasterId r:id="rId25"/>
+    <p:notesMasterId r:id="rId26"/>
   </p:notesMasterIdLst>
   <p:sldIdLst>
     <p:sldId id="256" r:id="rId2"/>
@@ -31,6 +31,7 @@
     <p:sldId id="262" r:id="rId22"/>
     <p:sldId id="309" r:id="rId23"/>
     <p:sldId id="311" r:id="rId24"/>
+    <p:sldId id="315" r:id="rId25"/>
   </p:sldIdLst>
   <p:sldSz cx="12192000" cy="6858000"/>
   <p:notesSz cx="6858000" cy="9144000"/>
@@ -268,7 +269,7 @@
       <p15:sldGuideLst xmlns:p15="http://schemas.microsoft.com/office/powerpoint/2012/main"/>
     </p:ext>
     <p:ext uri="http://customooxmlschemas.google.com/">
-      <go:slidesCustomData xmlns:go="http://customooxmlschemas.google.com/" xmlns:p15="http://schemas.microsoft.com/office/powerpoint/2012/main" xmlns:p14="http://schemas.microsoft.com/office/powerpoint/2010/main" xmlns:com="http://schemas.openxmlformats.org/drawingml/2006/compatibility" xmlns:pvml="urn:schemas-microsoft-com:office:powerpoint" xmlns:v="urn:schemas-microsoft-com:vml" xmlns:o="urn:schemas-microsoft-com:office:office" xmlns:dgm="http://schemas.openxmlformats.org/drawingml/2006/diagram" xmlns:c="http://schemas.openxmlformats.org/drawingml/2006/chart" xmlns:mv="urn:schemas-microsoft-com:mac:vml" xmlns:mc="http://schemas.openxmlformats.org/markup-compatibility/2006" xmlns="" r:id="rId30" roundtripDataSignature="AMtx7mjFyVUGRZWio+dc9dxzYsimUxNJbg=="/>
+      <go:slidesCustomData xmlns="" xmlns:mc="http://schemas.openxmlformats.org/markup-compatibility/2006" xmlns:mv="urn:schemas-microsoft-com:mac:vml" xmlns:c="http://schemas.openxmlformats.org/drawingml/2006/chart" xmlns:dgm="http://schemas.openxmlformats.org/drawingml/2006/diagram" xmlns:o="urn:schemas-microsoft-com:office:office" xmlns:v="urn:schemas-microsoft-com:vml" xmlns:pvml="urn:schemas-microsoft-com:office:powerpoint" xmlns:com="http://schemas.openxmlformats.org/drawingml/2006/compatibility" xmlns:p14="http://schemas.microsoft.com/office/powerpoint/2010/main" xmlns:p15="http://schemas.microsoft.com/office/powerpoint/2012/main" xmlns:go="http://customooxmlschemas.google.com/" r:id="rId30" roundtripDataSignature="AMtx7mjFyVUGRZWio+dc9dxzYsimUxNJbg=="/>
     </p:ext>
   </p:extLst>
 </p:presentation>
@@ -14738,6 +14739,152 @@
 </p:sld>
 </file>
 
+<file path=ppt/slides/slide24.xml><?xml version="1.0" encoding="utf-8"?>
+<p:sld xmlns:a="http://schemas.openxmlformats.org/drawingml/2006/main" xmlns:r="http://schemas.openxmlformats.org/officeDocument/2006/relationships" xmlns:p="http://schemas.openxmlformats.org/presentationml/2006/main">
+  <p:cSld>
+    <p:spTree>
+      <p:nvGrpSpPr>
+        <p:cNvPr id="1" name=""/>
+        <p:cNvGrpSpPr/>
+        <p:nvPr/>
+      </p:nvGrpSpPr>
+      <p:grpSpPr>
+        <a:xfrm>
+          <a:off x="0" y="0"/>
+          <a:ext cx="0" cy="0"/>
+          <a:chOff x="0" y="0"/>
+          <a:chExt cx="0" cy="0"/>
+        </a:xfrm>
+      </p:grpSpPr>
+      <p:sp>
+        <p:nvSpPr>
+          <p:cNvPr id="8194" name="Rectangle 2"/>
+          <p:cNvSpPr>
+            <a:spLocks noGrp="1" noChangeArrowheads="1"/>
+          </p:cNvSpPr>
+          <p:nvPr>
+            <p:ph type="title"/>
+          </p:nvPr>
+        </p:nvSpPr>
+        <p:spPr/>
+        <p:txBody>
+          <a:bodyPr/>
+          <a:lstStyle/>
+          <a:p>
+            <a:r>
+              <a:rPr lang="en-US" altLang="en-US" dirty="0"/>
+              <a:t>Reminders: What to look at in this time</a:t>
+            </a:r>
+          </a:p>
+        </p:txBody>
+      </p:sp>
+      <p:sp>
+        <p:nvSpPr>
+          <p:cNvPr id="8195" name="Rectangle 3"/>
+          <p:cNvSpPr>
+            <a:spLocks noGrp="1" noChangeArrowheads="1"/>
+          </p:cNvSpPr>
+          <p:nvPr>
+            <p:ph type="body" idx="1"/>
+          </p:nvPr>
+        </p:nvSpPr>
+        <p:spPr>
+          <a:xfrm>
+            <a:off x="121458" y="1536633"/>
+            <a:ext cx="11948984" cy="4876524"/>
+          </a:xfrm>
+        </p:spPr>
+        <p:txBody>
+          <a:bodyPr/>
+          <a:lstStyle/>
+          <a:p>
+            <a:pPr>
+              <a:lnSpc>
+                <a:spcPct val="120000"/>
+              </a:lnSpc>
+            </a:pPr>
+            <a:r>
+              <a:rPr lang="en-US" b="1" dirty="0"/>
+              <a:t>Tables</a:t>
+            </a:r>
+            <a:r>
+              <a:rPr lang="en-US" dirty="0"/>
+              <a:t>: identify the database tables that are most relevant to your problem</a:t>
+            </a:r>
+          </a:p>
+          <a:p>
+            <a:pPr>
+              <a:lnSpc>
+                <a:spcPct val="120000"/>
+              </a:lnSpc>
+            </a:pPr>
+            <a:r>
+              <a:rPr lang="en-US" b="1" dirty="0"/>
+              <a:t>Entities</a:t>
+            </a:r>
+            <a:r>
+              <a:rPr lang="en-US" dirty="0"/>
+              <a:t>: How can you identify the primary entities from your project? What are some basic/relevant characteristics about them? How have those changed over time?</a:t>
+            </a:r>
+          </a:p>
+          <a:p>
+            <a:pPr>
+              <a:lnSpc>
+                <a:spcPct val="120000"/>
+              </a:lnSpc>
+            </a:pPr>
+            <a:r>
+              <a:rPr lang="en-US" b="1" dirty="0"/>
+              <a:t>Fields</a:t>
+            </a:r>
+            <a:r>
+              <a:rPr lang="en-US" dirty="0"/>
+              <a:t>: Most projects have a lot of different data fields, but don’t feel like your initial exploration needs to understand everything</a:t>
+            </a:r>
+          </a:p>
+          <a:p>
+            <a:pPr>
+              <a:lnSpc>
+                <a:spcPct val="120000"/>
+              </a:lnSpc>
+            </a:pPr>
+            <a:r>
+              <a:rPr lang="en-US" b="1" dirty="0"/>
+              <a:t>Label</a:t>
+            </a:r>
+            <a:r>
+              <a:rPr lang="en-US" dirty="0"/>
+              <a:t>: Think about how you might define your label? What can you say about its distribution and how it’s changed over time?</a:t>
+            </a:r>
+          </a:p>
+          <a:p>
+            <a:pPr>
+              <a:lnSpc>
+                <a:spcPct val="120000"/>
+              </a:lnSpc>
+            </a:pPr>
+            <a:r>
+              <a:rPr lang="en-US" dirty="0">
+                <a:effectLst/>
+              </a:rPr>
+              <a:t>Based on what you know of the context, what information would you expect to be important in modeling? Is this available? How well does it correlate with your label?</a:t>
+            </a:r>
+          </a:p>
+        </p:txBody>
+      </p:sp>
+    </p:spTree>
+    <p:extLst>
+      <p:ext uri="{BB962C8B-B14F-4D97-AF65-F5344CB8AC3E}">
+        <p14:creationId xmlns:p14="http://schemas.microsoft.com/office/powerpoint/2010/main" val="2255534413"/>
+      </p:ext>
+    </p:extLst>
+  </p:cSld>
+  <p:clrMapOvr>
+    <a:masterClrMapping/>
+  </p:clrMapOvr>
+</p:sld>
+</file>
+
 <file path=ppt/slides/slide3.xml><?xml version="1.0" encoding="utf-8"?>
 <p:sld xmlns:a="http://schemas.openxmlformats.org/drawingml/2006/main" xmlns:r="http://schemas.openxmlformats.org/officeDocument/2006/relationships" xmlns:p="http://schemas.openxmlformats.org/presentationml/2006/main">
   <p:cSld>

--- a/03 - Data Exploration, Analytical Formulation, and Baselines/data-exploration.pptx
+++ b/03 - Data Exploration, Analytical Formulation, and Baselines/data-exploration.pptx
@@ -5,33 +5,34 @@
     <p:sldMasterId id="2147483648" r:id="rId1"/>
   </p:sldMasterIdLst>
   <p:notesMasterIdLst>
-    <p:notesMasterId r:id="rId26"/>
+    <p:notesMasterId r:id="rId27"/>
   </p:notesMasterIdLst>
   <p:sldIdLst>
     <p:sldId id="256" r:id="rId2"/>
     <p:sldId id="308" r:id="rId3"/>
     <p:sldId id="302" r:id="rId4"/>
     <p:sldId id="281" r:id="rId5"/>
-    <p:sldId id="301" r:id="rId6"/>
-    <p:sldId id="306" r:id="rId7"/>
-    <p:sldId id="299" r:id="rId8"/>
-    <p:sldId id="307" r:id="rId9"/>
-    <p:sldId id="310" r:id="rId10"/>
-    <p:sldId id="303" r:id="rId11"/>
-    <p:sldId id="312" r:id="rId12"/>
-    <p:sldId id="295" r:id="rId13"/>
-    <p:sldId id="282" r:id="rId14"/>
-    <p:sldId id="300" r:id="rId15"/>
-    <p:sldId id="285" r:id="rId16"/>
-    <p:sldId id="283" r:id="rId17"/>
-    <p:sldId id="298" r:id="rId18"/>
-    <p:sldId id="260" r:id="rId19"/>
-    <p:sldId id="261" r:id="rId20"/>
-    <p:sldId id="313" r:id="rId21"/>
-    <p:sldId id="262" r:id="rId22"/>
-    <p:sldId id="309" r:id="rId23"/>
-    <p:sldId id="311" r:id="rId24"/>
-    <p:sldId id="315" r:id="rId25"/>
+    <p:sldId id="316" r:id="rId6"/>
+    <p:sldId id="301" r:id="rId7"/>
+    <p:sldId id="306" r:id="rId8"/>
+    <p:sldId id="299" r:id="rId9"/>
+    <p:sldId id="307" r:id="rId10"/>
+    <p:sldId id="310" r:id="rId11"/>
+    <p:sldId id="303" r:id="rId12"/>
+    <p:sldId id="312" r:id="rId13"/>
+    <p:sldId id="295" r:id="rId14"/>
+    <p:sldId id="282" r:id="rId15"/>
+    <p:sldId id="300" r:id="rId16"/>
+    <p:sldId id="285" r:id="rId17"/>
+    <p:sldId id="283" r:id="rId18"/>
+    <p:sldId id="298" r:id="rId19"/>
+    <p:sldId id="260" r:id="rId20"/>
+    <p:sldId id="261" r:id="rId21"/>
+    <p:sldId id="313" r:id="rId22"/>
+    <p:sldId id="262" r:id="rId23"/>
+    <p:sldId id="309" r:id="rId24"/>
+    <p:sldId id="311" r:id="rId25"/>
+    <p:sldId id="315" r:id="rId26"/>
   </p:sldIdLst>
   <p:sldSz cx="12192000" cy="6858000"/>
   <p:notesSz cx="6858000" cy="9144000"/>
@@ -12209,6 +12210,81 @@
       </p:grpSpPr>
       <p:sp>
         <p:nvSpPr>
+          <p:cNvPr id="4" name="Text Placeholder 3">
+            <a:extLst>
+              <a:ext uri="{FF2B5EF4-FFF2-40B4-BE49-F238E27FC236}">
+                <a16:creationId xmlns:a16="http://schemas.microsoft.com/office/drawing/2014/main" id="{5E600BA7-FA45-884F-9820-9E5F2CB7AA48}"/>
+              </a:ext>
+            </a:extLst>
+          </p:cNvPr>
+          <p:cNvSpPr>
+            <a:spLocks noGrp="1"/>
+          </p:cNvSpPr>
+          <p:nvPr>
+            <p:ph type="body" idx="1"/>
+          </p:nvPr>
+        </p:nvSpPr>
+        <p:spPr>
+          <a:xfrm>
+            <a:off x="415650" y="2724664"/>
+            <a:ext cx="11360700" cy="1408672"/>
+          </a:xfrm>
+        </p:spPr>
+        <p:txBody>
+          <a:bodyPr/>
+          <a:lstStyle/>
+          <a:p>
+            <a:pPr marL="76200" indent="0" algn="ctr">
+              <a:buNone/>
+            </a:pPr>
+            <a:r>
+              <a:rPr lang="en-US" sz="4800" dirty="0"/>
+              <a:t>Project Team Meeting / Coordination</a:t>
+            </a:r>
+          </a:p>
+          <a:p>
+            <a:pPr marL="76200" indent="0" algn="ctr">
+              <a:buNone/>
+            </a:pPr>
+            <a:r>
+              <a:rPr lang="en-US" sz="4800" dirty="0"/>
+              <a:t>(10 minutes)</a:t>
+            </a:r>
+          </a:p>
+        </p:txBody>
+      </p:sp>
+    </p:spTree>
+    <p:extLst>
+      <p:ext uri="{BB962C8B-B14F-4D97-AF65-F5344CB8AC3E}">
+        <p14:creationId xmlns:p14="http://schemas.microsoft.com/office/powerpoint/2010/main" val="3471448103"/>
+      </p:ext>
+    </p:extLst>
+  </p:cSld>
+  <p:clrMapOvr>
+    <a:masterClrMapping/>
+  </p:clrMapOvr>
+</p:sld>
+</file>
+
+<file path=ppt/slides/slide11.xml><?xml version="1.0" encoding="utf-8"?>
+<p:sld xmlns:a="http://schemas.openxmlformats.org/drawingml/2006/main" xmlns:r="http://schemas.openxmlformats.org/officeDocument/2006/relationships" xmlns:p="http://schemas.openxmlformats.org/presentationml/2006/main">
+  <p:cSld>
+    <p:spTree>
+      <p:nvGrpSpPr>
+        <p:cNvPr id="1" name=""/>
+        <p:cNvGrpSpPr/>
+        <p:nvPr/>
+      </p:nvGrpSpPr>
+      <p:grpSpPr>
+        <a:xfrm>
+          <a:off x="0" y="0"/>
+          <a:ext cx="0" cy="0"/>
+          <a:chOff x="0" y="0"/>
+          <a:chExt cx="0" cy="0"/>
+        </a:xfrm>
+      </p:grpSpPr>
+      <p:sp>
+        <p:nvSpPr>
           <p:cNvPr id="2" name="Title 1">
             <a:extLst>
               <a:ext uri="{FF2B5EF4-FFF2-40B4-BE49-F238E27FC236}">
@@ -12303,7 +12379,7 @@
 </p:sld>
 </file>
 
-<file path=ppt/slides/slide11.xml><?xml version="1.0" encoding="utf-8"?>
+<file path=ppt/slides/slide12.xml><?xml version="1.0" encoding="utf-8"?>
 <p:sld xmlns:a="http://schemas.openxmlformats.org/drawingml/2006/main" xmlns:r="http://schemas.openxmlformats.org/officeDocument/2006/relationships" xmlns:p="http://schemas.openxmlformats.org/presentationml/2006/main">
   <p:cSld>
     <p:spTree>
@@ -12369,7 +12445,7 @@
 </p:sld>
 </file>
 
-<file path=ppt/slides/slide12.xml><?xml version="1.0" encoding="utf-8"?>
+<file path=ppt/slides/slide13.xml><?xml version="1.0" encoding="utf-8"?>
 <p:sld xmlns:a="http://schemas.openxmlformats.org/drawingml/2006/main" xmlns:r="http://schemas.openxmlformats.org/officeDocument/2006/relationships" xmlns:p="http://schemas.openxmlformats.org/presentationml/2006/main">
   <p:cSld>
     <p:spTree>
@@ -12504,7 +12580,7 @@
 </p:sld>
 </file>
 
-<file path=ppt/slides/slide13.xml><?xml version="1.0" encoding="utf-8"?>
+<file path=ppt/slides/slide14.xml><?xml version="1.0" encoding="utf-8"?>
 <p:sld xmlns:a="http://schemas.openxmlformats.org/drawingml/2006/main" xmlns:r="http://schemas.openxmlformats.org/officeDocument/2006/relationships" xmlns:p="http://schemas.openxmlformats.org/presentationml/2006/main">
   <p:cSld>
     <p:spTree>
@@ -12650,7 +12726,7 @@
 </p:sld>
 </file>
 
-<file path=ppt/slides/slide14.xml><?xml version="1.0" encoding="utf-8"?>
+<file path=ppt/slides/slide15.xml><?xml version="1.0" encoding="utf-8"?>
 <p:sld xmlns:a="http://schemas.openxmlformats.org/drawingml/2006/main" xmlns:r="http://schemas.openxmlformats.org/officeDocument/2006/relationships" xmlns:p="http://schemas.openxmlformats.org/presentationml/2006/main">
   <p:cSld>
     <p:spTree>
@@ -12796,7 +12872,7 @@
 </p:sld>
 </file>
 
-<file path=ppt/slides/slide15.xml><?xml version="1.0" encoding="utf-8"?>
+<file path=ppt/slides/slide16.xml><?xml version="1.0" encoding="utf-8"?>
 <p:sld xmlns:a="http://schemas.openxmlformats.org/drawingml/2006/main" xmlns:r="http://schemas.openxmlformats.org/officeDocument/2006/relationships" xmlns:p="http://schemas.openxmlformats.org/presentationml/2006/main">
   <p:cSld>
     <p:spTree>
@@ -12918,7 +12994,7 @@
 </p:sld>
 </file>
 
-<file path=ppt/slides/slide16.xml><?xml version="1.0" encoding="utf-8"?>
+<file path=ppt/slides/slide17.xml><?xml version="1.0" encoding="utf-8"?>
 <p:sld xmlns:a="http://schemas.openxmlformats.org/drawingml/2006/main" xmlns:r="http://schemas.openxmlformats.org/officeDocument/2006/relationships" xmlns:p="http://schemas.openxmlformats.org/presentationml/2006/main">
   <p:cSld>
     <p:spTree>
@@ -12978,7 +13054,7 @@
 </p:sld>
 </file>
 
-<file path=ppt/slides/slide17.xml><?xml version="1.0" encoding="utf-8"?>
+<file path=ppt/slides/slide18.xml><?xml version="1.0" encoding="utf-8"?>
 <p:sld xmlns:a="http://schemas.openxmlformats.org/drawingml/2006/main" xmlns:r="http://schemas.openxmlformats.org/officeDocument/2006/relationships" xmlns:p="http://schemas.openxmlformats.org/presentationml/2006/main">
   <p:cSld>
     <p:spTree>
@@ -13055,7 +13131,7 @@
 </p:sld>
 </file>
 
-<file path=ppt/slides/slide18.xml><?xml version="1.0" encoding="utf-8"?>
+<file path=ppt/slides/slide19.xml><?xml version="1.0" encoding="utf-8"?>
 <p:sld xmlns:a="http://schemas.openxmlformats.org/drawingml/2006/main" xmlns:r="http://schemas.openxmlformats.org/officeDocument/2006/relationships" xmlns:p="http://schemas.openxmlformats.org/presentationml/2006/main">
   <p:cSld>
     <p:spTree>
@@ -13170,7 +13246,82 @@
 </p:sld>
 </file>
 
-<file path=ppt/slides/slide19.xml><?xml version="1.0" encoding="utf-8"?>
+<file path=ppt/slides/slide2.xml><?xml version="1.0" encoding="utf-8"?>
+<p:sld xmlns:a="http://schemas.openxmlformats.org/drawingml/2006/main" xmlns:r="http://schemas.openxmlformats.org/officeDocument/2006/relationships" xmlns:p="http://schemas.openxmlformats.org/presentationml/2006/main">
+  <p:cSld>
+    <p:spTree>
+      <p:nvGrpSpPr>
+        <p:cNvPr id="1" name=""/>
+        <p:cNvGrpSpPr/>
+        <p:nvPr/>
+      </p:nvGrpSpPr>
+      <p:grpSpPr>
+        <a:xfrm>
+          <a:off x="0" y="0"/>
+          <a:ext cx="0" cy="0"/>
+          <a:chOff x="0" y="0"/>
+          <a:chExt cx="0" cy="0"/>
+        </a:xfrm>
+      </p:grpSpPr>
+      <p:sp>
+        <p:nvSpPr>
+          <p:cNvPr id="4" name="Text Placeholder 3">
+            <a:extLst>
+              <a:ext uri="{FF2B5EF4-FFF2-40B4-BE49-F238E27FC236}">
+                <a16:creationId xmlns:a16="http://schemas.microsoft.com/office/drawing/2014/main" id="{5E600BA7-FA45-884F-9820-9E5F2CB7AA48}"/>
+              </a:ext>
+            </a:extLst>
+          </p:cNvPr>
+          <p:cNvSpPr>
+            <a:spLocks noGrp="1"/>
+          </p:cNvSpPr>
+          <p:nvPr>
+            <p:ph type="body" idx="1"/>
+          </p:nvPr>
+        </p:nvSpPr>
+        <p:spPr>
+          <a:xfrm>
+            <a:off x="415650" y="2724664"/>
+            <a:ext cx="11360700" cy="1408672"/>
+          </a:xfrm>
+        </p:spPr>
+        <p:txBody>
+          <a:bodyPr/>
+          <a:lstStyle/>
+          <a:p>
+            <a:pPr marL="76200" indent="0" algn="ctr">
+              <a:buNone/>
+            </a:pPr>
+            <a:r>
+              <a:rPr lang="en-US" sz="4800" dirty="0"/>
+              <a:t>Please Sit with </a:t>
+            </a:r>
+          </a:p>
+          <a:p>
+            <a:pPr marL="76200" indent="0" algn="ctr">
+              <a:buNone/>
+            </a:pPr>
+            <a:r>
+              <a:rPr lang="en-US" sz="4800" dirty="0"/>
+              <a:t>Your Project Teams</a:t>
+            </a:r>
+          </a:p>
+        </p:txBody>
+      </p:sp>
+    </p:spTree>
+    <p:extLst>
+      <p:ext uri="{BB962C8B-B14F-4D97-AF65-F5344CB8AC3E}">
+        <p14:creationId xmlns:p14="http://schemas.microsoft.com/office/powerpoint/2010/main" val="134665013"/>
+      </p:ext>
+    </p:extLst>
+  </p:cSld>
+  <p:clrMapOvr>
+    <a:masterClrMapping/>
+  </p:clrMapOvr>
+</p:sld>
+</file>
+
+<file path=ppt/slides/slide20.xml><?xml version="1.0" encoding="utf-8"?>
 <p:sld xmlns:a="http://schemas.openxmlformats.org/drawingml/2006/main" xmlns:r="http://schemas.openxmlformats.org/officeDocument/2006/relationships" xmlns:p="http://schemas.openxmlformats.org/presentationml/2006/main">
   <p:cSld>
     <p:spTree>
@@ -13265,82 +13416,7 @@
 </p:sld>
 </file>
 
-<file path=ppt/slides/slide2.xml><?xml version="1.0" encoding="utf-8"?>
-<p:sld xmlns:a="http://schemas.openxmlformats.org/drawingml/2006/main" xmlns:r="http://schemas.openxmlformats.org/officeDocument/2006/relationships" xmlns:p="http://schemas.openxmlformats.org/presentationml/2006/main">
-  <p:cSld>
-    <p:spTree>
-      <p:nvGrpSpPr>
-        <p:cNvPr id="1" name=""/>
-        <p:cNvGrpSpPr/>
-        <p:nvPr/>
-      </p:nvGrpSpPr>
-      <p:grpSpPr>
-        <a:xfrm>
-          <a:off x="0" y="0"/>
-          <a:ext cx="0" cy="0"/>
-          <a:chOff x="0" y="0"/>
-          <a:chExt cx="0" cy="0"/>
-        </a:xfrm>
-      </p:grpSpPr>
-      <p:sp>
-        <p:nvSpPr>
-          <p:cNvPr id="4" name="Text Placeholder 3">
-            <a:extLst>
-              <a:ext uri="{FF2B5EF4-FFF2-40B4-BE49-F238E27FC236}">
-                <a16:creationId xmlns:a16="http://schemas.microsoft.com/office/drawing/2014/main" id="{5E600BA7-FA45-884F-9820-9E5F2CB7AA48}"/>
-              </a:ext>
-            </a:extLst>
-          </p:cNvPr>
-          <p:cNvSpPr>
-            <a:spLocks noGrp="1"/>
-          </p:cNvSpPr>
-          <p:nvPr>
-            <p:ph type="body" idx="1"/>
-          </p:nvPr>
-        </p:nvSpPr>
-        <p:spPr>
-          <a:xfrm>
-            <a:off x="415650" y="2724664"/>
-            <a:ext cx="11360700" cy="1408672"/>
-          </a:xfrm>
-        </p:spPr>
-        <p:txBody>
-          <a:bodyPr/>
-          <a:lstStyle/>
-          <a:p>
-            <a:pPr marL="76200" indent="0" algn="ctr">
-              <a:buNone/>
-            </a:pPr>
-            <a:r>
-              <a:rPr lang="en-US" sz="4800" dirty="0"/>
-              <a:t>Please Sit with </a:t>
-            </a:r>
-          </a:p>
-          <a:p>
-            <a:pPr marL="76200" indent="0" algn="ctr">
-              <a:buNone/>
-            </a:pPr>
-            <a:r>
-              <a:rPr lang="en-US" sz="4800" dirty="0"/>
-              <a:t>Your Project Teams</a:t>
-            </a:r>
-          </a:p>
-        </p:txBody>
-      </p:sp>
-    </p:spTree>
-    <p:extLst>
-      <p:ext uri="{BB962C8B-B14F-4D97-AF65-F5344CB8AC3E}">
-        <p14:creationId xmlns:p14="http://schemas.microsoft.com/office/powerpoint/2010/main" val="134665013"/>
-      </p:ext>
-    </p:extLst>
-  </p:cSld>
-  <p:clrMapOvr>
-    <a:masterClrMapping/>
-  </p:clrMapOvr>
-</p:sld>
-</file>
-
-<file path=ppt/slides/slide20.xml><?xml version="1.0" encoding="utf-8"?>
+<file path=ppt/slides/slide21.xml><?xml version="1.0" encoding="utf-8"?>
 <p:sld xmlns:a="http://schemas.openxmlformats.org/drawingml/2006/main" xmlns:r="http://schemas.openxmlformats.org/officeDocument/2006/relationships" xmlns:p="http://schemas.openxmlformats.org/presentationml/2006/main">
   <p:cSld>
     <p:spTree>
@@ -13424,7 +13500,7 @@
 </p:sld>
 </file>
 
-<file path=ppt/slides/slide21.xml><?xml version="1.0" encoding="utf-8"?>
+<file path=ppt/slides/slide22.xml><?xml version="1.0" encoding="utf-8"?>
 <p:sld xmlns:a="http://schemas.openxmlformats.org/drawingml/2006/main" xmlns:r="http://schemas.openxmlformats.org/officeDocument/2006/relationships" xmlns:p="http://schemas.openxmlformats.org/presentationml/2006/main">
   <p:cSld>
     <p:spTree>
@@ -14509,7 +14585,7 @@
 </p:sld>
 </file>
 
-<file path=ppt/slides/slide22.xml><?xml version="1.0" encoding="utf-8"?>
+<file path=ppt/slides/slide23.xml><?xml version="1.0" encoding="utf-8"?>
 <p:sld xmlns:a="http://schemas.openxmlformats.org/drawingml/2006/main" xmlns:r="http://schemas.openxmlformats.org/officeDocument/2006/relationships" xmlns:p="http://schemas.openxmlformats.org/presentationml/2006/main">
   <p:cSld>
     <p:spTree>
@@ -14673,7 +14749,7 @@
 </p:sld>
 </file>
 
-<file path=ppt/slides/slide23.xml><?xml version="1.0" encoding="utf-8"?>
+<file path=ppt/slides/slide24.xml><?xml version="1.0" encoding="utf-8"?>
 <p:sld xmlns:a="http://schemas.openxmlformats.org/drawingml/2006/main" xmlns:r="http://schemas.openxmlformats.org/officeDocument/2006/relationships" xmlns:p="http://schemas.openxmlformats.org/presentationml/2006/main">
   <p:cSld>
     <p:spTree>
@@ -14739,7 +14815,7 @@
 </p:sld>
 </file>
 
-<file path=ppt/slides/slide24.xml><?xml version="1.0" encoding="utf-8"?>
+<file path=ppt/slides/slide25.xml><?xml version="1.0" encoding="utf-8"?>
 <p:sld xmlns:a="http://schemas.openxmlformats.org/drawingml/2006/main" xmlns:r="http://schemas.openxmlformats.org/officeDocument/2006/relationships" xmlns:p="http://schemas.openxmlformats.org/presentationml/2006/main">
   <p:cSld>
     <p:spTree>
@@ -15089,6 +15165,160 @@
           <a:p>
             <a:r>
               <a:rPr lang="en-US" dirty="0"/>
+              <a:t>Reminder: Office Hours</a:t>
+            </a:r>
+          </a:p>
+        </p:txBody>
+      </p:sp>
+      <p:sp>
+        <p:nvSpPr>
+          <p:cNvPr id="4" name="Text Placeholder 3">
+            <a:extLst>
+              <a:ext uri="{FF2B5EF4-FFF2-40B4-BE49-F238E27FC236}">
+                <a16:creationId xmlns:a16="http://schemas.microsoft.com/office/drawing/2014/main" id="{5E600BA7-FA45-884F-9820-9E5F2CB7AA48}"/>
+              </a:ext>
+            </a:extLst>
+          </p:cNvPr>
+          <p:cNvSpPr>
+            <a:spLocks noGrp="1"/>
+          </p:cNvSpPr>
+          <p:nvPr>
+            <p:ph type="body" idx="1"/>
+          </p:nvPr>
+        </p:nvSpPr>
+        <p:spPr/>
+        <p:txBody>
+          <a:bodyPr/>
+          <a:lstStyle/>
+          <a:p>
+            <a:pPr marL="76200" indent="0">
+              <a:buNone/>
+            </a:pPr>
+            <a:r>
+              <a:rPr lang="en-US" i="1" dirty="0"/>
+              <a:t>Instructor Office Hours (course content, general questions, </a:t>
+            </a:r>
+            <a:r>
+              <a:rPr lang="en-US" i="1" dirty="0" err="1"/>
+              <a:t>etc</a:t>
+            </a:r>
+            <a:r>
+              <a:rPr lang="en-US" i="1" dirty="0"/>
+              <a:t>)</a:t>
+            </a:r>
+            <a:endParaRPr lang="en-US" dirty="0"/>
+          </a:p>
+          <a:p>
+            <a:pPr lvl="1"/>
+            <a:r>
+              <a:rPr lang="en-US" sz="2400" dirty="0" err="1"/>
+              <a:t>Rayid</a:t>
+            </a:r>
+            <a:r>
+              <a:rPr lang="en-US" sz="2400" dirty="0"/>
+              <a:t> (in GHC 8023): Tuesdays 12-1, Wednesdays 2-3</a:t>
+            </a:r>
+          </a:p>
+          <a:p>
+            <a:pPr lvl="1"/>
+            <a:r>
+              <a:rPr lang="en-US" sz="2400" dirty="0"/>
+              <a:t>Kit (in GHC 8018): Wednesdays 11-12, Thursdays 12-1</a:t>
+            </a:r>
+            <a:endParaRPr lang="en-US" dirty="0"/>
+          </a:p>
+          <a:p>
+            <a:pPr marL="76200" indent="0">
+              <a:buNone/>
+            </a:pPr>
+            <a:endParaRPr lang="en-US" i="1" dirty="0"/>
+          </a:p>
+          <a:p>
+            <a:pPr marL="76200" indent="0">
+              <a:buNone/>
+            </a:pPr>
+            <a:r>
+              <a:rPr lang="en-US" i="1" dirty="0"/>
+              <a:t>Infrastructure and Tech Setup Office Hours with the TAs:</a:t>
+            </a:r>
+            <a:endParaRPr lang="en-US" dirty="0"/>
+          </a:p>
+          <a:p>
+            <a:pPr lvl="1"/>
+            <a:r>
+              <a:rPr lang="en-US" sz="2400" dirty="0"/>
+              <a:t>Riyaz (8th floor GHC, by printers): Mondays 12-1, Fridays 10-11</a:t>
+            </a:r>
+          </a:p>
+          <a:p>
+            <a:pPr lvl="1"/>
+            <a:r>
+              <a:rPr lang="en-US" sz="2400" dirty="0"/>
+              <a:t>Abhishek (8th floor GHC, by printers): Mondays 11-12, Fridays 2-3</a:t>
+            </a:r>
+            <a:endParaRPr lang="en-US" dirty="0"/>
+          </a:p>
+          <a:p>
+            <a:pPr marL="76200" indent="0">
+              <a:buNone/>
+            </a:pPr>
+            <a:endParaRPr lang="en-US" dirty="0"/>
+          </a:p>
+        </p:txBody>
+      </p:sp>
+    </p:spTree>
+    <p:extLst>
+      <p:ext uri="{BB962C8B-B14F-4D97-AF65-F5344CB8AC3E}">
+        <p14:creationId xmlns:p14="http://schemas.microsoft.com/office/powerpoint/2010/main" val="1285932549"/>
+      </p:ext>
+    </p:extLst>
+  </p:cSld>
+  <p:clrMapOvr>
+    <a:masterClrMapping/>
+  </p:clrMapOvr>
+</p:sld>
+</file>
+
+<file path=ppt/slides/slide5.xml><?xml version="1.0" encoding="utf-8"?>
+<p:sld xmlns:a="http://schemas.openxmlformats.org/drawingml/2006/main" xmlns:r="http://schemas.openxmlformats.org/officeDocument/2006/relationships" xmlns:p="http://schemas.openxmlformats.org/presentationml/2006/main">
+  <p:cSld>
+    <p:spTree>
+      <p:nvGrpSpPr>
+        <p:cNvPr id="1" name=""/>
+        <p:cNvGrpSpPr/>
+        <p:nvPr/>
+      </p:nvGrpSpPr>
+      <p:grpSpPr>
+        <a:xfrm>
+          <a:off x="0" y="0"/>
+          <a:ext cx="0" cy="0"/>
+          <a:chOff x="0" y="0"/>
+          <a:chExt cx="0" cy="0"/>
+        </a:xfrm>
+      </p:grpSpPr>
+      <p:sp>
+        <p:nvSpPr>
+          <p:cNvPr id="3" name="Title 2">
+            <a:extLst>
+              <a:ext uri="{FF2B5EF4-FFF2-40B4-BE49-F238E27FC236}">
+                <a16:creationId xmlns:a16="http://schemas.microsoft.com/office/drawing/2014/main" id="{9323871C-7CA8-1448-8FFC-1AE6E1838941}"/>
+              </a:ext>
+            </a:extLst>
+          </p:cNvPr>
+          <p:cNvSpPr>
+            <a:spLocks noGrp="1"/>
+          </p:cNvSpPr>
+          <p:nvPr>
+            <p:ph type="title"/>
+          </p:nvPr>
+        </p:nvSpPr>
+        <p:spPr/>
+        <p:txBody>
+          <a:bodyPr/>
+          <a:lstStyle/>
+          <a:p>
+            <a:r>
+              <a:rPr lang="en-US" dirty="0"/>
               <a:t>Plan for today</a:t>
             </a:r>
           </a:p>
@@ -15162,7 +15392,7 @@
     </p:spTree>
     <p:extLst>
       <p:ext uri="{BB962C8B-B14F-4D97-AF65-F5344CB8AC3E}">
-        <p14:creationId xmlns:p14="http://schemas.microsoft.com/office/powerpoint/2010/main" val="1285932549"/>
+        <p14:creationId xmlns:p14="http://schemas.microsoft.com/office/powerpoint/2010/main" val="111603700"/>
       </p:ext>
     </p:extLst>
   </p:cSld>
@@ -15172,7 +15402,7 @@
 </p:sld>
 </file>
 
-<file path=ppt/slides/slide5.xml><?xml version="1.0" encoding="utf-8"?>
+<file path=ppt/slides/slide6.xml><?xml version="1.0" encoding="utf-8"?>
 <p:sld xmlns:a="http://schemas.openxmlformats.org/drawingml/2006/main" xmlns:r="http://schemas.openxmlformats.org/officeDocument/2006/relationships" xmlns:p="http://schemas.openxmlformats.org/presentationml/2006/main">
   <p:cSld>
     <p:spTree>
@@ -15238,7 +15468,7 @@
 </p:sld>
 </file>
 
-<file path=ppt/slides/slide6.xml><?xml version="1.0" encoding="utf-8"?>
+<file path=ppt/slides/slide7.xml><?xml version="1.0" encoding="utf-8"?>
 <p:sld xmlns:a="http://schemas.openxmlformats.org/drawingml/2006/main" xmlns:r="http://schemas.openxmlformats.org/officeDocument/2006/relationships" xmlns:p="http://schemas.openxmlformats.org/presentationml/2006/main">
   <p:cSld>
     <p:spTree>
@@ -15396,7 +15626,7 @@
 </p:sld>
 </file>
 
-<file path=ppt/slides/slide7.xml><?xml version="1.0" encoding="utf-8"?>
+<file path=ppt/slides/slide8.xml><?xml version="1.0" encoding="utf-8"?>
 <p:sld xmlns:a="http://schemas.openxmlformats.org/drawingml/2006/main" xmlns:r="http://schemas.openxmlformats.org/officeDocument/2006/relationships" xmlns:p="http://schemas.openxmlformats.org/presentationml/2006/main">
   <p:cSld>
     <p:spTree>
@@ -15533,7 +15763,7 @@
 </p:sld>
 </file>
 
-<file path=ppt/slides/slide8.xml><?xml version="1.0" encoding="utf-8"?>
+<file path=ppt/slides/slide9.xml><?xml version="1.0" encoding="utf-8"?>
 <p:sld xmlns:a="http://schemas.openxmlformats.org/drawingml/2006/main" xmlns:r="http://schemas.openxmlformats.org/officeDocument/2006/relationships" xmlns:p="http://schemas.openxmlformats.org/presentationml/2006/main">
   <p:cSld>
     <p:spTree>
@@ -15638,81 +15868,6 @@
     <p:extLst>
       <p:ext uri="{BB962C8B-B14F-4D97-AF65-F5344CB8AC3E}">
         <p14:creationId xmlns:p14="http://schemas.microsoft.com/office/powerpoint/2010/main" val="2457927461"/>
-      </p:ext>
-    </p:extLst>
-  </p:cSld>
-  <p:clrMapOvr>
-    <a:masterClrMapping/>
-  </p:clrMapOvr>
-</p:sld>
-</file>
-
-<file path=ppt/slides/slide9.xml><?xml version="1.0" encoding="utf-8"?>
-<p:sld xmlns:a="http://schemas.openxmlformats.org/drawingml/2006/main" xmlns:r="http://schemas.openxmlformats.org/officeDocument/2006/relationships" xmlns:p="http://schemas.openxmlformats.org/presentationml/2006/main">
-  <p:cSld>
-    <p:spTree>
-      <p:nvGrpSpPr>
-        <p:cNvPr id="1" name=""/>
-        <p:cNvGrpSpPr/>
-        <p:nvPr/>
-      </p:nvGrpSpPr>
-      <p:grpSpPr>
-        <a:xfrm>
-          <a:off x="0" y="0"/>
-          <a:ext cx="0" cy="0"/>
-          <a:chOff x="0" y="0"/>
-          <a:chExt cx="0" cy="0"/>
-        </a:xfrm>
-      </p:grpSpPr>
-      <p:sp>
-        <p:nvSpPr>
-          <p:cNvPr id="4" name="Text Placeholder 3">
-            <a:extLst>
-              <a:ext uri="{FF2B5EF4-FFF2-40B4-BE49-F238E27FC236}">
-                <a16:creationId xmlns:a16="http://schemas.microsoft.com/office/drawing/2014/main" id="{5E600BA7-FA45-884F-9820-9E5F2CB7AA48}"/>
-              </a:ext>
-            </a:extLst>
-          </p:cNvPr>
-          <p:cNvSpPr>
-            <a:spLocks noGrp="1"/>
-          </p:cNvSpPr>
-          <p:nvPr>
-            <p:ph type="body" idx="1"/>
-          </p:nvPr>
-        </p:nvSpPr>
-        <p:spPr>
-          <a:xfrm>
-            <a:off x="415650" y="2724664"/>
-            <a:ext cx="11360700" cy="1408672"/>
-          </a:xfrm>
-        </p:spPr>
-        <p:txBody>
-          <a:bodyPr/>
-          <a:lstStyle/>
-          <a:p>
-            <a:pPr marL="76200" indent="0" algn="ctr">
-              <a:buNone/>
-            </a:pPr>
-            <a:r>
-              <a:rPr lang="en-US" sz="4800" dirty="0"/>
-              <a:t>Project Team Meeting / Coordination</a:t>
-            </a:r>
-          </a:p>
-          <a:p>
-            <a:pPr marL="76200" indent="0" algn="ctr">
-              <a:buNone/>
-            </a:pPr>
-            <a:r>
-              <a:rPr lang="en-US" sz="4800" dirty="0"/>
-              <a:t>(10 minutes)</a:t>
-            </a:r>
-          </a:p>
-        </p:txBody>
-      </p:sp>
-    </p:spTree>
-    <p:extLst>
-      <p:ext uri="{BB962C8B-B14F-4D97-AF65-F5344CB8AC3E}">
-        <p14:creationId xmlns:p14="http://schemas.microsoft.com/office/powerpoint/2010/main" val="3471448103"/>
       </p:ext>
     </p:extLst>
   </p:cSld>
